--- a/docs/mm2-diagrams.pptx
+++ b/docs/mm2-diagrams.pptx
@@ -223,7 +223,7 @@
           <a:p>
             <a:fld id="{43B1B1F9-D0CB-FF4D-BEE0-BED1F1FDA196}" type="datetimeFigureOut">
               <a:rPr lang="en-US" smtClean="0"/>
-              <a:t>3/10/20</a:t>
+              <a:t>3/11/20</a:t>
             </a:fld>
             <a:endParaRPr lang="en-US"/>
           </a:p>
@@ -388,7 +388,7 @@
           <a:p>
             <a:fld id="{26BE012A-D992-5D42-B86E-AA2BC0764EE1}" type="datetimeFigureOut">
               <a:rPr lang="en-US" smtClean="0"/>
-              <a:t>3/10/20</a:t>
+              <a:t>3/11/20</a:t>
             </a:fld>
             <a:endParaRPr lang="en-US"/>
           </a:p>
@@ -2769,14 +2769,14 @@
           </a:ln>
           <a:extLst>
             <a:ext uri="{909E8E84-426E-40dd-AFC4-6F175D3DCCD1}">
-              <a14:hiddenFill xmlns="" xmlns:a14="http://schemas.microsoft.com/office/drawing/2010/main">
+              <a14:hiddenFill xmlns:a14="http://schemas.microsoft.com/office/drawing/2010/main" xmlns="">
                 <a:solidFill>
                   <a:srgbClr val="FFFFFF"/>
                 </a:solidFill>
               </a14:hiddenFill>
             </a:ext>
             <a:ext uri="{91240B29-F687-4f45-9708-019B960494DF}">
-              <a14:hiddenLine xmlns="" xmlns:a14="http://schemas.microsoft.com/office/drawing/2010/main" w="9525">
+              <a14:hiddenLine xmlns:a14="http://schemas.microsoft.com/office/drawing/2010/main" xmlns="" w="9525">
                 <a:solidFill>
                   <a:srgbClr val="000000"/>
                 </a:solidFill>
@@ -2828,14 +2828,14 @@
           <a:effectLst/>
           <a:extLst>
             <a:ext uri="{909E8E84-426E-40dd-AFC4-6F175D3DCCD1}">
-              <a14:hiddenFill xmlns="" xmlns:a14="http://schemas.microsoft.com/office/drawing/2010/main">
+              <a14:hiddenFill xmlns:a14="http://schemas.microsoft.com/office/drawing/2010/main" xmlns="">
                 <a:solidFill>
                   <a:schemeClr val="accent1"/>
                 </a:solidFill>
               </a14:hiddenFill>
             </a:ext>
             <a:ext uri="{91240B29-F687-4f45-9708-019B960494DF}">
-              <a14:hiddenLine xmlns="" xmlns:a14="http://schemas.microsoft.com/office/drawing/2010/main" w="9525">
+              <a14:hiddenLine xmlns:a14="http://schemas.microsoft.com/office/drawing/2010/main" xmlns="" w="9525">
                 <a:solidFill>
                   <a:schemeClr val="tx1"/>
                 </a:solidFill>
@@ -2845,7 +2845,7 @@
               </a14:hiddenLine>
             </a:ext>
             <a:ext uri="{AF507438-7753-43e0-B8FC-AC1667EBCBE1}">
-              <a14:hiddenEffects xmlns="" xmlns:a14="http://schemas.microsoft.com/office/drawing/2010/main">
+              <a14:hiddenEffects xmlns:a14="http://schemas.microsoft.com/office/drawing/2010/main" xmlns="">
                 <a:effectLst>
                   <a:outerShdw blurRad="63500" dist="38099" dir="2700000" algn="ctr" rotWithShape="0">
                     <a:schemeClr val="bg2">
@@ -3561,10 +3561,10 @@
           </a:ln>
           <a:extLst>
             <a:ext uri="{FAA26D3D-D897-4be2-8F04-BA451C77F1D7}">
-              <ma14:placeholderFlag xmlns:ma14="http://schemas.microsoft.com/office/mac/drawingml/2011/main" xmlns="" val="1"/>
+              <ma14:placeholderFlag xmlns="" xmlns:ma14="http://schemas.microsoft.com/office/mac/drawingml/2011/main" val="1"/>
             </a:ext>
             <a:ext uri="{909E8E84-426E-40dd-AFC4-6F175D3DCCD1}">
-              <a14:hiddenFill xmlns:a14="http://schemas.microsoft.com/office/drawing/2010/main" xmlns="">
+              <a14:hiddenFill xmlns="" xmlns:a14="http://schemas.microsoft.com/office/drawing/2010/main">
                 <a:solidFill>
                   <a:srgbClr val="FFFFFF"/>
                 </a:solidFill>
@@ -3615,10 +3615,10 @@
           </a:ln>
           <a:extLst>
             <a:ext uri="{FAA26D3D-D897-4be2-8F04-BA451C77F1D7}">
-              <ma14:placeholderFlag xmlns:ma14="http://schemas.microsoft.com/office/mac/drawingml/2011/main" xmlns="" val="1"/>
+              <ma14:placeholderFlag xmlns="" xmlns:ma14="http://schemas.microsoft.com/office/mac/drawingml/2011/main" val="1"/>
             </a:ext>
             <a:ext uri="{909E8E84-426E-40dd-AFC4-6F175D3DCCD1}">
-              <a14:hiddenFill xmlns:a14="http://schemas.microsoft.com/office/drawing/2010/main" xmlns="">
+              <a14:hiddenFill xmlns="" xmlns:a14="http://schemas.microsoft.com/office/drawing/2010/main">
                 <a:solidFill>
                   <a:srgbClr val="FFFFFF"/>
                 </a:solidFill>
@@ -14690,36 +14690,6 @@
           </a:prstGeom>
         </p:spPr>
       </p:pic>
-      <p:pic>
-        <p:nvPicPr>
-          <p:cNvPr id="37" name="Picture 36">
-            <a:extLst>
-              <a:ext uri="{FF2B5EF4-FFF2-40B4-BE49-F238E27FC236}">
-                <a16:creationId xmlns:a16="http://schemas.microsoft.com/office/drawing/2014/main" id="{6D8F6862-7739-D946-A521-B5976D86EED8}"/>
-              </a:ext>
-            </a:extLst>
-          </p:cNvPr>
-          <p:cNvPicPr>
-            <a:picLocks noChangeAspect="1"/>
-          </p:cNvPicPr>
-          <p:nvPr/>
-        </p:nvPicPr>
-        <p:blipFill>
-          <a:blip r:embed="rId4"/>
-          <a:stretch>
-            <a:fillRect/>
-          </a:stretch>
-        </p:blipFill>
-        <p:spPr>
-          <a:xfrm>
-            <a:off x="1956920" y="2941013"/>
-            <a:ext cx="376238" cy="371475"/>
-          </a:xfrm>
-          <a:prstGeom prst="rect">
-            <a:avLst/>
-          </a:prstGeom>
-        </p:spPr>
-      </p:pic>
       <p:sp>
         <p:nvSpPr>
           <p:cNvPr id="54" name="Rounded Rectangle 53">
@@ -16108,6 +16078,78 @@
           </a:fontRef>
         </p:style>
       </p:cxnSp>
+      <p:sp>
+        <p:nvSpPr>
+          <p:cNvPr id="72" name="TextBox 71">
+            <a:extLst>
+              <a:ext uri="{FF2B5EF4-FFF2-40B4-BE49-F238E27FC236}">
+                <a16:creationId xmlns:a16="http://schemas.microsoft.com/office/drawing/2014/main" id="{0EBAAD39-80D0-5549-8180-F3A0C0565822}"/>
+              </a:ext>
+            </a:extLst>
+          </p:cNvPr>
+          <p:cNvSpPr txBox="1"/>
+          <p:nvPr/>
+        </p:nvSpPr>
+        <p:spPr>
+          <a:xfrm>
+            <a:off x="1258848" y="1463746"/>
+            <a:ext cx="673582" cy="246221"/>
+          </a:xfrm>
+          <a:prstGeom prst="rect">
+            <a:avLst/>
+          </a:prstGeom>
+          <a:noFill/>
+        </p:spPr>
+        <p:txBody>
+          <a:bodyPr wrap="none" rtlCol="0">
+            <a:spAutoFit/>
+          </a:bodyPr>
+          <a:lstStyle/>
+          <a:p>
+            <a:r>
+              <a:rPr lang="en-US" sz="1000" dirty="0"/>
+              <a:t>products</a:t>
+            </a:r>
+            <a:endParaRPr sz="1000" dirty="0"/>
+          </a:p>
+        </p:txBody>
+      </p:sp>
+      <p:sp>
+        <p:nvSpPr>
+          <p:cNvPr id="73" name="TextBox 72">
+            <a:extLst>
+              <a:ext uri="{FF2B5EF4-FFF2-40B4-BE49-F238E27FC236}">
+                <a16:creationId xmlns:a16="http://schemas.microsoft.com/office/drawing/2014/main" id="{78E8CCC5-9C76-5345-BDCB-1F1DD5A80BA4}"/>
+              </a:ext>
+            </a:extLst>
+          </p:cNvPr>
+          <p:cNvSpPr txBox="1"/>
+          <p:nvPr/>
+        </p:nvSpPr>
+        <p:spPr>
+          <a:xfrm>
+            <a:off x="6329859" y="1423157"/>
+            <a:ext cx="1091966" cy="246221"/>
+          </a:xfrm>
+          <a:prstGeom prst="rect">
+            <a:avLst/>
+          </a:prstGeom>
+          <a:noFill/>
+        </p:spPr>
+        <p:txBody>
+          <a:bodyPr wrap="none" rtlCol="0">
+            <a:spAutoFit/>
+          </a:bodyPr>
+          <a:lstStyle/>
+          <a:p>
+            <a:r>
+              <a:rPr lang="en-US" sz="1000" dirty="0"/>
+              <a:t>source.products</a:t>
+            </a:r>
+            <a:endParaRPr sz="1000" dirty="0"/>
+          </a:p>
+        </p:txBody>
+      </p:sp>
     </p:spTree>
     <p:extLst>
       <p:ext uri="{BB962C8B-B14F-4D97-AF65-F5344CB8AC3E}">
@@ -18621,6 +18663,9 @@
             <a:chOff x="4142228" y="2170290"/>
             <a:chExt cx="734098" cy="548634"/>
           </a:xfrm>
+          <a:solidFill>
+            <a:schemeClr val="accent2"/>
+          </a:solidFill>
         </p:grpSpPr>
         <p:sp>
           <p:nvSpPr>
@@ -18642,12 +18687,7 @@
             <a:prstGeom prst="roundRect">
               <a:avLst/>
             </a:prstGeom>
-            <a:solidFill>
-              <a:schemeClr val="accent5">
-                <a:lumMod val="60000"/>
-                <a:lumOff val="40000"/>
-              </a:schemeClr>
-            </a:solidFill>
+            <a:grpFill/>
             <a:ln>
               <a:solidFill>
                 <a:schemeClr val="bg1"/>
@@ -18730,12 +18770,7 @@
             <a:prstGeom prst="roundRect">
               <a:avLst/>
             </a:prstGeom>
-            <a:solidFill>
-              <a:schemeClr val="accent5">
-                <a:lumMod val="60000"/>
-                <a:lumOff val="40000"/>
-              </a:schemeClr>
-            </a:solidFill>
+            <a:grpFill/>
             <a:ln>
               <a:solidFill>
                 <a:schemeClr val="bg1"/>
@@ -18818,12 +18853,7 @@
             <a:prstGeom prst="roundRect">
               <a:avLst/>
             </a:prstGeom>
-            <a:solidFill>
-              <a:schemeClr val="accent5">
-                <a:lumMod val="60000"/>
-                <a:lumOff val="40000"/>
-              </a:schemeClr>
-            </a:solidFill>
+            <a:grpFill/>
             <a:ln>
               <a:solidFill>
                 <a:schemeClr val="bg1"/>
@@ -18906,12 +18936,7 @@
             <a:prstGeom prst="roundRect">
               <a:avLst/>
             </a:prstGeom>
-            <a:solidFill>
-              <a:schemeClr val="accent5">
-                <a:lumMod val="60000"/>
-                <a:lumOff val="40000"/>
-              </a:schemeClr>
-            </a:solidFill>
+            <a:grpFill/>
             <a:ln>
               <a:solidFill>
                 <a:schemeClr val="bg1"/>
@@ -18994,6 +19019,9 @@
             <a:chOff x="4142228" y="2170290"/>
             <a:chExt cx="734098" cy="548634"/>
           </a:xfrm>
+          <a:solidFill>
+            <a:schemeClr val="accent2"/>
+          </a:solidFill>
         </p:grpSpPr>
         <p:sp>
           <p:nvSpPr>
@@ -19015,12 +19043,7 @@
             <a:prstGeom prst="roundRect">
               <a:avLst/>
             </a:prstGeom>
-            <a:solidFill>
-              <a:schemeClr val="accent5">
-                <a:lumMod val="60000"/>
-                <a:lumOff val="40000"/>
-              </a:schemeClr>
-            </a:solidFill>
+            <a:grpFill/>
             <a:ln>
               <a:solidFill>
                 <a:schemeClr val="bg1"/>
@@ -19103,12 +19126,7 @@
             <a:prstGeom prst="roundRect">
               <a:avLst/>
             </a:prstGeom>
-            <a:solidFill>
-              <a:schemeClr val="accent5">
-                <a:lumMod val="60000"/>
-                <a:lumOff val="40000"/>
-              </a:schemeClr>
-            </a:solidFill>
+            <a:grpFill/>
             <a:ln>
               <a:solidFill>
                 <a:schemeClr val="bg1"/>
@@ -19191,12 +19209,7 @@
             <a:prstGeom prst="roundRect">
               <a:avLst/>
             </a:prstGeom>
-            <a:solidFill>
-              <a:schemeClr val="accent5">
-                <a:lumMod val="60000"/>
-                <a:lumOff val="40000"/>
-              </a:schemeClr>
-            </a:solidFill>
+            <a:grpFill/>
             <a:ln>
               <a:solidFill>
                 <a:schemeClr val="bg1"/>
@@ -19279,12 +19292,7 @@
             <a:prstGeom prst="roundRect">
               <a:avLst/>
             </a:prstGeom>
-            <a:solidFill>
-              <a:schemeClr val="accent5">
-                <a:lumMod val="60000"/>
-                <a:lumOff val="40000"/>
-              </a:schemeClr>
-            </a:solidFill>
+            <a:grpFill/>
             <a:ln>
               <a:solidFill>
                 <a:schemeClr val="bg1"/>
@@ -20636,8 +20644,8 @@
         </p:nvSpPr>
         <p:spPr>
           <a:xfrm rot="16200000">
-            <a:off x="6934301" y="2441440"/>
-            <a:ext cx="309314" cy="1137314"/>
+            <a:off x="7022901" y="2352839"/>
+            <a:ext cx="309314" cy="1314515"/>
           </a:xfrm>
           <a:prstGeom prst="can">
             <a:avLst/>
@@ -20683,7 +20691,7 @@
               </a:spcAft>
             </a:pPr>
             <a:r>
-              <a:rPr lang="en-US" sz="1000" b="1" err="1">
+              <a:rPr lang="en-US" sz="1000" b="1" dirty="0">
                 <a:solidFill>
                   <a:schemeClr val="accent4">
                     <a:lumMod val="75000"/>
@@ -20691,16 +20699,8 @@
                 </a:solidFill>
                 <a:latin typeface="Arial"/>
               </a:rPr>
-              <a:t>source.orders</a:t>
-            </a:r>
-            <a:endParaRPr lang="en-US" sz="1000" b="1">
-              <a:solidFill>
-                <a:schemeClr val="accent4">
-                  <a:lumMod val="75000"/>
-                </a:schemeClr>
-              </a:solidFill>
-              <a:latin typeface="Arial"/>
-            </a:endParaRPr>
+              <a:t>source.products</a:t>
+            </a:r>
           </a:p>
         </p:txBody>
       </p:sp>
@@ -21204,7 +21204,7 @@
               </a:spcAft>
             </a:pPr>
             <a:r>
-              <a:rPr lang="en-US" sz="1000" b="1">
+              <a:rPr lang="en-US" sz="1000" b="1" dirty="0">
                 <a:solidFill>
                   <a:schemeClr val="accent4">
                     <a:lumMod val="75000"/>
@@ -21212,7 +21212,7 @@
                 </a:solidFill>
                 <a:latin typeface="Arial"/>
               </a:rPr>
-              <a:t>Orders</a:t>
+              <a:t>products</a:t>
             </a:r>
           </a:p>
         </p:txBody>
@@ -23887,10 +23887,9 @@
           <a:lstStyle/>
           <a:p>
             <a:r>
-              <a:rPr lang="en-US" sz="750" b="1" dirty="0" err="1"/>
+              <a:rPr lang="en-US" sz="750" b="1" dirty="0"/>
               <a:t>source.orders</a:t>
             </a:r>
-            <a:endParaRPr lang="en-US" sz="750" b="1" dirty="0"/>
           </a:p>
         </p:txBody>
       </p:sp>
@@ -26256,10 +26255,9 @@
           <a:lstStyle/>
           <a:p>
             <a:r>
-              <a:rPr lang="en-US" sz="750" b="1" dirty="0" err="1"/>
+              <a:rPr lang="en-US" sz="750" b="1" dirty="0"/>
               <a:t>source.orders</a:t>
             </a:r>
-            <a:endParaRPr lang="en-US" sz="750" b="1" dirty="0"/>
           </a:p>
         </p:txBody>
       </p:sp>

--- a/docs/mm2-diagrams.pptx
+++ b/docs/mm2-diagrams.pptx
@@ -223,7 +223,7 @@
           <a:p>
             <a:fld id="{43B1B1F9-D0CB-FF4D-BEE0-BED1F1FDA196}" type="datetimeFigureOut">
               <a:rPr lang="en-US" smtClean="0"/>
-              <a:t>3/11/20</a:t>
+              <a:t>3/12/20</a:t>
             </a:fld>
             <a:endParaRPr lang="en-US"/>
           </a:p>
@@ -388,7 +388,7 @@
           <a:p>
             <a:fld id="{26BE012A-D992-5D42-B86E-AA2BC0764EE1}" type="datetimeFigureOut">
               <a:rPr lang="en-US" smtClean="0"/>
-              <a:t>3/11/20</a:t>
+              <a:t>3/12/20</a:t>
             </a:fld>
             <a:endParaRPr lang="en-US"/>
           </a:p>
@@ -2769,14 +2769,14 @@
           </a:ln>
           <a:extLst>
             <a:ext uri="{909E8E84-426E-40dd-AFC4-6F175D3DCCD1}">
-              <a14:hiddenFill xmlns:a14="http://schemas.microsoft.com/office/drawing/2010/main" xmlns="">
+              <a14:hiddenFill xmlns="" xmlns:a14="http://schemas.microsoft.com/office/drawing/2010/main">
                 <a:solidFill>
                   <a:srgbClr val="FFFFFF"/>
                 </a:solidFill>
               </a14:hiddenFill>
             </a:ext>
             <a:ext uri="{91240B29-F687-4f45-9708-019B960494DF}">
-              <a14:hiddenLine xmlns:a14="http://schemas.microsoft.com/office/drawing/2010/main" xmlns="" w="9525">
+              <a14:hiddenLine xmlns="" xmlns:a14="http://schemas.microsoft.com/office/drawing/2010/main" w="9525">
                 <a:solidFill>
                   <a:srgbClr val="000000"/>
                 </a:solidFill>
@@ -2828,14 +2828,14 @@
           <a:effectLst/>
           <a:extLst>
             <a:ext uri="{909E8E84-426E-40dd-AFC4-6F175D3DCCD1}">
-              <a14:hiddenFill xmlns:a14="http://schemas.microsoft.com/office/drawing/2010/main" xmlns="">
+              <a14:hiddenFill xmlns="" xmlns:a14="http://schemas.microsoft.com/office/drawing/2010/main">
                 <a:solidFill>
                   <a:schemeClr val="accent1"/>
                 </a:solidFill>
               </a14:hiddenFill>
             </a:ext>
             <a:ext uri="{91240B29-F687-4f45-9708-019B960494DF}">
-              <a14:hiddenLine xmlns:a14="http://schemas.microsoft.com/office/drawing/2010/main" xmlns="" w="9525">
+              <a14:hiddenLine xmlns="" xmlns:a14="http://schemas.microsoft.com/office/drawing/2010/main" w="9525">
                 <a:solidFill>
                   <a:schemeClr val="tx1"/>
                 </a:solidFill>
@@ -2845,7 +2845,7 @@
               </a14:hiddenLine>
             </a:ext>
             <a:ext uri="{AF507438-7753-43e0-B8FC-AC1667EBCBE1}">
-              <a14:hiddenEffects xmlns:a14="http://schemas.microsoft.com/office/drawing/2010/main" xmlns="">
+              <a14:hiddenEffects xmlns="" xmlns:a14="http://schemas.microsoft.com/office/drawing/2010/main">
                 <a:effectLst>
                   <a:outerShdw blurRad="63500" dist="38099" dir="2700000" algn="ctr" rotWithShape="0">
                     <a:schemeClr val="bg2">
@@ -3561,10 +3561,10 @@
           </a:ln>
           <a:extLst>
             <a:ext uri="{FAA26D3D-D897-4be2-8F04-BA451C77F1D7}">
-              <ma14:placeholderFlag xmlns="" xmlns:ma14="http://schemas.microsoft.com/office/mac/drawingml/2011/main" val="1"/>
+              <ma14:placeholderFlag xmlns:ma14="http://schemas.microsoft.com/office/mac/drawingml/2011/main" xmlns="" val="1"/>
             </a:ext>
             <a:ext uri="{909E8E84-426E-40dd-AFC4-6F175D3DCCD1}">
-              <a14:hiddenFill xmlns="" xmlns:a14="http://schemas.microsoft.com/office/drawing/2010/main">
+              <a14:hiddenFill xmlns:a14="http://schemas.microsoft.com/office/drawing/2010/main" xmlns="">
                 <a:solidFill>
                   <a:srgbClr val="FFFFFF"/>
                 </a:solidFill>
@@ -3615,10 +3615,10 @@
           </a:ln>
           <a:extLst>
             <a:ext uri="{FAA26D3D-D897-4be2-8F04-BA451C77F1D7}">
-              <ma14:placeholderFlag xmlns="" xmlns:ma14="http://schemas.microsoft.com/office/mac/drawingml/2011/main" val="1"/>
+              <ma14:placeholderFlag xmlns:ma14="http://schemas.microsoft.com/office/mac/drawingml/2011/main" xmlns="" val="1"/>
             </a:ext>
             <a:ext uri="{909E8E84-426E-40dd-AFC4-6F175D3DCCD1}">
-              <a14:hiddenFill xmlns="" xmlns:a14="http://schemas.microsoft.com/office/drawing/2010/main">
+              <a14:hiddenFill xmlns:a14="http://schemas.microsoft.com/office/drawing/2010/main" xmlns="">
                 <a:solidFill>
                   <a:srgbClr val="FFFFFF"/>
                 </a:solidFill>
@@ -12947,7 +12947,7 @@
                 </a:solidFill>
                 <a:latin typeface="Arial"/>
               </a:rPr>
-              <a:t>Target Cluster</a:t>
+              <a:t>Event Streams Target Cluster</a:t>
             </a:r>
           </a:p>
         </p:txBody>
@@ -16150,6 +16150,36 @@
           </a:p>
         </p:txBody>
       </p:sp>
+      <p:pic>
+        <p:nvPicPr>
+          <p:cNvPr id="74" name="Picture 73" descr="A picture containing sign, clock&#10;&#10;Description automatically generated">
+            <a:extLst>
+              <a:ext uri="{FF2B5EF4-FFF2-40B4-BE49-F238E27FC236}">
+                <a16:creationId xmlns:a16="http://schemas.microsoft.com/office/drawing/2014/main" id="{7CB3EBED-680A-5047-9DD5-9ADFD165BBF4}"/>
+              </a:ext>
+            </a:extLst>
+          </p:cNvPr>
+          <p:cNvPicPr>
+            <a:picLocks noChangeAspect="1"/>
+          </p:cNvPicPr>
+          <p:nvPr/>
+        </p:nvPicPr>
+        <p:blipFill>
+          <a:blip r:embed="rId5"/>
+          <a:stretch>
+            <a:fillRect/>
+          </a:stretch>
+        </p:blipFill>
+        <p:spPr>
+          <a:xfrm>
+            <a:off x="8394478" y="1071776"/>
+            <a:ext cx="397442" cy="351885"/>
+          </a:xfrm>
+          <a:prstGeom prst="rect">
+            <a:avLst/>
+          </a:prstGeom>
+        </p:spPr>
+      </p:pic>
     </p:spTree>
     <p:extLst>
       <p:ext uri="{BB962C8B-B14F-4D97-AF65-F5344CB8AC3E}">
@@ -18255,36 +18285,6 @@
           </a:p>
         </p:txBody>
       </p:sp>
-      <p:pic>
-        <p:nvPicPr>
-          <p:cNvPr id="3" name="Picture 2">
-            <a:extLst>
-              <a:ext uri="{FF2B5EF4-FFF2-40B4-BE49-F238E27FC236}">
-                <a16:creationId xmlns:a16="http://schemas.microsoft.com/office/drawing/2014/main" id="{6897ECA9-F27F-1B4B-A567-00FA2BA8DB10}"/>
-              </a:ext>
-            </a:extLst>
-          </p:cNvPr>
-          <p:cNvPicPr>
-            <a:picLocks noChangeAspect="1"/>
-          </p:cNvPicPr>
-          <p:nvPr/>
-        </p:nvPicPr>
-        <p:blipFill>
-          <a:blip r:embed="rId4"/>
-          <a:stretch>
-            <a:fillRect/>
-          </a:stretch>
-        </p:blipFill>
-        <p:spPr>
-          <a:xfrm>
-            <a:off x="511363" y="1939213"/>
-            <a:ext cx="376238" cy="371475"/>
-          </a:xfrm>
-          <a:prstGeom prst="rect">
-            <a:avLst/>
-          </a:prstGeom>
-        </p:spPr>
-      </p:pic>
       <p:pic>
         <p:nvPicPr>
           <p:cNvPr id="37" name="Picture 36">
@@ -19789,8 +19789,8 @@
         </p:nvCxnSpPr>
         <p:spPr>
           <a:xfrm rot="5400000" flipH="1" flipV="1">
-            <a:off x="1155425" y="2194620"/>
-            <a:ext cx="667781" cy="371683"/>
+            <a:off x="1212794" y="2164582"/>
+            <a:ext cx="580375" cy="344352"/>
           </a:xfrm>
           <a:prstGeom prst="bentConnector3">
             <a:avLst>
@@ -19962,6 +19962,72 @@
           </a:p>
         </p:txBody>
       </p:sp>
+      <p:pic>
+        <p:nvPicPr>
+          <p:cNvPr id="71" name="Picture 70" descr="A picture containing sign, clock&#10;&#10;Description automatically generated">
+            <a:extLst>
+              <a:ext uri="{FF2B5EF4-FFF2-40B4-BE49-F238E27FC236}">
+                <a16:creationId xmlns:a16="http://schemas.microsoft.com/office/drawing/2014/main" id="{7908A8B9-9BE3-D342-9BAF-8EF0C1CD40BC}"/>
+              </a:ext>
+            </a:extLst>
+          </p:cNvPr>
+          <p:cNvPicPr>
+            <a:picLocks noChangeAspect="1"/>
+          </p:cNvPicPr>
+          <p:nvPr/>
+        </p:nvPicPr>
+        <p:blipFill>
+          <a:blip r:embed="rId5"/>
+          <a:stretch>
+            <a:fillRect/>
+          </a:stretch>
+        </p:blipFill>
+        <p:spPr>
+          <a:xfrm>
+            <a:off x="8394478" y="1071776"/>
+            <a:ext cx="397442" cy="351885"/>
+          </a:xfrm>
+          <a:prstGeom prst="rect">
+            <a:avLst/>
+          </a:prstGeom>
+        </p:spPr>
+      </p:pic>
+      <p:pic>
+        <p:nvPicPr>
+          <p:cNvPr id="72" name="Picture 71">
+            <a:extLst>
+              <a:ext uri="{FF2B5EF4-FFF2-40B4-BE49-F238E27FC236}">
+                <a16:creationId xmlns:a16="http://schemas.microsoft.com/office/drawing/2014/main" id="{7AA36845-A2F6-2543-821D-F06C70CC4B8C}"/>
+              </a:ext>
+            </a:extLst>
+          </p:cNvPr>
+          <p:cNvPicPr>
+            <a:picLocks noChangeAspect="1"/>
+          </p:cNvPicPr>
+          <p:nvPr/>
+        </p:nvPicPr>
+        <p:blipFill>
+          <a:blip r:embed="rId2">
+            <a:extLst>
+              <a:ext uri="{28A0092B-C50C-407E-A947-70E740481C1C}">
+                <a14:useLocalDpi xmlns:a14="http://schemas.microsoft.com/office/drawing/2010/main" val="0"/>
+              </a:ext>
+            </a:extLst>
+          </a:blip>
+          <a:stretch>
+            <a:fillRect/>
+          </a:stretch>
+        </p:blipFill>
+        <p:spPr>
+          <a:xfrm>
+            <a:off x="597072" y="2023769"/>
+            <a:ext cx="191007" cy="252252"/>
+          </a:xfrm>
+          <a:prstGeom prst="rect">
+            <a:avLst/>
+          </a:prstGeom>
+        </p:spPr>
+      </p:pic>
     </p:spTree>
     <p:extLst>
       <p:ext uri="{BB962C8B-B14F-4D97-AF65-F5344CB8AC3E}">
@@ -23893,6 +23959,66 @@
           </a:p>
         </p:txBody>
       </p:sp>
+      <p:pic>
+        <p:nvPicPr>
+          <p:cNvPr id="40" name="Picture 39">
+            <a:extLst>
+              <a:ext uri="{FF2B5EF4-FFF2-40B4-BE49-F238E27FC236}">
+                <a16:creationId xmlns:a16="http://schemas.microsoft.com/office/drawing/2014/main" id="{B2E3B02B-700F-1948-ADEA-CB5FC76BE11D}"/>
+              </a:ext>
+            </a:extLst>
+          </p:cNvPr>
+          <p:cNvPicPr>
+            <a:picLocks noChangeAspect="1"/>
+          </p:cNvPicPr>
+          <p:nvPr/>
+        </p:nvPicPr>
+        <p:blipFill>
+          <a:blip r:embed="rId4"/>
+          <a:stretch>
+            <a:fillRect/>
+          </a:stretch>
+        </p:blipFill>
+        <p:spPr>
+          <a:xfrm>
+            <a:off x="356381" y="3625830"/>
+            <a:ext cx="261023" cy="238649"/>
+          </a:xfrm>
+          <a:prstGeom prst="rect">
+            <a:avLst/>
+          </a:prstGeom>
+        </p:spPr>
+      </p:pic>
+      <p:pic>
+        <p:nvPicPr>
+          <p:cNvPr id="41" name="Picture 40" descr="A picture containing sign, clock&#10;&#10;Description automatically generated">
+            <a:extLst>
+              <a:ext uri="{FF2B5EF4-FFF2-40B4-BE49-F238E27FC236}">
+                <a16:creationId xmlns:a16="http://schemas.microsoft.com/office/drawing/2014/main" id="{AD7ADB04-28C0-0E48-A740-348F31B8ADCD}"/>
+              </a:ext>
+            </a:extLst>
+          </p:cNvPr>
+          <p:cNvPicPr>
+            <a:picLocks noChangeAspect="1"/>
+          </p:cNvPicPr>
+          <p:nvPr/>
+        </p:nvPicPr>
+        <p:blipFill>
+          <a:blip r:embed="rId5"/>
+          <a:stretch>
+            <a:fillRect/>
+          </a:stretch>
+        </p:blipFill>
+        <p:spPr>
+          <a:xfrm>
+            <a:off x="8026345" y="1071776"/>
+            <a:ext cx="397442" cy="351885"/>
+          </a:xfrm>
+          <a:prstGeom prst="rect">
+            <a:avLst/>
+          </a:prstGeom>
+        </p:spPr>
+      </p:pic>
     </p:spTree>
     <p:extLst>
       <p:ext uri="{BB962C8B-B14F-4D97-AF65-F5344CB8AC3E}">
@@ -24770,7 +24896,7 @@
         <p:spPr bwMode="auto">
           <a:xfrm>
             <a:off x="4935506" y="1499732"/>
-            <a:ext cx="3074603" cy="745927"/>
+            <a:ext cx="3333325" cy="745927"/>
           </a:xfrm>
           <a:prstGeom prst="roundRect">
             <a:avLst>
@@ -25465,7 +25591,7 @@
                 </a:solidFill>
                 <a:latin typeface="Arial"/>
               </a:rPr>
-              <a:t>kafka-console-consumer.sh</a:t>
+              <a:t>Consumer</a:t>
             </a:r>
           </a:p>
         </p:txBody>
@@ -25572,36 +25698,6 @@
           </a:p>
         </p:txBody>
       </p:sp>
-      <p:pic>
-        <p:nvPicPr>
-          <p:cNvPr id="3" name="Picture 2">
-            <a:extLst>
-              <a:ext uri="{FF2B5EF4-FFF2-40B4-BE49-F238E27FC236}">
-                <a16:creationId xmlns:a16="http://schemas.microsoft.com/office/drawing/2014/main" id="{6897ECA9-F27F-1B4B-A567-00FA2BA8DB10}"/>
-              </a:ext>
-            </a:extLst>
-          </p:cNvPr>
-          <p:cNvPicPr>
-            <a:picLocks noChangeAspect="1"/>
-          </p:cNvPicPr>
-          <p:nvPr/>
-        </p:nvPicPr>
-        <p:blipFill>
-          <a:blip r:embed="rId2"/>
-          <a:stretch>
-            <a:fillRect/>
-          </a:stretch>
-        </p:blipFill>
-        <p:spPr>
-          <a:xfrm>
-            <a:off x="511363" y="1939213"/>
-            <a:ext cx="376238" cy="371475"/>
-          </a:xfrm>
-          <a:prstGeom prst="rect">
-            <a:avLst/>
-          </a:prstGeom>
-        </p:spPr>
-      </p:pic>
       <p:pic>
         <p:nvPicPr>
           <p:cNvPr id="37" name="Picture 36">
@@ -25880,7 +25976,7 @@
         </p:nvSpPr>
         <p:spPr>
           <a:xfrm>
-            <a:off x="2236351" y="3405569"/>
+            <a:off x="6525686" y="2970111"/>
             <a:ext cx="1218911" cy="371475"/>
           </a:xfrm>
           <a:prstGeom prst="roundRect">
@@ -25928,7 +26024,7 @@
                 </a:solidFill>
                 <a:latin typeface="Arial"/>
               </a:rPr>
-              <a:t>kafka-console-producer.sh</a:t>
+              <a:t>Producer</a:t>
             </a:r>
           </a:p>
         </p:txBody>
@@ -25990,18 +26086,20 @@
           </p:cNvPr>
           <p:cNvCxnSpPr>
             <a:cxnSpLocks/>
-            <a:stCxn id="49" idx="3"/>
+            <a:stCxn id="49" idx="0"/>
             <a:endCxn id="13" idx="2"/>
           </p:cNvCxnSpPr>
           <p:nvPr/>
         </p:nvCxnSpPr>
         <p:spPr>
-          <a:xfrm flipV="1">
-            <a:off x="3455262" y="2046055"/>
-            <a:ext cx="2841797" cy="1545251"/>
-          </a:xfrm>
-          <a:prstGeom prst="bentConnector2">
-            <a:avLst/>
+          <a:xfrm rot="16200000" flipV="1">
+            <a:off x="6254073" y="2089041"/>
+            <a:ext cx="924056" cy="838083"/>
+          </a:xfrm>
+          <a:prstGeom prst="bentConnector3">
+            <a:avLst>
+              <a:gd name="adj1" fmla="val 50000"/>
+            </a:avLst>
           </a:prstGeom>
           <a:ln>
             <a:solidFill>
@@ -26095,7 +26193,7 @@
         </p:nvSpPr>
         <p:spPr>
           <a:xfrm>
-            <a:off x="3334249" y="3625830"/>
+            <a:off x="6317439" y="2990978"/>
             <a:ext cx="322730" cy="308102"/>
           </a:xfrm>
           <a:prstGeom prst="ellipse">
@@ -26263,10 +26361,10 @@
       </p:sp>
       <p:pic>
         <p:nvPicPr>
-          <p:cNvPr id="40" name="Picture 39">
-            <a:extLst>
-              <a:ext uri="{FF2B5EF4-FFF2-40B4-BE49-F238E27FC236}">
-                <a16:creationId xmlns:a16="http://schemas.microsoft.com/office/drawing/2014/main" id="{55D0F98F-B902-9942-A2EC-ED7716144A37}"/>
+          <p:cNvPr id="41" name="Picture 40">
+            <a:extLst>
+              <a:ext uri="{FF2B5EF4-FFF2-40B4-BE49-F238E27FC236}">
+                <a16:creationId xmlns:a16="http://schemas.microsoft.com/office/drawing/2014/main" id="{56C25C81-9BFA-624C-9CA8-B1ED9F6886F8}"/>
               </a:ext>
             </a:extLst>
           </p:cNvPr>
@@ -26276,15 +26374,198 @@
           <p:nvPr/>
         </p:nvPicPr>
         <p:blipFill>
-          <a:blip r:embed="rId2"/>
+          <a:blip r:embed="rId3">
+            <a:extLst>
+              <a:ext uri="{28A0092B-C50C-407E-A947-70E740481C1C}">
+                <a14:useLocalDpi xmlns:a14="http://schemas.microsoft.com/office/drawing/2010/main" val="0"/>
+              </a:ext>
+            </a:extLst>
+          </a:blip>
           <a:stretch>
             <a:fillRect/>
           </a:stretch>
         </p:blipFill>
         <p:spPr>
           <a:xfrm>
-            <a:off x="4913974" y="1938698"/>
-            <a:ext cx="376238" cy="371475"/>
+            <a:off x="4945417" y="1503235"/>
+            <a:ext cx="191007" cy="252252"/>
+          </a:xfrm>
+          <a:prstGeom prst="rect">
+            <a:avLst/>
+          </a:prstGeom>
+        </p:spPr>
+      </p:pic>
+      <p:pic>
+        <p:nvPicPr>
+          <p:cNvPr id="42" name="Picture 41">
+            <a:extLst>
+              <a:ext uri="{FF2B5EF4-FFF2-40B4-BE49-F238E27FC236}">
+                <a16:creationId xmlns:a16="http://schemas.microsoft.com/office/drawing/2014/main" id="{68211D15-A32F-8943-9E1A-48A59F5DFCD2}"/>
+              </a:ext>
+            </a:extLst>
+          </p:cNvPr>
+          <p:cNvPicPr>
+            <a:picLocks noChangeAspect="1"/>
+          </p:cNvPicPr>
+          <p:nvPr/>
+        </p:nvPicPr>
+        <p:blipFill>
+          <a:blip r:embed="rId3">
+            <a:extLst>
+              <a:ext uri="{28A0092B-C50C-407E-A947-70E740481C1C}">
+                <a14:useLocalDpi xmlns:a14="http://schemas.microsoft.com/office/drawing/2010/main" val="0"/>
+              </a:ext>
+            </a:extLst>
+          </a:blip>
+          <a:stretch>
+            <a:fillRect/>
+          </a:stretch>
+        </p:blipFill>
+        <p:spPr>
+          <a:xfrm>
+            <a:off x="632701" y="1536885"/>
+            <a:ext cx="191007" cy="252252"/>
+          </a:xfrm>
+          <a:prstGeom prst="rect">
+            <a:avLst/>
+          </a:prstGeom>
+        </p:spPr>
+      </p:pic>
+      <p:pic>
+        <p:nvPicPr>
+          <p:cNvPr id="43" name="Picture 42">
+            <a:extLst>
+              <a:ext uri="{FF2B5EF4-FFF2-40B4-BE49-F238E27FC236}">
+                <a16:creationId xmlns:a16="http://schemas.microsoft.com/office/drawing/2014/main" id="{17C8EA92-3D3A-6646-A77F-C2E199089CD1}"/>
+              </a:ext>
+            </a:extLst>
+          </p:cNvPr>
+          <p:cNvPicPr>
+            <a:picLocks noChangeAspect="1"/>
+          </p:cNvPicPr>
+          <p:nvPr/>
+        </p:nvPicPr>
+        <p:blipFill>
+          <a:blip r:embed="rId4"/>
+          <a:stretch>
+            <a:fillRect/>
+          </a:stretch>
+        </p:blipFill>
+        <p:spPr>
+          <a:xfrm>
+            <a:off x="356381" y="3625830"/>
+            <a:ext cx="261023" cy="238649"/>
+          </a:xfrm>
+          <a:prstGeom prst="rect">
+            <a:avLst/>
+          </a:prstGeom>
+        </p:spPr>
+      </p:pic>
+      <p:sp>
+        <p:nvSpPr>
+          <p:cNvPr id="47" name="AutoShape 4">
+            <a:extLst>
+              <a:ext uri="{FF2B5EF4-FFF2-40B4-BE49-F238E27FC236}">
+                <a16:creationId xmlns:a16="http://schemas.microsoft.com/office/drawing/2014/main" id="{A00EABA6-52E6-B747-BCD6-7A397FE9059C}"/>
+              </a:ext>
+            </a:extLst>
+          </p:cNvPr>
+          <p:cNvSpPr>
+            <a:spLocks noChangeArrowheads="1"/>
+          </p:cNvSpPr>
+          <p:nvPr/>
+        </p:nvSpPr>
+        <p:spPr bwMode="auto">
+          <a:xfrm>
+            <a:off x="4945416" y="2790647"/>
+            <a:ext cx="3333325" cy="814403"/>
+          </a:xfrm>
+          <a:prstGeom prst="roundRect">
+            <a:avLst>
+              <a:gd name="adj" fmla="val 3325"/>
+            </a:avLst>
+          </a:prstGeom>
+          <a:noFill/>
+          <a:ln w="12700">
+            <a:solidFill>
+              <a:schemeClr val="accent3"/>
+            </a:solidFill>
+            <a:prstDash val="dash"/>
+            <a:round/>
+            <a:headEnd/>
+            <a:tailEnd/>
+          </a:ln>
+        </p:spPr>
+        <p:txBody>
+          <a:bodyPr lIns="0" tIns="0" rIns="0" bIns="0" anchor="b" anchorCtr="1"/>
+          <a:lstStyle/>
+          <a:p>
+            <a:pPr algn="ctr"/>
+            <a:r>
+              <a:rPr lang="en-US" sz="750" dirty="0" err="1"/>
+              <a:t>Openshifr</a:t>
+            </a:r>
+            <a:r>
+              <a:rPr lang="en-US" sz="750" dirty="0"/>
+              <a:t> on Kubernetes Service</a:t>
+            </a:r>
+          </a:p>
+        </p:txBody>
+      </p:sp>
+      <p:pic>
+        <p:nvPicPr>
+          <p:cNvPr id="48" name="Picture 47">
+            <a:extLst>
+              <a:ext uri="{FF2B5EF4-FFF2-40B4-BE49-F238E27FC236}">
+                <a16:creationId xmlns:a16="http://schemas.microsoft.com/office/drawing/2014/main" id="{D9A1D566-7274-254B-B86D-75F32B5130BE}"/>
+              </a:ext>
+            </a:extLst>
+          </p:cNvPr>
+          <p:cNvPicPr>
+            <a:picLocks noChangeAspect="1"/>
+          </p:cNvPicPr>
+          <p:nvPr/>
+        </p:nvPicPr>
+        <p:blipFill>
+          <a:blip r:embed="rId4"/>
+          <a:stretch>
+            <a:fillRect/>
+          </a:stretch>
+        </p:blipFill>
+        <p:spPr>
+          <a:xfrm>
+            <a:off x="4938273" y="3386344"/>
+            <a:ext cx="261023" cy="238649"/>
+          </a:xfrm>
+          <a:prstGeom prst="rect">
+            <a:avLst/>
+          </a:prstGeom>
+        </p:spPr>
+      </p:pic>
+      <p:pic>
+        <p:nvPicPr>
+          <p:cNvPr id="50" name="Picture 49" descr="A picture containing sign, clock&#10;&#10;Description automatically generated">
+            <a:extLst>
+              <a:ext uri="{FF2B5EF4-FFF2-40B4-BE49-F238E27FC236}">
+                <a16:creationId xmlns:a16="http://schemas.microsoft.com/office/drawing/2014/main" id="{18D36C91-09E9-144D-BA4D-78F0917B3606}"/>
+              </a:ext>
+            </a:extLst>
+          </p:cNvPr>
+          <p:cNvPicPr>
+            <a:picLocks noChangeAspect="1"/>
+          </p:cNvPicPr>
+          <p:nvPr/>
+        </p:nvPicPr>
+        <p:blipFill>
+          <a:blip r:embed="rId5"/>
+          <a:stretch>
+            <a:fillRect/>
+          </a:stretch>
+        </p:blipFill>
+        <p:spPr>
+          <a:xfrm>
+            <a:off x="8002594" y="1071776"/>
+            <a:ext cx="397442" cy="351885"/>
           </a:xfrm>
           <a:prstGeom prst="rect">
             <a:avLst/>

--- a/docs/mm2-diagrams.pptx
+++ b/docs/mm2-diagrams.pptx
@@ -6,21 +6,22 @@
     <p:sldMasterId id="2147483943" r:id="rId2"/>
   </p:sldMasterIdLst>
   <p:notesMasterIdLst>
-    <p:notesMasterId r:id="rId12"/>
+    <p:notesMasterId r:id="rId13"/>
   </p:notesMasterIdLst>
   <p:handoutMasterIdLst>
-    <p:handoutMasterId r:id="rId13"/>
+    <p:handoutMasterId r:id="rId14"/>
   </p:handoutMasterIdLst>
   <p:sldIdLst>
-    <p:sldId id="141168516" r:id="rId3"/>
-    <p:sldId id="141169004" r:id="rId4"/>
-    <p:sldId id="141169013" r:id="rId5"/>
-    <p:sldId id="141169015" r:id="rId6"/>
-    <p:sldId id="141169014" r:id="rId7"/>
-    <p:sldId id="141169005" r:id="rId8"/>
-    <p:sldId id="141169002" r:id="rId9"/>
-    <p:sldId id="141168520" r:id="rId10"/>
-    <p:sldId id="141168521" r:id="rId11"/>
+    <p:sldId id="141169016" r:id="rId3"/>
+    <p:sldId id="141168516" r:id="rId4"/>
+    <p:sldId id="141169004" r:id="rId5"/>
+    <p:sldId id="141169013" r:id="rId6"/>
+    <p:sldId id="141169015" r:id="rId7"/>
+    <p:sldId id="141169014" r:id="rId8"/>
+    <p:sldId id="141169005" r:id="rId9"/>
+    <p:sldId id="141169002" r:id="rId10"/>
+    <p:sldId id="141168520" r:id="rId11"/>
+    <p:sldId id="141168521" r:id="rId12"/>
   </p:sldIdLst>
   <p:sldSz cx="9144000" cy="5143500" type="screen16x9"/>
   <p:notesSz cx="6858000" cy="9144000"/>
@@ -223,7 +224,7 @@
           <a:p>
             <a:fld id="{43B1B1F9-D0CB-FF4D-BEE0-BED1F1FDA196}" type="datetimeFigureOut">
               <a:rPr lang="en-US" smtClean="0"/>
-              <a:t>3/12/20</a:t>
+              <a:t>3/13/20</a:t>
             </a:fld>
             <a:endParaRPr lang="en-US"/>
           </a:p>
@@ -388,7 +389,7 @@
           <a:p>
             <a:fld id="{26BE012A-D992-5D42-B86E-AA2BC0764EE1}" type="datetimeFigureOut">
               <a:rPr lang="en-US" smtClean="0"/>
-              <a:t>3/12/20</a:t>
+              <a:t>3/13/20</a:t>
             </a:fld>
             <a:endParaRPr lang="en-US"/>
           </a:p>
@@ -760,7 +761,7 @@
           <a:p>
             <a:fld id="{18D02FFD-07D4-5C4F-BD77-921008177348}" type="slidenum">
               <a:rPr lang="en-US" smtClean="0"/>
-              <a:t>1</a:t>
+              <a:t>2</a:t>
             </a:fld>
             <a:endParaRPr lang="en-US"/>
           </a:p>
@@ -2769,14 +2770,14 @@
           </a:ln>
           <a:extLst>
             <a:ext uri="{909E8E84-426E-40dd-AFC4-6F175D3DCCD1}">
-              <a14:hiddenFill xmlns="" xmlns:a14="http://schemas.microsoft.com/office/drawing/2010/main">
+              <a14:hiddenFill xmlns:a14="http://schemas.microsoft.com/office/drawing/2010/main" xmlns="">
                 <a:solidFill>
                   <a:srgbClr val="FFFFFF"/>
                 </a:solidFill>
               </a14:hiddenFill>
             </a:ext>
             <a:ext uri="{91240B29-F687-4f45-9708-019B960494DF}">
-              <a14:hiddenLine xmlns="" xmlns:a14="http://schemas.microsoft.com/office/drawing/2010/main" w="9525">
+              <a14:hiddenLine xmlns:a14="http://schemas.microsoft.com/office/drawing/2010/main" xmlns="" w="9525">
                 <a:solidFill>
                   <a:srgbClr val="000000"/>
                 </a:solidFill>
@@ -2828,14 +2829,14 @@
           <a:effectLst/>
           <a:extLst>
             <a:ext uri="{909E8E84-426E-40dd-AFC4-6F175D3DCCD1}">
-              <a14:hiddenFill xmlns="" xmlns:a14="http://schemas.microsoft.com/office/drawing/2010/main">
+              <a14:hiddenFill xmlns:a14="http://schemas.microsoft.com/office/drawing/2010/main" xmlns="">
                 <a:solidFill>
                   <a:schemeClr val="accent1"/>
                 </a:solidFill>
               </a14:hiddenFill>
             </a:ext>
             <a:ext uri="{91240B29-F687-4f45-9708-019B960494DF}">
-              <a14:hiddenLine xmlns="" xmlns:a14="http://schemas.microsoft.com/office/drawing/2010/main" w="9525">
+              <a14:hiddenLine xmlns:a14="http://schemas.microsoft.com/office/drawing/2010/main" xmlns="" w="9525">
                 <a:solidFill>
                   <a:schemeClr val="tx1"/>
                 </a:solidFill>
@@ -2845,7 +2846,7 @@
               </a14:hiddenLine>
             </a:ext>
             <a:ext uri="{AF507438-7753-43e0-B8FC-AC1667EBCBE1}">
-              <a14:hiddenEffects xmlns="" xmlns:a14="http://schemas.microsoft.com/office/drawing/2010/main">
+              <a14:hiddenEffects xmlns:a14="http://schemas.microsoft.com/office/drawing/2010/main" xmlns="">
                 <a:effectLst>
                   <a:outerShdw blurRad="63500" dist="38099" dir="2700000" algn="ctr" rotWithShape="0">
                     <a:schemeClr val="bg2">
@@ -3561,10 +3562,10 @@
           </a:ln>
           <a:extLst>
             <a:ext uri="{FAA26D3D-D897-4be2-8F04-BA451C77F1D7}">
-              <ma14:placeholderFlag xmlns:ma14="http://schemas.microsoft.com/office/mac/drawingml/2011/main" xmlns="" val="1"/>
+              <ma14:placeholderFlag xmlns="" xmlns:ma14="http://schemas.microsoft.com/office/mac/drawingml/2011/main" val="1"/>
             </a:ext>
             <a:ext uri="{909E8E84-426E-40dd-AFC4-6F175D3DCCD1}">
-              <a14:hiddenFill xmlns:a14="http://schemas.microsoft.com/office/drawing/2010/main" xmlns="">
+              <a14:hiddenFill xmlns="" xmlns:a14="http://schemas.microsoft.com/office/drawing/2010/main">
                 <a:solidFill>
                   <a:srgbClr val="FFFFFF"/>
                 </a:solidFill>
@@ -3615,10 +3616,10 @@
           </a:ln>
           <a:extLst>
             <a:ext uri="{FAA26D3D-D897-4be2-8F04-BA451C77F1D7}">
-              <ma14:placeholderFlag xmlns:ma14="http://schemas.microsoft.com/office/mac/drawingml/2011/main" xmlns="" val="1"/>
+              <ma14:placeholderFlag xmlns="" xmlns:ma14="http://schemas.microsoft.com/office/mac/drawingml/2011/main" val="1"/>
             </a:ext>
             <a:ext uri="{909E8E84-426E-40dd-AFC4-6F175D3DCCD1}">
-              <a14:hiddenFill xmlns:a14="http://schemas.microsoft.com/office/drawing/2010/main" xmlns="">
+              <a14:hiddenFill xmlns="" xmlns:a14="http://schemas.microsoft.com/office/drawing/2010/main">
                 <a:solidFill>
                   <a:srgbClr val="FFFFFF"/>
                 </a:solidFill>
@@ -4317,6 +4318,3504 @@
       </p:grpSpPr>
       <p:sp>
         <p:nvSpPr>
+          <p:cNvPr id="11" name="Rounded Rectangle 10">
+            <a:extLst>
+              <a:ext uri="{FF2B5EF4-FFF2-40B4-BE49-F238E27FC236}">
+                <a16:creationId xmlns:a16="http://schemas.microsoft.com/office/drawing/2014/main" id="{45919E4F-9013-9E4B-851B-0F6A6534900F}"/>
+              </a:ext>
+            </a:extLst>
+          </p:cNvPr>
+          <p:cNvSpPr/>
+          <p:nvPr/>
+        </p:nvSpPr>
+        <p:spPr>
+          <a:xfrm>
+            <a:off x="5561205" y="2296581"/>
+            <a:ext cx="1523042" cy="1899307"/>
+          </a:xfrm>
+          <a:prstGeom prst="roundRect">
+            <a:avLst>
+              <a:gd name="adj" fmla="val 7286"/>
+            </a:avLst>
+          </a:prstGeom>
+          <a:solidFill>
+            <a:srgbClr val="953FDA">
+              <a:alpha val="54902"/>
+            </a:srgbClr>
+          </a:solidFill>
+          <a:ln>
+            <a:noFill/>
+          </a:ln>
+          <a:effectLst>
+            <a:outerShdw blurRad="50800" dist="38100" dir="5400000" algn="t" rotWithShape="0">
+              <a:prstClr val="black">
+                <a:alpha val="40000"/>
+              </a:prstClr>
+            </a:outerShdw>
+          </a:effectLst>
+        </p:spPr>
+        <p:style>
+          <a:lnRef idx="2">
+            <a:schemeClr val="accent1">
+              <a:shade val="50000"/>
+            </a:schemeClr>
+          </a:lnRef>
+          <a:fillRef idx="1">
+            <a:schemeClr val="accent1"/>
+          </a:fillRef>
+          <a:effectRef idx="0">
+            <a:schemeClr val="accent1"/>
+          </a:effectRef>
+          <a:fontRef idx="minor">
+            <a:schemeClr val="lt1"/>
+          </a:fontRef>
+        </p:style>
+        <p:txBody>
+          <a:bodyPr rtlCol="0" anchor="t"/>
+          <a:lstStyle/>
+          <a:p>
+            <a:pPr algn="ctr" defTabSz="514350"/>
+            <a:r>
+              <a:rPr lang="en-US" sz="900" dirty="0">
+                <a:solidFill>
+                  <a:prstClr val="white"/>
+                </a:solidFill>
+                <a:latin typeface="Arial"/>
+              </a:rPr>
+              <a:t>Entity  Operator</a:t>
+            </a:r>
+          </a:p>
+        </p:txBody>
+      </p:sp>
+      <p:sp>
+        <p:nvSpPr>
+          <p:cNvPr id="2" name="Title 1">
+            <a:extLst>
+              <a:ext uri="{FF2B5EF4-FFF2-40B4-BE49-F238E27FC236}">
+                <a16:creationId xmlns:a16="http://schemas.microsoft.com/office/drawing/2014/main" id="{5E739FBD-96D2-2C45-B095-80F2E8760DF3}"/>
+              </a:ext>
+            </a:extLst>
+          </p:cNvPr>
+          <p:cNvSpPr>
+            <a:spLocks noGrp="1"/>
+          </p:cNvSpPr>
+          <p:nvPr>
+            <p:ph type="title"/>
+          </p:nvPr>
+        </p:nvSpPr>
+        <p:spPr/>
+        <p:txBody>
+          <a:bodyPr/>
+          <a:lstStyle/>
+          <a:p>
+            <a:r>
+              <a:rPr lang="en-US" dirty="0" err="1"/>
+              <a:t>Strimzi</a:t>
+            </a:r>
+            <a:endParaRPr dirty="0"/>
+          </a:p>
+        </p:txBody>
+      </p:sp>
+      <p:sp>
+        <p:nvSpPr>
+          <p:cNvPr id="4" name="Slide Number Placeholder 3">
+            <a:extLst>
+              <a:ext uri="{FF2B5EF4-FFF2-40B4-BE49-F238E27FC236}">
+                <a16:creationId xmlns:a16="http://schemas.microsoft.com/office/drawing/2014/main" id="{A523186A-70BF-8F40-A4BD-299B07596653}"/>
+              </a:ext>
+            </a:extLst>
+          </p:cNvPr>
+          <p:cNvSpPr>
+            <a:spLocks noGrp="1"/>
+          </p:cNvSpPr>
+          <p:nvPr>
+            <p:ph type="sldNum" sz="quarter" idx="10"/>
+          </p:nvPr>
+        </p:nvSpPr>
+        <p:spPr/>
+        <p:txBody>
+          <a:bodyPr/>
+          <a:lstStyle/>
+          <a:p>
+            <a:fld id="{2F63A97E-D605-DC42-8452-C14CD1FA87FA}" type="slidenum">
+              <a:rPr lang="en-US" smtClean="0">
+                <a:solidFill>
+                  <a:srgbClr val="5AAAFA"/>
+                </a:solidFill>
+              </a:rPr>
+              <a:pPr/>
+              <a:t>1</a:t>
+            </a:fld>
+            <a:endParaRPr lang="en-US">
+              <a:solidFill>
+                <a:srgbClr val="5AAAFA"/>
+              </a:solidFill>
+            </a:endParaRPr>
+          </a:p>
+        </p:txBody>
+      </p:sp>
+      <p:sp>
+        <p:nvSpPr>
+          <p:cNvPr id="5" name="Rounded Rectangle 4">
+            <a:extLst>
+              <a:ext uri="{FF2B5EF4-FFF2-40B4-BE49-F238E27FC236}">
+                <a16:creationId xmlns:a16="http://schemas.microsoft.com/office/drawing/2014/main" id="{0259ACE5-FB01-B643-9EDE-9E884242D31A}"/>
+              </a:ext>
+            </a:extLst>
+          </p:cNvPr>
+          <p:cNvSpPr/>
+          <p:nvPr/>
+        </p:nvSpPr>
+        <p:spPr>
+          <a:xfrm>
+            <a:off x="5561204" y="1410409"/>
+            <a:ext cx="1523041" cy="615641"/>
+          </a:xfrm>
+          <a:prstGeom prst="roundRect">
+            <a:avLst/>
+          </a:prstGeom>
+          <a:solidFill>
+            <a:srgbClr val="7030A0"/>
+          </a:solidFill>
+          <a:ln>
+            <a:noFill/>
+          </a:ln>
+          <a:effectLst>
+            <a:outerShdw blurRad="50800" dist="38100" dir="5400000" algn="t" rotWithShape="0">
+              <a:prstClr val="black">
+                <a:alpha val="40000"/>
+              </a:prstClr>
+            </a:outerShdw>
+          </a:effectLst>
+        </p:spPr>
+        <p:style>
+          <a:lnRef idx="2">
+            <a:schemeClr val="accent1">
+              <a:shade val="50000"/>
+            </a:schemeClr>
+          </a:lnRef>
+          <a:fillRef idx="1">
+            <a:schemeClr val="accent1"/>
+          </a:fillRef>
+          <a:effectRef idx="0">
+            <a:schemeClr val="accent1"/>
+          </a:effectRef>
+          <a:fontRef idx="minor">
+            <a:schemeClr val="lt1"/>
+          </a:fontRef>
+        </p:style>
+        <p:txBody>
+          <a:bodyPr rtlCol="0" anchor="t"/>
+          <a:lstStyle/>
+          <a:p>
+            <a:pPr algn="ctr" defTabSz="514350"/>
+            <a:r>
+              <a:rPr lang="en-US" sz="900" dirty="0">
+                <a:solidFill>
+                  <a:prstClr val="white"/>
+                </a:solidFill>
+                <a:latin typeface="Arial"/>
+              </a:rPr>
+              <a:t>Cluster Operator</a:t>
+            </a:r>
+          </a:p>
+        </p:txBody>
+      </p:sp>
+      <p:sp>
+        <p:nvSpPr>
+          <p:cNvPr id="6" name="AutoShape 4">
+            <a:extLst>
+              <a:ext uri="{FF2B5EF4-FFF2-40B4-BE49-F238E27FC236}">
+                <a16:creationId xmlns:a16="http://schemas.microsoft.com/office/drawing/2014/main" id="{3928BFC4-A4CC-DE47-AC76-AF8F4431C4D7}"/>
+              </a:ext>
+            </a:extLst>
+          </p:cNvPr>
+          <p:cNvSpPr>
+            <a:spLocks noChangeArrowheads="1"/>
+          </p:cNvSpPr>
+          <p:nvPr/>
+        </p:nvSpPr>
+        <p:spPr bwMode="auto">
+          <a:xfrm>
+            <a:off x="293688" y="932639"/>
+            <a:ext cx="7064375" cy="3739374"/>
+          </a:xfrm>
+          <a:prstGeom prst="roundRect">
+            <a:avLst>
+              <a:gd name="adj" fmla="val 3555"/>
+            </a:avLst>
+          </a:prstGeom>
+          <a:noFill/>
+          <a:ln w="12700">
+            <a:solidFill>
+              <a:srgbClr val="5596E6">
+                <a:lumMod val="50000"/>
+              </a:srgbClr>
+            </a:solidFill>
+            <a:prstDash val="dash"/>
+            <a:round/>
+            <a:headEnd/>
+            <a:tailEnd/>
+          </a:ln>
+        </p:spPr>
+        <p:txBody>
+          <a:bodyPr lIns="0" tIns="0" rIns="0" bIns="0" anchor="b" anchorCtr="1"/>
+          <a:lstStyle/>
+          <a:p>
+            <a:pPr marL="0" marR="0" lvl="0" indent="0" algn="ctr" defTabSz="914400" eaLnBrk="1" fontAlgn="auto" latinLnBrk="0" hangingPunct="1">
+              <a:lnSpc>
+                <a:spcPct val="100000"/>
+              </a:lnSpc>
+              <a:spcBef>
+                <a:spcPts val="0"/>
+              </a:spcBef>
+              <a:spcAft>
+                <a:spcPts val="0"/>
+              </a:spcAft>
+              <a:buClrTx/>
+              <a:buSzTx/>
+              <a:buFontTx/>
+              <a:buNone/>
+              <a:tabLst/>
+              <a:defRPr/>
+            </a:pPr>
+            <a:r>
+              <a:rPr lang="en-US" sz="1000" kern="0" dirty="0"/>
+              <a:t>Kubernetes / OpenShift </a:t>
+            </a:r>
+            <a:r>
+              <a:rPr kumimoji="0" lang="en-US" sz="1000" b="0" i="0" u="none" strike="noStrike" kern="0" cap="none" spc="0" normalizeH="0" baseline="0" noProof="0" dirty="0">
+                <a:ln>
+                  <a:noFill/>
+                </a:ln>
+                <a:effectLst/>
+                <a:uLnTx/>
+                <a:uFillTx/>
+              </a:rPr>
+              <a:t>Cluster</a:t>
+            </a:r>
+          </a:p>
+        </p:txBody>
+      </p:sp>
+      <p:sp>
+        <p:nvSpPr>
+          <p:cNvPr id="7" name="Rounded Rectangle 6">
+            <a:extLst>
+              <a:ext uri="{FF2B5EF4-FFF2-40B4-BE49-F238E27FC236}">
+                <a16:creationId xmlns:a16="http://schemas.microsoft.com/office/drawing/2014/main" id="{C7F86C70-075B-6A4C-8F1A-78B9070F5D9F}"/>
+              </a:ext>
+            </a:extLst>
+          </p:cNvPr>
+          <p:cNvSpPr/>
+          <p:nvPr/>
+        </p:nvSpPr>
+        <p:spPr>
+          <a:xfrm>
+            <a:off x="5786673" y="2591855"/>
+            <a:ext cx="994404" cy="546721"/>
+          </a:xfrm>
+          <a:prstGeom prst="roundRect">
+            <a:avLst/>
+          </a:prstGeom>
+          <a:solidFill>
+            <a:srgbClr val="7030A0"/>
+          </a:solidFill>
+          <a:ln>
+            <a:noFill/>
+          </a:ln>
+          <a:effectLst>
+            <a:outerShdw blurRad="50800" dist="38100" dir="5400000" algn="t" rotWithShape="0">
+              <a:prstClr val="black">
+                <a:alpha val="40000"/>
+              </a:prstClr>
+            </a:outerShdw>
+          </a:effectLst>
+        </p:spPr>
+        <p:style>
+          <a:lnRef idx="2">
+            <a:schemeClr val="accent1">
+              <a:shade val="50000"/>
+            </a:schemeClr>
+          </a:lnRef>
+          <a:fillRef idx="1">
+            <a:schemeClr val="accent1"/>
+          </a:fillRef>
+          <a:effectRef idx="0">
+            <a:schemeClr val="accent1"/>
+          </a:effectRef>
+          <a:fontRef idx="minor">
+            <a:schemeClr val="lt1"/>
+          </a:fontRef>
+        </p:style>
+        <p:txBody>
+          <a:bodyPr rtlCol="0" anchor="t"/>
+          <a:lstStyle/>
+          <a:p>
+            <a:pPr algn="ctr" defTabSz="514350"/>
+            <a:r>
+              <a:rPr lang="en-US" sz="900" dirty="0">
+                <a:solidFill>
+                  <a:prstClr val="white"/>
+                </a:solidFill>
+                <a:latin typeface="Arial"/>
+              </a:rPr>
+              <a:t>User Operator</a:t>
+            </a:r>
+          </a:p>
+        </p:txBody>
+      </p:sp>
+      <p:sp>
+        <p:nvSpPr>
+          <p:cNvPr id="8" name="Rounded Rectangle 7">
+            <a:extLst>
+              <a:ext uri="{FF2B5EF4-FFF2-40B4-BE49-F238E27FC236}">
+                <a16:creationId xmlns:a16="http://schemas.microsoft.com/office/drawing/2014/main" id="{763E53FD-4C4E-4246-B3D6-C02DF124B73C}"/>
+              </a:ext>
+            </a:extLst>
+          </p:cNvPr>
+          <p:cNvSpPr/>
+          <p:nvPr/>
+        </p:nvSpPr>
+        <p:spPr>
+          <a:xfrm>
+            <a:off x="5786672" y="3407212"/>
+            <a:ext cx="994405" cy="546721"/>
+          </a:xfrm>
+          <a:prstGeom prst="roundRect">
+            <a:avLst/>
+          </a:prstGeom>
+          <a:solidFill>
+            <a:srgbClr val="7030A0"/>
+          </a:solidFill>
+          <a:ln>
+            <a:noFill/>
+          </a:ln>
+          <a:effectLst>
+            <a:outerShdw blurRad="50800" dist="38100" dir="5400000" algn="t" rotWithShape="0">
+              <a:prstClr val="black">
+                <a:alpha val="40000"/>
+              </a:prstClr>
+            </a:outerShdw>
+          </a:effectLst>
+        </p:spPr>
+        <p:style>
+          <a:lnRef idx="2">
+            <a:schemeClr val="accent1">
+              <a:shade val="50000"/>
+            </a:schemeClr>
+          </a:lnRef>
+          <a:fillRef idx="1">
+            <a:schemeClr val="accent1"/>
+          </a:fillRef>
+          <a:effectRef idx="0">
+            <a:schemeClr val="accent1"/>
+          </a:effectRef>
+          <a:fontRef idx="minor">
+            <a:schemeClr val="lt1"/>
+          </a:fontRef>
+        </p:style>
+        <p:txBody>
+          <a:bodyPr rtlCol="0" anchor="t"/>
+          <a:lstStyle/>
+          <a:p>
+            <a:pPr algn="ctr" defTabSz="514350"/>
+            <a:r>
+              <a:rPr lang="en-US" sz="900" dirty="0">
+                <a:solidFill>
+                  <a:prstClr val="white"/>
+                </a:solidFill>
+                <a:latin typeface="Arial"/>
+              </a:rPr>
+              <a:t>Topic Operator</a:t>
+            </a:r>
+          </a:p>
+        </p:txBody>
+      </p:sp>
+      <p:sp>
+        <p:nvSpPr>
+          <p:cNvPr id="9" name="Rounded Rectangle 8">
+            <a:extLst>
+              <a:ext uri="{FF2B5EF4-FFF2-40B4-BE49-F238E27FC236}">
+                <a16:creationId xmlns:a16="http://schemas.microsoft.com/office/drawing/2014/main" id="{BAAC27D8-1030-A443-8FC8-A24B1B9F11C1}"/>
+              </a:ext>
+            </a:extLst>
+          </p:cNvPr>
+          <p:cNvSpPr/>
+          <p:nvPr/>
+        </p:nvSpPr>
+        <p:spPr>
+          <a:xfrm>
+            <a:off x="568769" y="1164162"/>
+            <a:ext cx="2274444" cy="1293288"/>
+          </a:xfrm>
+          <a:prstGeom prst="roundRect">
+            <a:avLst>
+              <a:gd name="adj" fmla="val 7576"/>
+            </a:avLst>
+          </a:prstGeom>
+          <a:solidFill>
+            <a:schemeClr val="bg1">
+              <a:lumMod val="75000"/>
+            </a:schemeClr>
+          </a:solidFill>
+          <a:ln>
+            <a:noFill/>
+          </a:ln>
+          <a:effectLst>
+            <a:outerShdw blurRad="50800" dist="38100" dir="5400000" algn="t" rotWithShape="0">
+              <a:prstClr val="black">
+                <a:alpha val="40000"/>
+              </a:prstClr>
+            </a:outerShdw>
+          </a:effectLst>
+        </p:spPr>
+        <p:style>
+          <a:lnRef idx="2">
+            <a:schemeClr val="accent1">
+              <a:shade val="50000"/>
+            </a:schemeClr>
+          </a:lnRef>
+          <a:fillRef idx="1">
+            <a:schemeClr val="accent1"/>
+          </a:fillRef>
+          <a:effectRef idx="0">
+            <a:schemeClr val="accent1"/>
+          </a:effectRef>
+          <a:fontRef idx="minor">
+            <a:schemeClr val="lt1"/>
+          </a:fontRef>
+        </p:style>
+        <p:txBody>
+          <a:bodyPr rtlCol="0" anchor="b"/>
+          <a:lstStyle/>
+          <a:p>
+            <a:pPr algn="ctr" defTabSz="685783"/>
+            <a:r>
+              <a:rPr lang="en-US" sz="900" b="1" dirty="0">
+                <a:solidFill>
+                  <a:prstClr val="white"/>
+                </a:solidFill>
+                <a:latin typeface="Arial"/>
+              </a:rPr>
+              <a:t>Zookeeper Cluster</a:t>
+            </a:r>
+          </a:p>
+        </p:txBody>
+      </p:sp>
+      <p:sp>
+        <p:nvSpPr>
+          <p:cNvPr id="10" name="Rounded Rectangle 9">
+            <a:extLst>
+              <a:ext uri="{FF2B5EF4-FFF2-40B4-BE49-F238E27FC236}">
+                <a16:creationId xmlns:a16="http://schemas.microsoft.com/office/drawing/2014/main" id="{802A6C8F-3F7D-534B-AF56-F179E3E05F6C}"/>
+              </a:ext>
+            </a:extLst>
+          </p:cNvPr>
+          <p:cNvSpPr/>
+          <p:nvPr/>
+        </p:nvSpPr>
+        <p:spPr>
+          <a:xfrm>
+            <a:off x="568769" y="2877732"/>
+            <a:ext cx="2274444" cy="1293288"/>
+          </a:xfrm>
+          <a:prstGeom prst="roundRect">
+            <a:avLst>
+              <a:gd name="adj" fmla="val 7576"/>
+            </a:avLst>
+          </a:prstGeom>
+          <a:solidFill>
+            <a:schemeClr val="bg1">
+              <a:lumMod val="75000"/>
+            </a:schemeClr>
+          </a:solidFill>
+          <a:ln>
+            <a:noFill/>
+          </a:ln>
+          <a:effectLst>
+            <a:outerShdw blurRad="50800" dist="38100" dir="5400000" algn="t" rotWithShape="0">
+              <a:prstClr val="black">
+                <a:alpha val="40000"/>
+              </a:prstClr>
+            </a:outerShdw>
+          </a:effectLst>
+        </p:spPr>
+        <p:style>
+          <a:lnRef idx="2">
+            <a:schemeClr val="accent1">
+              <a:shade val="50000"/>
+            </a:schemeClr>
+          </a:lnRef>
+          <a:fillRef idx="1">
+            <a:schemeClr val="accent1"/>
+          </a:fillRef>
+          <a:effectRef idx="0">
+            <a:schemeClr val="accent1"/>
+          </a:effectRef>
+          <a:fontRef idx="minor">
+            <a:schemeClr val="lt1"/>
+          </a:fontRef>
+        </p:style>
+        <p:txBody>
+          <a:bodyPr rtlCol="0" anchor="b"/>
+          <a:lstStyle/>
+          <a:p>
+            <a:pPr algn="ctr" defTabSz="685783"/>
+            <a:r>
+              <a:rPr lang="en-US" sz="900" b="1" dirty="0">
+                <a:solidFill>
+                  <a:prstClr val="white"/>
+                </a:solidFill>
+                <a:latin typeface="Arial"/>
+              </a:rPr>
+              <a:t>Kafka Cluster</a:t>
+            </a:r>
+          </a:p>
+        </p:txBody>
+      </p:sp>
+      <p:sp>
+        <p:nvSpPr>
+          <p:cNvPr id="12" name="Rounded Rectangle 11">
+            <a:extLst>
+              <a:ext uri="{FF2B5EF4-FFF2-40B4-BE49-F238E27FC236}">
+                <a16:creationId xmlns:a16="http://schemas.microsoft.com/office/drawing/2014/main" id="{1E101CEE-894B-9F4D-A202-413FFD60F0A0}"/>
+              </a:ext>
+            </a:extLst>
+          </p:cNvPr>
+          <p:cNvSpPr/>
+          <p:nvPr/>
+        </p:nvSpPr>
+        <p:spPr>
+          <a:xfrm>
+            <a:off x="3385454" y="2647635"/>
+            <a:ext cx="1655133" cy="435160"/>
+          </a:xfrm>
+          <a:prstGeom prst="roundRect">
+            <a:avLst>
+              <a:gd name="adj" fmla="val 7576"/>
+            </a:avLst>
+          </a:prstGeom>
+          <a:solidFill>
+            <a:schemeClr val="bg1">
+              <a:lumMod val="75000"/>
+            </a:schemeClr>
+          </a:solidFill>
+          <a:ln>
+            <a:noFill/>
+          </a:ln>
+          <a:effectLst>
+            <a:outerShdw blurRad="50800" dist="38100" dir="5400000" algn="t" rotWithShape="0">
+              <a:prstClr val="black">
+                <a:alpha val="40000"/>
+              </a:prstClr>
+            </a:outerShdw>
+          </a:effectLst>
+        </p:spPr>
+        <p:style>
+          <a:lnRef idx="2">
+            <a:schemeClr val="accent1">
+              <a:shade val="50000"/>
+            </a:schemeClr>
+          </a:lnRef>
+          <a:fillRef idx="1">
+            <a:schemeClr val="accent1"/>
+          </a:fillRef>
+          <a:effectRef idx="0">
+            <a:schemeClr val="accent1"/>
+          </a:effectRef>
+          <a:fontRef idx="minor">
+            <a:schemeClr val="lt1"/>
+          </a:fontRef>
+        </p:style>
+        <p:txBody>
+          <a:bodyPr rtlCol="0" anchor="ctr"/>
+          <a:lstStyle/>
+          <a:p>
+            <a:pPr algn="ctr" defTabSz="685783"/>
+            <a:r>
+              <a:rPr lang="en-US" sz="1000" b="1" dirty="0">
+                <a:solidFill>
+                  <a:prstClr val="white"/>
+                </a:solidFill>
+                <a:latin typeface="Arial"/>
+              </a:rPr>
+              <a:t>User Custom Resource</a:t>
+            </a:r>
+          </a:p>
+        </p:txBody>
+      </p:sp>
+      <p:sp>
+        <p:nvSpPr>
+          <p:cNvPr id="13" name="Rounded Rectangle 12">
+            <a:extLst>
+              <a:ext uri="{FF2B5EF4-FFF2-40B4-BE49-F238E27FC236}">
+                <a16:creationId xmlns:a16="http://schemas.microsoft.com/office/drawing/2014/main" id="{EBA76348-3FDD-DA49-96A6-AE09FD042DFF}"/>
+              </a:ext>
+            </a:extLst>
+          </p:cNvPr>
+          <p:cNvSpPr/>
+          <p:nvPr/>
+        </p:nvSpPr>
+        <p:spPr>
+          <a:xfrm>
+            <a:off x="3350422" y="3461621"/>
+            <a:ext cx="1655133" cy="435160"/>
+          </a:xfrm>
+          <a:prstGeom prst="roundRect">
+            <a:avLst>
+              <a:gd name="adj" fmla="val 7576"/>
+            </a:avLst>
+          </a:prstGeom>
+          <a:solidFill>
+            <a:schemeClr val="bg1">
+              <a:lumMod val="75000"/>
+            </a:schemeClr>
+          </a:solidFill>
+          <a:ln>
+            <a:noFill/>
+          </a:ln>
+          <a:effectLst>
+            <a:outerShdw blurRad="50800" dist="38100" dir="5400000" algn="t" rotWithShape="0">
+              <a:prstClr val="black">
+                <a:alpha val="40000"/>
+              </a:prstClr>
+            </a:outerShdw>
+          </a:effectLst>
+        </p:spPr>
+        <p:style>
+          <a:lnRef idx="2">
+            <a:schemeClr val="accent1">
+              <a:shade val="50000"/>
+            </a:schemeClr>
+          </a:lnRef>
+          <a:fillRef idx="1">
+            <a:schemeClr val="accent1"/>
+          </a:fillRef>
+          <a:effectRef idx="0">
+            <a:schemeClr val="accent1"/>
+          </a:effectRef>
+          <a:fontRef idx="minor">
+            <a:schemeClr val="lt1"/>
+          </a:fontRef>
+        </p:style>
+        <p:txBody>
+          <a:bodyPr rtlCol="0" anchor="ctr"/>
+          <a:lstStyle/>
+          <a:p>
+            <a:pPr algn="ctr" defTabSz="685783"/>
+            <a:r>
+              <a:rPr lang="en-US" sz="1000" b="1" dirty="0">
+                <a:solidFill>
+                  <a:prstClr val="white"/>
+                </a:solidFill>
+                <a:latin typeface="Arial"/>
+              </a:rPr>
+              <a:t>Topic Custom Resource</a:t>
+            </a:r>
+          </a:p>
+        </p:txBody>
+      </p:sp>
+      <p:sp>
+        <p:nvSpPr>
+          <p:cNvPr id="14" name="Rounded Rectangle 13">
+            <a:extLst>
+              <a:ext uri="{FF2B5EF4-FFF2-40B4-BE49-F238E27FC236}">
+                <a16:creationId xmlns:a16="http://schemas.microsoft.com/office/drawing/2014/main" id="{B238697F-4B8C-5445-AEC5-78F4ED989977}"/>
+              </a:ext>
+            </a:extLst>
+          </p:cNvPr>
+          <p:cNvSpPr/>
+          <p:nvPr/>
+        </p:nvSpPr>
+        <p:spPr>
+          <a:xfrm>
+            <a:off x="3350421" y="1504011"/>
+            <a:ext cx="1655133" cy="435160"/>
+          </a:xfrm>
+          <a:prstGeom prst="roundRect">
+            <a:avLst>
+              <a:gd name="adj" fmla="val 7576"/>
+            </a:avLst>
+          </a:prstGeom>
+          <a:solidFill>
+            <a:schemeClr val="bg1">
+              <a:lumMod val="75000"/>
+            </a:schemeClr>
+          </a:solidFill>
+          <a:ln>
+            <a:noFill/>
+          </a:ln>
+          <a:effectLst>
+            <a:outerShdw blurRad="50800" dist="38100" dir="5400000" algn="t" rotWithShape="0">
+              <a:prstClr val="black">
+                <a:alpha val="40000"/>
+              </a:prstClr>
+            </a:outerShdw>
+          </a:effectLst>
+        </p:spPr>
+        <p:style>
+          <a:lnRef idx="2">
+            <a:schemeClr val="accent1">
+              <a:shade val="50000"/>
+            </a:schemeClr>
+          </a:lnRef>
+          <a:fillRef idx="1">
+            <a:schemeClr val="accent1"/>
+          </a:fillRef>
+          <a:effectRef idx="0">
+            <a:schemeClr val="accent1"/>
+          </a:effectRef>
+          <a:fontRef idx="minor">
+            <a:schemeClr val="lt1"/>
+          </a:fontRef>
+        </p:style>
+        <p:txBody>
+          <a:bodyPr rtlCol="0" anchor="ctr"/>
+          <a:lstStyle/>
+          <a:p>
+            <a:pPr algn="ctr" defTabSz="685783"/>
+            <a:r>
+              <a:rPr lang="en-US" sz="1000" b="1" dirty="0">
+                <a:solidFill>
+                  <a:prstClr val="white"/>
+                </a:solidFill>
+                <a:latin typeface="Arial"/>
+              </a:rPr>
+              <a:t>Kafka Custom Resource</a:t>
+            </a:r>
+          </a:p>
+        </p:txBody>
+      </p:sp>
+      <p:cxnSp>
+        <p:nvCxnSpPr>
+          <p:cNvPr id="16" name="Elbow Connector 15">
+            <a:extLst>
+              <a:ext uri="{FF2B5EF4-FFF2-40B4-BE49-F238E27FC236}">
+                <a16:creationId xmlns:a16="http://schemas.microsoft.com/office/drawing/2014/main" id="{5265274C-204D-C74C-AC19-80CD8849241B}"/>
+              </a:ext>
+            </a:extLst>
+          </p:cNvPr>
+          <p:cNvCxnSpPr>
+            <a:stCxn id="12" idx="3"/>
+            <a:endCxn id="7" idx="1"/>
+          </p:cNvCxnSpPr>
+          <p:nvPr/>
+        </p:nvCxnSpPr>
+        <p:spPr>
+          <a:xfrm>
+            <a:off x="5040587" y="2865215"/>
+            <a:ext cx="746086" cy="1"/>
+          </a:xfrm>
+          <a:prstGeom prst="bentConnector3">
+            <a:avLst/>
+          </a:prstGeom>
+          <a:ln>
+            <a:solidFill>
+              <a:schemeClr val="accent6"/>
+            </a:solidFill>
+            <a:headEnd type="triangle"/>
+            <a:tailEnd type="triangle"/>
+          </a:ln>
+          <a:effectLst/>
+        </p:spPr>
+        <p:style>
+          <a:lnRef idx="2">
+            <a:schemeClr val="accent1"/>
+          </a:lnRef>
+          <a:fillRef idx="0">
+            <a:schemeClr val="accent1"/>
+          </a:fillRef>
+          <a:effectRef idx="1">
+            <a:schemeClr val="accent1"/>
+          </a:effectRef>
+          <a:fontRef idx="minor">
+            <a:schemeClr val="tx1"/>
+          </a:fontRef>
+        </p:style>
+      </p:cxnSp>
+      <p:cxnSp>
+        <p:nvCxnSpPr>
+          <p:cNvPr id="17" name="Elbow Connector 16">
+            <a:extLst>
+              <a:ext uri="{FF2B5EF4-FFF2-40B4-BE49-F238E27FC236}">
+                <a16:creationId xmlns:a16="http://schemas.microsoft.com/office/drawing/2014/main" id="{BF54CBA3-016C-514A-A97C-017111B0B228}"/>
+              </a:ext>
+            </a:extLst>
+          </p:cNvPr>
+          <p:cNvCxnSpPr>
+            <a:cxnSpLocks/>
+            <a:stCxn id="13" idx="3"/>
+            <a:endCxn id="8" idx="1"/>
+          </p:cNvCxnSpPr>
+          <p:nvPr/>
+        </p:nvCxnSpPr>
+        <p:spPr>
+          <a:xfrm>
+            <a:off x="5005555" y="3679201"/>
+            <a:ext cx="781117" cy="1372"/>
+          </a:xfrm>
+          <a:prstGeom prst="bentConnector3">
+            <a:avLst/>
+          </a:prstGeom>
+          <a:ln>
+            <a:solidFill>
+              <a:schemeClr val="accent6"/>
+            </a:solidFill>
+            <a:headEnd type="triangle"/>
+            <a:tailEnd type="triangle"/>
+          </a:ln>
+          <a:effectLst/>
+        </p:spPr>
+        <p:style>
+          <a:lnRef idx="2">
+            <a:schemeClr val="accent1"/>
+          </a:lnRef>
+          <a:fillRef idx="0">
+            <a:schemeClr val="accent1"/>
+          </a:fillRef>
+          <a:effectRef idx="1">
+            <a:schemeClr val="accent1"/>
+          </a:effectRef>
+          <a:fontRef idx="minor">
+            <a:schemeClr val="tx1"/>
+          </a:fontRef>
+        </p:style>
+      </p:cxnSp>
+      <p:cxnSp>
+        <p:nvCxnSpPr>
+          <p:cNvPr id="20" name="Elbow Connector 19">
+            <a:extLst>
+              <a:ext uri="{FF2B5EF4-FFF2-40B4-BE49-F238E27FC236}">
+                <a16:creationId xmlns:a16="http://schemas.microsoft.com/office/drawing/2014/main" id="{6EEC7CB5-5EB9-9B4B-A680-A83FF9A859AE}"/>
+              </a:ext>
+            </a:extLst>
+          </p:cNvPr>
+          <p:cNvCxnSpPr>
+            <a:cxnSpLocks/>
+            <a:stCxn id="14" idx="3"/>
+            <a:endCxn id="5" idx="1"/>
+          </p:cNvCxnSpPr>
+          <p:nvPr/>
+        </p:nvCxnSpPr>
+        <p:spPr>
+          <a:xfrm flipV="1">
+            <a:off x="5005554" y="1718230"/>
+            <a:ext cx="555650" cy="3361"/>
+          </a:xfrm>
+          <a:prstGeom prst="bentConnector3">
+            <a:avLst>
+              <a:gd name="adj1" fmla="val 50000"/>
+            </a:avLst>
+          </a:prstGeom>
+          <a:ln>
+            <a:solidFill>
+              <a:schemeClr val="accent6"/>
+            </a:solidFill>
+            <a:headEnd type="triangle"/>
+            <a:tailEnd type="triangle"/>
+          </a:ln>
+          <a:effectLst/>
+        </p:spPr>
+        <p:style>
+          <a:lnRef idx="2">
+            <a:schemeClr val="accent1"/>
+          </a:lnRef>
+          <a:fillRef idx="0">
+            <a:schemeClr val="accent1"/>
+          </a:fillRef>
+          <a:effectRef idx="1">
+            <a:schemeClr val="accent1"/>
+          </a:effectRef>
+          <a:fontRef idx="minor">
+            <a:schemeClr val="tx1"/>
+          </a:fontRef>
+        </p:style>
+      </p:cxnSp>
+    </p:spTree>
+    <p:extLst>
+      <p:ext uri="{BB962C8B-B14F-4D97-AF65-F5344CB8AC3E}">
+        <p14:creationId xmlns:p14="http://schemas.microsoft.com/office/powerpoint/2010/main" val="924743927"/>
+      </p:ext>
+    </p:extLst>
+  </p:cSld>
+  <p:clrMapOvr>
+    <a:masterClrMapping/>
+  </p:clrMapOvr>
+</p:sld>
+</file>
+
+<file path=ppt/slides/slide10.xml><?xml version="1.0" encoding="utf-8"?>
+<p:sld xmlns:a="http://schemas.openxmlformats.org/drawingml/2006/main" xmlns:r="http://schemas.openxmlformats.org/officeDocument/2006/relationships" xmlns:p="http://schemas.openxmlformats.org/presentationml/2006/main">
+  <p:cSld>
+    <p:spTree>
+      <p:nvGrpSpPr>
+        <p:cNvPr id="1" name=""/>
+        <p:cNvGrpSpPr/>
+        <p:nvPr/>
+      </p:nvGrpSpPr>
+      <p:grpSpPr>
+        <a:xfrm>
+          <a:off x="0" y="0"/>
+          <a:ext cx="0" cy="0"/>
+          <a:chOff x="0" y="0"/>
+          <a:chExt cx="0" cy="0"/>
+        </a:xfrm>
+      </p:grpSpPr>
+      <p:sp>
+        <p:nvSpPr>
+          <p:cNvPr id="2" name="Title 1">
+            <a:extLst>
+              <a:ext uri="{FF2B5EF4-FFF2-40B4-BE49-F238E27FC236}">
+                <a16:creationId xmlns:a16="http://schemas.microsoft.com/office/drawing/2014/main" id="{7DD0824B-9D29-3747-BFBA-533EF2DF6980}"/>
+              </a:ext>
+            </a:extLst>
+          </p:cNvPr>
+          <p:cNvSpPr>
+            <a:spLocks noGrp="1"/>
+          </p:cNvSpPr>
+          <p:nvPr>
+            <p:ph type="title"/>
+          </p:nvPr>
+        </p:nvSpPr>
+        <p:spPr/>
+        <p:txBody>
+          <a:bodyPr/>
+          <a:lstStyle/>
+          <a:p>
+            <a:r>
+              <a:rPr lang="en-US" dirty="0"/>
+              <a:t>Data Replication Environment - 3</a:t>
+            </a:r>
+          </a:p>
+        </p:txBody>
+      </p:sp>
+      <p:sp>
+        <p:nvSpPr>
+          <p:cNvPr id="4" name="Slide Number Placeholder 3">
+            <a:extLst>
+              <a:ext uri="{FF2B5EF4-FFF2-40B4-BE49-F238E27FC236}">
+                <a16:creationId xmlns:a16="http://schemas.microsoft.com/office/drawing/2014/main" id="{223BEDBE-0C1E-504D-8318-92C91D8D607F}"/>
+              </a:ext>
+            </a:extLst>
+          </p:cNvPr>
+          <p:cNvSpPr>
+            <a:spLocks noGrp="1"/>
+          </p:cNvSpPr>
+          <p:nvPr>
+            <p:ph type="sldNum" sz="quarter" idx="12"/>
+          </p:nvPr>
+        </p:nvSpPr>
+        <p:spPr>
+          <a:xfrm>
+            <a:off x="11383211" y="6441552"/>
+            <a:ext cx="533845" cy="365125"/>
+          </a:xfrm>
+          <a:prstGeom prst="rect">
+            <a:avLst/>
+          </a:prstGeom>
+        </p:spPr>
+        <p:txBody>
+          <a:bodyPr vert="horz" lIns="91440" tIns="45720" rIns="91440" bIns="45720" rtlCol="0" anchor="ctr"/>
+          <a:lstStyle>
+            <a:defPPr>
+              <a:defRPr lang="en-US"/>
+            </a:defPPr>
+            <a:lvl1pPr algn="r" rtl="0" eaLnBrk="0" fontAlgn="base" hangingPunct="0">
+              <a:spcBef>
+                <a:spcPct val="0"/>
+              </a:spcBef>
+              <a:spcAft>
+                <a:spcPct val="0"/>
+              </a:spcAft>
+              <a:defRPr sz="1200" kern="1200">
+                <a:solidFill>
+                  <a:schemeClr val="tx1"/>
+                </a:solidFill>
+                <a:latin typeface="Arial" panose="020B0604020202020204" pitchFamily="34" charset="0"/>
+                <a:ea typeface="+mn-ea"/>
+                <a:cs typeface="Arial" panose="020B0604020202020204" pitchFamily="34" charset="0"/>
+              </a:defRPr>
+            </a:lvl1pPr>
+            <a:lvl2pPr marL="457071" algn="l" rtl="0" eaLnBrk="0" fontAlgn="base" hangingPunct="0">
+              <a:spcBef>
+                <a:spcPct val="0"/>
+              </a:spcBef>
+              <a:spcAft>
+                <a:spcPct val="0"/>
+              </a:spcAft>
+              <a:defRPr kern="1200">
+                <a:solidFill>
+                  <a:schemeClr val="tx1"/>
+                </a:solidFill>
+                <a:latin typeface="Arial" panose="020B0604020202020204" pitchFamily="34" charset="0"/>
+                <a:ea typeface="+mn-ea"/>
+                <a:cs typeface="Arial" panose="020B0604020202020204" pitchFamily="34" charset="0"/>
+              </a:defRPr>
+            </a:lvl2pPr>
+            <a:lvl3pPr marL="914150" algn="l" rtl="0" eaLnBrk="0" fontAlgn="base" hangingPunct="0">
+              <a:spcBef>
+                <a:spcPct val="0"/>
+              </a:spcBef>
+              <a:spcAft>
+                <a:spcPct val="0"/>
+              </a:spcAft>
+              <a:defRPr kern="1200">
+                <a:solidFill>
+                  <a:schemeClr val="tx1"/>
+                </a:solidFill>
+                <a:latin typeface="Arial" panose="020B0604020202020204" pitchFamily="34" charset="0"/>
+                <a:ea typeface="+mn-ea"/>
+                <a:cs typeface="Arial" panose="020B0604020202020204" pitchFamily="34" charset="0"/>
+              </a:defRPr>
+            </a:lvl3pPr>
+            <a:lvl4pPr marL="1371226" algn="l" rtl="0" eaLnBrk="0" fontAlgn="base" hangingPunct="0">
+              <a:spcBef>
+                <a:spcPct val="0"/>
+              </a:spcBef>
+              <a:spcAft>
+                <a:spcPct val="0"/>
+              </a:spcAft>
+              <a:defRPr kern="1200">
+                <a:solidFill>
+                  <a:schemeClr val="tx1"/>
+                </a:solidFill>
+                <a:latin typeface="Arial" panose="020B0604020202020204" pitchFamily="34" charset="0"/>
+                <a:ea typeface="+mn-ea"/>
+                <a:cs typeface="Arial" panose="020B0604020202020204" pitchFamily="34" charset="0"/>
+              </a:defRPr>
+            </a:lvl4pPr>
+            <a:lvl5pPr marL="1828301" algn="l" rtl="0" eaLnBrk="0" fontAlgn="base" hangingPunct="0">
+              <a:spcBef>
+                <a:spcPct val="0"/>
+              </a:spcBef>
+              <a:spcAft>
+                <a:spcPct val="0"/>
+              </a:spcAft>
+              <a:defRPr kern="1200">
+                <a:solidFill>
+                  <a:schemeClr val="tx1"/>
+                </a:solidFill>
+                <a:latin typeface="Arial" panose="020B0604020202020204" pitchFamily="34" charset="0"/>
+                <a:ea typeface="+mn-ea"/>
+                <a:cs typeface="Arial" panose="020B0604020202020204" pitchFamily="34" charset="0"/>
+              </a:defRPr>
+            </a:lvl5pPr>
+            <a:lvl6pPr marL="2285382" algn="l" defTabSz="914150" rtl="0" eaLnBrk="1" latinLnBrk="0" hangingPunct="1">
+              <a:defRPr kern="1200">
+                <a:solidFill>
+                  <a:schemeClr val="tx1"/>
+                </a:solidFill>
+                <a:latin typeface="Arial" panose="020B0604020202020204" pitchFamily="34" charset="0"/>
+                <a:ea typeface="+mn-ea"/>
+                <a:cs typeface="Arial" panose="020B0604020202020204" pitchFamily="34" charset="0"/>
+              </a:defRPr>
+            </a:lvl6pPr>
+            <a:lvl7pPr marL="2742450" algn="l" defTabSz="914150" rtl="0" eaLnBrk="1" latinLnBrk="0" hangingPunct="1">
+              <a:defRPr kern="1200">
+                <a:solidFill>
+                  <a:schemeClr val="tx1"/>
+                </a:solidFill>
+                <a:latin typeface="Arial" panose="020B0604020202020204" pitchFamily="34" charset="0"/>
+                <a:ea typeface="+mn-ea"/>
+                <a:cs typeface="Arial" panose="020B0604020202020204" pitchFamily="34" charset="0"/>
+              </a:defRPr>
+            </a:lvl7pPr>
+            <a:lvl8pPr marL="3199520" algn="l" defTabSz="914150" rtl="0" eaLnBrk="1" latinLnBrk="0" hangingPunct="1">
+              <a:defRPr kern="1200">
+                <a:solidFill>
+                  <a:schemeClr val="tx1"/>
+                </a:solidFill>
+                <a:latin typeface="Arial" panose="020B0604020202020204" pitchFamily="34" charset="0"/>
+                <a:ea typeface="+mn-ea"/>
+                <a:cs typeface="Arial" panose="020B0604020202020204" pitchFamily="34" charset="0"/>
+              </a:defRPr>
+            </a:lvl8pPr>
+            <a:lvl9pPr marL="3656591" algn="l" defTabSz="914150" rtl="0" eaLnBrk="1" latinLnBrk="0" hangingPunct="1">
+              <a:defRPr kern="1200">
+                <a:solidFill>
+                  <a:schemeClr val="tx1"/>
+                </a:solidFill>
+                <a:latin typeface="Arial" panose="020B0604020202020204" pitchFamily="34" charset="0"/>
+                <a:ea typeface="+mn-ea"/>
+                <a:cs typeface="Arial" panose="020B0604020202020204" pitchFamily="34" charset="0"/>
+              </a:defRPr>
+            </a:lvl9pPr>
+          </a:lstStyle>
+          <a:p>
+            <a:fld id="{E9549862-13E2-C34D-815E-8545BD36FC59}" type="slidenum">
+              <a:rPr lang="en-US" smtClean="0">
+                <a:solidFill>
+                  <a:srgbClr val="6D7777"/>
+                </a:solidFill>
+              </a:rPr>
+              <a:pPr/>
+              <a:t>10</a:t>
+            </a:fld>
+            <a:endParaRPr lang="en-US">
+              <a:solidFill>
+                <a:srgbClr val="6D7777"/>
+              </a:solidFill>
+            </a:endParaRPr>
+          </a:p>
+        </p:txBody>
+      </p:sp>
+      <p:sp>
+        <p:nvSpPr>
+          <p:cNvPr id="5" name="Rectangle 4">
+            <a:extLst>
+              <a:ext uri="{FF2B5EF4-FFF2-40B4-BE49-F238E27FC236}">
+                <a16:creationId xmlns:a16="http://schemas.microsoft.com/office/drawing/2014/main" id="{A0F8AA87-8AA4-D045-B050-ED7AC92CDFC1}"/>
+              </a:ext>
+            </a:extLst>
+          </p:cNvPr>
+          <p:cNvSpPr/>
+          <p:nvPr/>
+        </p:nvSpPr>
+        <p:spPr>
+          <a:xfrm>
+            <a:off x="298411" y="1073443"/>
+            <a:ext cx="4008458" cy="2996614"/>
+          </a:xfrm>
+          <a:prstGeom prst="rect">
+            <a:avLst/>
+          </a:prstGeom>
+          <a:noFill/>
+          <a:ln>
+            <a:solidFill>
+              <a:srgbClr val="0000FF"/>
+            </a:solidFill>
+            <a:prstDash val="dash"/>
+          </a:ln>
+        </p:spPr>
+        <p:style>
+          <a:lnRef idx="2">
+            <a:schemeClr val="accent1">
+              <a:shade val="50000"/>
+            </a:schemeClr>
+          </a:lnRef>
+          <a:fillRef idx="1">
+            <a:schemeClr val="accent1"/>
+          </a:fillRef>
+          <a:effectRef idx="0">
+            <a:schemeClr val="accent1"/>
+          </a:effectRef>
+          <a:fontRef idx="minor">
+            <a:schemeClr val="lt1"/>
+          </a:fontRef>
+        </p:style>
+        <p:txBody>
+          <a:bodyPr rtlCol="0" anchor="t"/>
+          <a:lstStyle/>
+          <a:p>
+            <a:pPr algn="ctr" defTabSz="514350"/>
+            <a:r>
+              <a:rPr lang="en-US" sz="750" b="1">
+                <a:solidFill>
+                  <a:srgbClr val="0000FF"/>
+                </a:solidFill>
+                <a:latin typeface="Arial"/>
+              </a:rPr>
+              <a:t>On-Premise Environment</a:t>
+            </a:r>
+          </a:p>
+        </p:txBody>
+      </p:sp>
+      <p:sp>
+        <p:nvSpPr>
+          <p:cNvPr id="6" name="Rectangle 5">
+            <a:extLst>
+              <a:ext uri="{FF2B5EF4-FFF2-40B4-BE49-F238E27FC236}">
+                <a16:creationId xmlns:a16="http://schemas.microsoft.com/office/drawing/2014/main" id="{90B1E0CB-CD1E-D14F-9238-763E6AF8FC20}"/>
+              </a:ext>
+            </a:extLst>
+          </p:cNvPr>
+          <p:cNvSpPr/>
+          <p:nvPr/>
+        </p:nvSpPr>
+        <p:spPr>
+          <a:xfrm>
+            <a:off x="4710303" y="1073443"/>
+            <a:ext cx="3747898" cy="2996614"/>
+          </a:xfrm>
+          <a:prstGeom prst="rect">
+            <a:avLst/>
+          </a:prstGeom>
+          <a:noFill/>
+          <a:ln>
+            <a:solidFill>
+              <a:srgbClr val="00B050"/>
+            </a:solidFill>
+            <a:prstDash val="dash"/>
+          </a:ln>
+        </p:spPr>
+        <p:style>
+          <a:lnRef idx="2">
+            <a:schemeClr val="accent1">
+              <a:shade val="50000"/>
+            </a:schemeClr>
+          </a:lnRef>
+          <a:fillRef idx="1">
+            <a:schemeClr val="accent1"/>
+          </a:fillRef>
+          <a:effectRef idx="0">
+            <a:schemeClr val="accent1"/>
+          </a:effectRef>
+          <a:fontRef idx="minor">
+            <a:schemeClr val="lt1"/>
+          </a:fontRef>
+        </p:style>
+        <p:txBody>
+          <a:bodyPr rtlCol="0" anchor="t"/>
+          <a:lstStyle/>
+          <a:p>
+            <a:pPr algn="ctr" defTabSz="514350"/>
+            <a:r>
+              <a:rPr lang="en-US" sz="750" b="1">
+                <a:solidFill>
+                  <a:srgbClr val="00B050"/>
+                </a:solidFill>
+                <a:latin typeface="Arial"/>
+              </a:rPr>
+              <a:t>IBM Cloud</a:t>
+            </a:r>
+          </a:p>
+        </p:txBody>
+      </p:sp>
+      <p:sp>
+        <p:nvSpPr>
+          <p:cNvPr id="8" name="Rounded Rectangle 7">
+            <a:extLst>
+              <a:ext uri="{FF2B5EF4-FFF2-40B4-BE49-F238E27FC236}">
+                <a16:creationId xmlns:a16="http://schemas.microsoft.com/office/drawing/2014/main" id="{AF5BE487-0468-A243-9C73-9209F84D654B}"/>
+              </a:ext>
+            </a:extLst>
+          </p:cNvPr>
+          <p:cNvSpPr/>
+          <p:nvPr/>
+        </p:nvSpPr>
+        <p:spPr bwMode="auto">
+          <a:xfrm>
+            <a:off x="5547599" y="1634579"/>
+            <a:ext cx="138128" cy="411476"/>
+          </a:xfrm>
+          <a:prstGeom prst="roundRect">
+            <a:avLst/>
+          </a:prstGeom>
+          <a:solidFill>
+            <a:schemeClr val="bg1">
+              <a:lumMod val="50000"/>
+            </a:schemeClr>
+          </a:solidFill>
+          <a:ln>
+            <a:solidFill>
+              <a:schemeClr val="bg1"/>
+            </a:solidFill>
+            <a:prstDash val="solid"/>
+            <a:headEnd type="none" w="med" len="med"/>
+            <a:tailEnd type="none" w="med" len="med"/>
+          </a:ln>
+          <a:effectLst/>
+        </p:spPr>
+        <p:style>
+          <a:lnRef idx="1">
+            <a:schemeClr val="accent5"/>
+          </a:lnRef>
+          <a:fillRef idx="3">
+            <a:schemeClr val="accent5"/>
+          </a:fillRef>
+          <a:effectRef idx="2">
+            <a:schemeClr val="accent5"/>
+          </a:effectRef>
+          <a:fontRef idx="minor">
+            <a:schemeClr val="lt1"/>
+          </a:fontRef>
+        </p:style>
+        <p:txBody>
+          <a:bodyPr vert="horz" wrap="square" lIns="0" tIns="0" rIns="0" bIns="0" numCol="1" rtlCol="0" anchor="ctr" anchorCtr="0" compatLnSpc="1">
+            <a:prstTxWarp prst="textNoShape">
+              <a:avLst/>
+            </a:prstTxWarp>
+            <a:noAutofit/>
+          </a:bodyPr>
+          <a:lstStyle/>
+          <a:p>
+            <a:pPr algn="ctr" defTabSz="685784" fontAlgn="base">
+              <a:lnSpc>
+                <a:spcPct val="90000"/>
+              </a:lnSpc>
+              <a:spcBef>
+                <a:spcPct val="0"/>
+              </a:spcBef>
+              <a:spcAft>
+                <a:spcPct val="0"/>
+              </a:spcAft>
+            </a:pPr>
+            <a:r>
+              <a:rPr lang="en-US" sz="675">
+                <a:solidFill>
+                  <a:schemeClr val="bg1"/>
+                </a:solidFill>
+              </a:rPr>
+              <a:t>0</a:t>
+            </a:r>
+            <a:endParaRPr lang="en-US" sz="375">
+              <a:solidFill>
+                <a:schemeClr val="bg1"/>
+              </a:solidFill>
+            </a:endParaRPr>
+          </a:p>
+        </p:txBody>
+      </p:sp>
+      <p:sp>
+        <p:nvSpPr>
+          <p:cNvPr id="9" name="Rounded Rectangle 8">
+            <a:extLst>
+              <a:ext uri="{FF2B5EF4-FFF2-40B4-BE49-F238E27FC236}">
+                <a16:creationId xmlns:a16="http://schemas.microsoft.com/office/drawing/2014/main" id="{D5E58477-E1E3-594C-AF48-F4CA8530EABE}"/>
+              </a:ext>
+            </a:extLst>
+          </p:cNvPr>
+          <p:cNvSpPr/>
+          <p:nvPr/>
+        </p:nvSpPr>
+        <p:spPr bwMode="auto">
+          <a:xfrm>
+            <a:off x="5684757" y="1634579"/>
+            <a:ext cx="138128" cy="411476"/>
+          </a:xfrm>
+          <a:prstGeom prst="roundRect">
+            <a:avLst/>
+          </a:prstGeom>
+          <a:solidFill>
+            <a:schemeClr val="bg1">
+              <a:lumMod val="50000"/>
+            </a:schemeClr>
+          </a:solidFill>
+          <a:ln>
+            <a:solidFill>
+              <a:schemeClr val="bg1"/>
+            </a:solidFill>
+            <a:prstDash val="solid"/>
+            <a:headEnd type="none" w="med" len="med"/>
+            <a:tailEnd type="none" w="med" len="med"/>
+          </a:ln>
+          <a:effectLst/>
+        </p:spPr>
+        <p:style>
+          <a:lnRef idx="1">
+            <a:schemeClr val="accent5"/>
+          </a:lnRef>
+          <a:fillRef idx="3">
+            <a:schemeClr val="accent5"/>
+          </a:fillRef>
+          <a:effectRef idx="2">
+            <a:schemeClr val="accent5"/>
+          </a:effectRef>
+          <a:fontRef idx="minor">
+            <a:schemeClr val="lt1"/>
+          </a:fontRef>
+        </p:style>
+        <p:txBody>
+          <a:bodyPr vert="horz" wrap="square" lIns="0" tIns="0" rIns="0" bIns="0" numCol="1" rtlCol="0" anchor="ctr" anchorCtr="0" compatLnSpc="1">
+            <a:prstTxWarp prst="textNoShape">
+              <a:avLst/>
+            </a:prstTxWarp>
+            <a:noAutofit/>
+          </a:bodyPr>
+          <a:lstStyle/>
+          <a:p>
+            <a:pPr algn="ctr" defTabSz="685784" fontAlgn="base">
+              <a:lnSpc>
+                <a:spcPct val="90000"/>
+              </a:lnSpc>
+              <a:spcBef>
+                <a:spcPct val="0"/>
+              </a:spcBef>
+              <a:spcAft>
+                <a:spcPct val="0"/>
+              </a:spcAft>
+            </a:pPr>
+            <a:r>
+              <a:rPr lang="en-US" sz="675">
+                <a:solidFill>
+                  <a:schemeClr val="bg1"/>
+                </a:solidFill>
+              </a:rPr>
+              <a:t>1</a:t>
+            </a:r>
+            <a:endParaRPr lang="en-US" sz="375">
+              <a:solidFill>
+                <a:schemeClr val="bg1"/>
+              </a:solidFill>
+            </a:endParaRPr>
+          </a:p>
+        </p:txBody>
+      </p:sp>
+      <p:sp>
+        <p:nvSpPr>
+          <p:cNvPr id="10" name="Rounded Rectangle 9">
+            <a:extLst>
+              <a:ext uri="{FF2B5EF4-FFF2-40B4-BE49-F238E27FC236}">
+                <a16:creationId xmlns:a16="http://schemas.microsoft.com/office/drawing/2014/main" id="{F7310BC1-71B2-BD47-95DA-A5A9F09D389B}"/>
+              </a:ext>
+            </a:extLst>
+          </p:cNvPr>
+          <p:cNvSpPr/>
+          <p:nvPr/>
+        </p:nvSpPr>
+        <p:spPr bwMode="auto">
+          <a:xfrm>
+            <a:off x="5822886" y="1634579"/>
+            <a:ext cx="138128" cy="411476"/>
+          </a:xfrm>
+          <a:prstGeom prst="roundRect">
+            <a:avLst/>
+          </a:prstGeom>
+          <a:solidFill>
+            <a:schemeClr val="bg1">
+              <a:lumMod val="50000"/>
+            </a:schemeClr>
+          </a:solidFill>
+          <a:ln>
+            <a:solidFill>
+              <a:schemeClr val="bg1"/>
+            </a:solidFill>
+            <a:prstDash val="solid"/>
+            <a:headEnd type="none" w="med" len="med"/>
+            <a:tailEnd type="none" w="med" len="med"/>
+          </a:ln>
+          <a:effectLst/>
+        </p:spPr>
+        <p:style>
+          <a:lnRef idx="1">
+            <a:schemeClr val="accent5"/>
+          </a:lnRef>
+          <a:fillRef idx="3">
+            <a:schemeClr val="accent5"/>
+          </a:fillRef>
+          <a:effectRef idx="2">
+            <a:schemeClr val="accent5"/>
+          </a:effectRef>
+          <a:fontRef idx="minor">
+            <a:schemeClr val="lt1"/>
+          </a:fontRef>
+        </p:style>
+        <p:txBody>
+          <a:bodyPr vert="horz" wrap="square" lIns="0" tIns="0" rIns="0" bIns="0" numCol="1" rtlCol="0" anchor="ctr" anchorCtr="0" compatLnSpc="1">
+            <a:prstTxWarp prst="textNoShape">
+              <a:avLst/>
+            </a:prstTxWarp>
+            <a:noAutofit/>
+          </a:bodyPr>
+          <a:lstStyle/>
+          <a:p>
+            <a:pPr algn="ctr" defTabSz="685784" fontAlgn="base">
+              <a:lnSpc>
+                <a:spcPct val="90000"/>
+              </a:lnSpc>
+              <a:spcBef>
+                <a:spcPct val="0"/>
+              </a:spcBef>
+              <a:spcAft>
+                <a:spcPct val="0"/>
+              </a:spcAft>
+            </a:pPr>
+            <a:r>
+              <a:rPr lang="en-US" sz="675">
+                <a:solidFill>
+                  <a:schemeClr val="bg1"/>
+                </a:solidFill>
+              </a:rPr>
+              <a:t>2</a:t>
+            </a:r>
+            <a:endParaRPr lang="en-US" sz="375">
+              <a:solidFill>
+                <a:schemeClr val="bg1"/>
+              </a:solidFill>
+            </a:endParaRPr>
+          </a:p>
+        </p:txBody>
+      </p:sp>
+      <p:sp>
+        <p:nvSpPr>
+          <p:cNvPr id="11" name="Rounded Rectangle 10">
+            <a:extLst>
+              <a:ext uri="{FF2B5EF4-FFF2-40B4-BE49-F238E27FC236}">
+                <a16:creationId xmlns:a16="http://schemas.microsoft.com/office/drawing/2014/main" id="{B6291CC4-0B45-D044-90E7-3543E7A968CF}"/>
+              </a:ext>
+            </a:extLst>
+          </p:cNvPr>
+          <p:cNvSpPr/>
+          <p:nvPr/>
+        </p:nvSpPr>
+        <p:spPr bwMode="auto">
+          <a:xfrm>
+            <a:off x="5960044" y="1634579"/>
+            <a:ext cx="138128" cy="411476"/>
+          </a:xfrm>
+          <a:prstGeom prst="roundRect">
+            <a:avLst/>
+          </a:prstGeom>
+          <a:solidFill>
+            <a:schemeClr val="bg1">
+              <a:lumMod val="50000"/>
+            </a:schemeClr>
+          </a:solidFill>
+          <a:ln>
+            <a:solidFill>
+              <a:schemeClr val="bg1"/>
+            </a:solidFill>
+            <a:prstDash val="solid"/>
+            <a:headEnd type="none" w="med" len="med"/>
+            <a:tailEnd type="none" w="med" len="med"/>
+          </a:ln>
+          <a:effectLst/>
+        </p:spPr>
+        <p:style>
+          <a:lnRef idx="1">
+            <a:schemeClr val="accent5"/>
+          </a:lnRef>
+          <a:fillRef idx="3">
+            <a:schemeClr val="accent5"/>
+          </a:fillRef>
+          <a:effectRef idx="2">
+            <a:schemeClr val="accent5"/>
+          </a:effectRef>
+          <a:fontRef idx="minor">
+            <a:schemeClr val="lt1"/>
+          </a:fontRef>
+        </p:style>
+        <p:txBody>
+          <a:bodyPr vert="horz" wrap="square" lIns="0" tIns="0" rIns="0" bIns="0" numCol="1" rtlCol="0" anchor="ctr" anchorCtr="0" compatLnSpc="1">
+            <a:prstTxWarp prst="textNoShape">
+              <a:avLst/>
+            </a:prstTxWarp>
+            <a:noAutofit/>
+          </a:bodyPr>
+          <a:lstStyle/>
+          <a:p>
+            <a:pPr algn="ctr" defTabSz="685784" fontAlgn="base">
+              <a:lnSpc>
+                <a:spcPct val="90000"/>
+              </a:lnSpc>
+              <a:spcBef>
+                <a:spcPct val="0"/>
+              </a:spcBef>
+              <a:spcAft>
+                <a:spcPct val="0"/>
+              </a:spcAft>
+            </a:pPr>
+            <a:r>
+              <a:rPr lang="en-US" sz="675">
+                <a:solidFill>
+                  <a:schemeClr val="bg1"/>
+                </a:solidFill>
+              </a:rPr>
+              <a:t>3</a:t>
+            </a:r>
+            <a:endParaRPr lang="en-US" sz="375">
+              <a:solidFill>
+                <a:schemeClr val="bg1"/>
+              </a:solidFill>
+            </a:endParaRPr>
+          </a:p>
+        </p:txBody>
+      </p:sp>
+      <p:sp>
+        <p:nvSpPr>
+          <p:cNvPr id="12" name="Rounded Rectangle 11">
+            <a:extLst>
+              <a:ext uri="{FF2B5EF4-FFF2-40B4-BE49-F238E27FC236}">
+                <a16:creationId xmlns:a16="http://schemas.microsoft.com/office/drawing/2014/main" id="{94EF47BB-26F6-B343-B071-171636EE579D}"/>
+              </a:ext>
+            </a:extLst>
+          </p:cNvPr>
+          <p:cNvSpPr/>
+          <p:nvPr/>
+        </p:nvSpPr>
+        <p:spPr bwMode="auto">
+          <a:xfrm>
+            <a:off x="6098172" y="1634579"/>
+            <a:ext cx="138128" cy="411476"/>
+          </a:xfrm>
+          <a:prstGeom prst="roundRect">
+            <a:avLst/>
+          </a:prstGeom>
+          <a:solidFill>
+            <a:schemeClr val="bg1">
+              <a:lumMod val="50000"/>
+            </a:schemeClr>
+          </a:solidFill>
+          <a:ln>
+            <a:solidFill>
+              <a:schemeClr val="bg1"/>
+            </a:solidFill>
+            <a:prstDash val="solid"/>
+            <a:headEnd type="none" w="med" len="med"/>
+            <a:tailEnd type="none" w="med" len="med"/>
+          </a:ln>
+          <a:effectLst/>
+        </p:spPr>
+        <p:style>
+          <a:lnRef idx="1">
+            <a:schemeClr val="accent5"/>
+          </a:lnRef>
+          <a:fillRef idx="3">
+            <a:schemeClr val="accent5"/>
+          </a:fillRef>
+          <a:effectRef idx="2">
+            <a:schemeClr val="accent5"/>
+          </a:effectRef>
+          <a:fontRef idx="minor">
+            <a:schemeClr val="lt1"/>
+          </a:fontRef>
+        </p:style>
+        <p:txBody>
+          <a:bodyPr vert="horz" wrap="square" lIns="0" tIns="0" rIns="0" bIns="0" numCol="1" rtlCol="0" anchor="ctr" anchorCtr="0" compatLnSpc="1">
+            <a:prstTxWarp prst="textNoShape">
+              <a:avLst/>
+            </a:prstTxWarp>
+            <a:noAutofit/>
+          </a:bodyPr>
+          <a:lstStyle/>
+          <a:p>
+            <a:pPr algn="ctr" defTabSz="685784" fontAlgn="base">
+              <a:lnSpc>
+                <a:spcPct val="90000"/>
+              </a:lnSpc>
+              <a:spcBef>
+                <a:spcPct val="0"/>
+              </a:spcBef>
+              <a:spcAft>
+                <a:spcPct val="0"/>
+              </a:spcAft>
+            </a:pPr>
+            <a:r>
+              <a:rPr lang="en-US" sz="675">
+                <a:solidFill>
+                  <a:schemeClr val="bg1"/>
+                </a:solidFill>
+              </a:rPr>
+              <a:t>4</a:t>
+            </a:r>
+            <a:endParaRPr lang="en-US" sz="375">
+              <a:solidFill>
+                <a:schemeClr val="bg1"/>
+              </a:solidFill>
+            </a:endParaRPr>
+          </a:p>
+        </p:txBody>
+      </p:sp>
+      <p:sp>
+        <p:nvSpPr>
+          <p:cNvPr id="13" name="Rounded Rectangle 12">
+            <a:extLst>
+              <a:ext uri="{FF2B5EF4-FFF2-40B4-BE49-F238E27FC236}">
+                <a16:creationId xmlns:a16="http://schemas.microsoft.com/office/drawing/2014/main" id="{00BCA8E7-112B-094B-8994-52A4B5E872FB}"/>
+              </a:ext>
+            </a:extLst>
+          </p:cNvPr>
+          <p:cNvSpPr/>
+          <p:nvPr/>
+        </p:nvSpPr>
+        <p:spPr bwMode="auto">
+          <a:xfrm>
+            <a:off x="6227995" y="1634579"/>
+            <a:ext cx="138128" cy="411476"/>
+          </a:xfrm>
+          <a:prstGeom prst="roundRect">
+            <a:avLst/>
+          </a:prstGeom>
+          <a:solidFill>
+            <a:schemeClr val="bg1">
+              <a:lumMod val="50000"/>
+            </a:schemeClr>
+          </a:solidFill>
+          <a:ln>
+            <a:solidFill>
+              <a:schemeClr val="bg1"/>
+            </a:solidFill>
+            <a:prstDash val="solid"/>
+            <a:headEnd type="none" w="med" len="med"/>
+            <a:tailEnd type="none" w="med" len="med"/>
+          </a:ln>
+          <a:effectLst/>
+        </p:spPr>
+        <p:style>
+          <a:lnRef idx="1">
+            <a:schemeClr val="accent5"/>
+          </a:lnRef>
+          <a:fillRef idx="3">
+            <a:schemeClr val="accent5"/>
+          </a:fillRef>
+          <a:effectRef idx="2">
+            <a:schemeClr val="accent5"/>
+          </a:effectRef>
+          <a:fontRef idx="minor">
+            <a:schemeClr val="lt1"/>
+          </a:fontRef>
+        </p:style>
+        <p:txBody>
+          <a:bodyPr vert="horz" wrap="square" lIns="0" tIns="0" rIns="0" bIns="0" numCol="1" rtlCol="0" anchor="ctr" anchorCtr="0" compatLnSpc="1">
+            <a:prstTxWarp prst="textNoShape">
+              <a:avLst/>
+            </a:prstTxWarp>
+            <a:noAutofit/>
+          </a:bodyPr>
+          <a:lstStyle/>
+          <a:p>
+            <a:pPr algn="ctr" defTabSz="685784" fontAlgn="base">
+              <a:lnSpc>
+                <a:spcPct val="90000"/>
+              </a:lnSpc>
+              <a:spcBef>
+                <a:spcPct val="0"/>
+              </a:spcBef>
+              <a:spcAft>
+                <a:spcPct val="0"/>
+              </a:spcAft>
+            </a:pPr>
+            <a:r>
+              <a:rPr lang="en-US" sz="675">
+                <a:solidFill>
+                  <a:schemeClr val="bg1"/>
+                </a:solidFill>
+              </a:rPr>
+              <a:t>5</a:t>
+            </a:r>
+            <a:endParaRPr lang="en-US" sz="375">
+              <a:solidFill>
+                <a:schemeClr val="bg1"/>
+              </a:solidFill>
+            </a:endParaRPr>
+          </a:p>
+        </p:txBody>
+      </p:sp>
+      <p:sp>
+        <p:nvSpPr>
+          <p:cNvPr id="14" name="AutoShape 4">
+            <a:extLst>
+              <a:ext uri="{FF2B5EF4-FFF2-40B4-BE49-F238E27FC236}">
+                <a16:creationId xmlns:a16="http://schemas.microsoft.com/office/drawing/2014/main" id="{419F5FD2-9DE2-F445-A68B-0CAD344E39B6}"/>
+              </a:ext>
+            </a:extLst>
+          </p:cNvPr>
+          <p:cNvSpPr>
+            <a:spLocks noChangeArrowheads="1"/>
+          </p:cNvSpPr>
+          <p:nvPr/>
+        </p:nvSpPr>
+        <p:spPr bwMode="auto">
+          <a:xfrm>
+            <a:off x="4935506" y="1499732"/>
+            <a:ext cx="3333325" cy="745927"/>
+          </a:xfrm>
+          <a:prstGeom prst="roundRect">
+            <a:avLst>
+              <a:gd name="adj" fmla="val 7117"/>
+            </a:avLst>
+          </a:prstGeom>
+          <a:noFill/>
+          <a:ln w="12700">
+            <a:solidFill>
+              <a:schemeClr val="accent3"/>
+            </a:solidFill>
+            <a:prstDash val="dash"/>
+            <a:round/>
+            <a:headEnd/>
+            <a:tailEnd/>
+          </a:ln>
+        </p:spPr>
+        <p:txBody>
+          <a:bodyPr lIns="0" tIns="0" rIns="0" bIns="0" anchor="b" anchorCtr="1"/>
+          <a:lstStyle/>
+          <a:p>
+            <a:pPr algn="ctr"/>
+            <a:r>
+              <a:rPr lang="en-US" sz="750" dirty="0"/>
+              <a:t>Event Streams Cluster</a:t>
+            </a:r>
+          </a:p>
+        </p:txBody>
+      </p:sp>
+      <p:sp>
+        <p:nvSpPr>
+          <p:cNvPr id="18" name="AutoShape 4">
+            <a:extLst>
+              <a:ext uri="{FF2B5EF4-FFF2-40B4-BE49-F238E27FC236}">
+                <a16:creationId xmlns:a16="http://schemas.microsoft.com/office/drawing/2014/main" id="{211CB3E3-B829-2C4F-A3D6-B13BE7F48F22}"/>
+              </a:ext>
+            </a:extLst>
+          </p:cNvPr>
+          <p:cNvSpPr>
+            <a:spLocks noChangeArrowheads="1"/>
+          </p:cNvSpPr>
+          <p:nvPr/>
+        </p:nvSpPr>
+        <p:spPr bwMode="auto">
+          <a:xfrm>
+            <a:off x="411972" y="1363612"/>
+            <a:ext cx="3611870" cy="2482247"/>
+          </a:xfrm>
+          <a:prstGeom prst="roundRect">
+            <a:avLst>
+              <a:gd name="adj" fmla="val 3325"/>
+            </a:avLst>
+          </a:prstGeom>
+          <a:noFill/>
+          <a:ln w="12700">
+            <a:solidFill>
+              <a:schemeClr val="accent3"/>
+            </a:solidFill>
+            <a:prstDash val="dash"/>
+            <a:round/>
+            <a:headEnd/>
+            <a:tailEnd/>
+          </a:ln>
+        </p:spPr>
+        <p:txBody>
+          <a:bodyPr lIns="0" tIns="0" rIns="0" bIns="0" anchor="b" anchorCtr="1"/>
+          <a:lstStyle/>
+          <a:p>
+            <a:pPr algn="ctr"/>
+            <a:endParaRPr lang="en-US" sz="750"/>
+          </a:p>
+        </p:txBody>
+      </p:sp>
+      <p:sp>
+        <p:nvSpPr>
+          <p:cNvPr id="28" name="Rounded Rectangle 27">
+            <a:extLst>
+              <a:ext uri="{FF2B5EF4-FFF2-40B4-BE49-F238E27FC236}">
+                <a16:creationId xmlns:a16="http://schemas.microsoft.com/office/drawing/2014/main" id="{058E4018-54EF-C241-A10F-9BB485461EFF}"/>
+              </a:ext>
+            </a:extLst>
+          </p:cNvPr>
+          <p:cNvSpPr/>
+          <p:nvPr/>
+        </p:nvSpPr>
+        <p:spPr bwMode="auto">
+          <a:xfrm>
+            <a:off x="1193647" y="1635094"/>
+            <a:ext cx="138128" cy="411476"/>
+          </a:xfrm>
+          <a:prstGeom prst="roundRect">
+            <a:avLst/>
+          </a:prstGeom>
+          <a:solidFill>
+            <a:schemeClr val="bg1">
+              <a:lumMod val="50000"/>
+            </a:schemeClr>
+          </a:solidFill>
+          <a:ln>
+            <a:solidFill>
+              <a:schemeClr val="bg1"/>
+            </a:solidFill>
+            <a:prstDash val="solid"/>
+            <a:headEnd type="none" w="med" len="med"/>
+            <a:tailEnd type="none" w="med" len="med"/>
+          </a:ln>
+          <a:effectLst/>
+        </p:spPr>
+        <p:style>
+          <a:lnRef idx="1">
+            <a:schemeClr val="accent5"/>
+          </a:lnRef>
+          <a:fillRef idx="3">
+            <a:schemeClr val="accent5"/>
+          </a:fillRef>
+          <a:effectRef idx="2">
+            <a:schemeClr val="accent5"/>
+          </a:effectRef>
+          <a:fontRef idx="minor">
+            <a:schemeClr val="lt1"/>
+          </a:fontRef>
+        </p:style>
+        <p:txBody>
+          <a:bodyPr vert="horz" wrap="square" lIns="0" tIns="0" rIns="0" bIns="0" numCol="1" rtlCol="0" anchor="ctr" anchorCtr="0" compatLnSpc="1">
+            <a:prstTxWarp prst="textNoShape">
+              <a:avLst/>
+            </a:prstTxWarp>
+            <a:noAutofit/>
+          </a:bodyPr>
+          <a:lstStyle/>
+          <a:p>
+            <a:pPr algn="ctr" defTabSz="685784" fontAlgn="base">
+              <a:lnSpc>
+                <a:spcPct val="90000"/>
+              </a:lnSpc>
+              <a:spcBef>
+                <a:spcPct val="0"/>
+              </a:spcBef>
+              <a:spcAft>
+                <a:spcPct val="0"/>
+              </a:spcAft>
+            </a:pPr>
+            <a:r>
+              <a:rPr lang="en-US" sz="675">
+                <a:solidFill>
+                  <a:schemeClr val="bg1"/>
+                </a:solidFill>
+              </a:rPr>
+              <a:t>0</a:t>
+            </a:r>
+            <a:endParaRPr lang="en-US" sz="375">
+              <a:solidFill>
+                <a:schemeClr val="bg1"/>
+              </a:solidFill>
+            </a:endParaRPr>
+          </a:p>
+        </p:txBody>
+      </p:sp>
+      <p:sp>
+        <p:nvSpPr>
+          <p:cNvPr id="29" name="Rounded Rectangle 28">
+            <a:extLst>
+              <a:ext uri="{FF2B5EF4-FFF2-40B4-BE49-F238E27FC236}">
+                <a16:creationId xmlns:a16="http://schemas.microsoft.com/office/drawing/2014/main" id="{2DEDB43F-6BDF-F347-95A5-F47AA2B1C71F}"/>
+              </a:ext>
+            </a:extLst>
+          </p:cNvPr>
+          <p:cNvSpPr/>
+          <p:nvPr/>
+        </p:nvSpPr>
+        <p:spPr bwMode="auto">
+          <a:xfrm>
+            <a:off x="1330805" y="1635094"/>
+            <a:ext cx="138128" cy="411476"/>
+          </a:xfrm>
+          <a:prstGeom prst="roundRect">
+            <a:avLst/>
+          </a:prstGeom>
+          <a:solidFill>
+            <a:schemeClr val="bg1">
+              <a:lumMod val="50000"/>
+            </a:schemeClr>
+          </a:solidFill>
+          <a:ln>
+            <a:solidFill>
+              <a:schemeClr val="bg1"/>
+            </a:solidFill>
+            <a:prstDash val="solid"/>
+            <a:headEnd type="none" w="med" len="med"/>
+            <a:tailEnd type="none" w="med" len="med"/>
+          </a:ln>
+          <a:effectLst/>
+        </p:spPr>
+        <p:style>
+          <a:lnRef idx="1">
+            <a:schemeClr val="accent5"/>
+          </a:lnRef>
+          <a:fillRef idx="3">
+            <a:schemeClr val="accent5"/>
+          </a:fillRef>
+          <a:effectRef idx="2">
+            <a:schemeClr val="accent5"/>
+          </a:effectRef>
+          <a:fontRef idx="minor">
+            <a:schemeClr val="lt1"/>
+          </a:fontRef>
+        </p:style>
+        <p:txBody>
+          <a:bodyPr vert="horz" wrap="square" lIns="0" tIns="0" rIns="0" bIns="0" numCol="1" rtlCol="0" anchor="ctr" anchorCtr="0" compatLnSpc="1">
+            <a:prstTxWarp prst="textNoShape">
+              <a:avLst/>
+            </a:prstTxWarp>
+            <a:noAutofit/>
+          </a:bodyPr>
+          <a:lstStyle/>
+          <a:p>
+            <a:pPr algn="ctr" defTabSz="685784" fontAlgn="base">
+              <a:lnSpc>
+                <a:spcPct val="90000"/>
+              </a:lnSpc>
+              <a:spcBef>
+                <a:spcPct val="0"/>
+              </a:spcBef>
+              <a:spcAft>
+                <a:spcPct val="0"/>
+              </a:spcAft>
+            </a:pPr>
+            <a:r>
+              <a:rPr lang="en-US" sz="675">
+                <a:solidFill>
+                  <a:schemeClr val="bg1"/>
+                </a:solidFill>
+              </a:rPr>
+              <a:t>1</a:t>
+            </a:r>
+            <a:endParaRPr lang="en-US" sz="375">
+              <a:solidFill>
+                <a:schemeClr val="bg1"/>
+              </a:solidFill>
+            </a:endParaRPr>
+          </a:p>
+        </p:txBody>
+      </p:sp>
+      <p:sp>
+        <p:nvSpPr>
+          <p:cNvPr id="30" name="Rounded Rectangle 29">
+            <a:extLst>
+              <a:ext uri="{FF2B5EF4-FFF2-40B4-BE49-F238E27FC236}">
+                <a16:creationId xmlns:a16="http://schemas.microsoft.com/office/drawing/2014/main" id="{99244A3B-B483-4E43-A1E9-229B6A27DB31}"/>
+              </a:ext>
+            </a:extLst>
+          </p:cNvPr>
+          <p:cNvSpPr/>
+          <p:nvPr/>
+        </p:nvSpPr>
+        <p:spPr bwMode="auto">
+          <a:xfrm>
+            <a:off x="1468934" y="1635094"/>
+            <a:ext cx="138128" cy="411476"/>
+          </a:xfrm>
+          <a:prstGeom prst="roundRect">
+            <a:avLst/>
+          </a:prstGeom>
+          <a:solidFill>
+            <a:schemeClr val="bg1">
+              <a:lumMod val="50000"/>
+            </a:schemeClr>
+          </a:solidFill>
+          <a:ln>
+            <a:solidFill>
+              <a:schemeClr val="bg1"/>
+            </a:solidFill>
+            <a:prstDash val="solid"/>
+            <a:headEnd type="none" w="med" len="med"/>
+            <a:tailEnd type="none" w="med" len="med"/>
+          </a:ln>
+          <a:effectLst/>
+        </p:spPr>
+        <p:style>
+          <a:lnRef idx="1">
+            <a:schemeClr val="accent5"/>
+          </a:lnRef>
+          <a:fillRef idx="3">
+            <a:schemeClr val="accent5"/>
+          </a:fillRef>
+          <a:effectRef idx="2">
+            <a:schemeClr val="accent5"/>
+          </a:effectRef>
+          <a:fontRef idx="minor">
+            <a:schemeClr val="lt1"/>
+          </a:fontRef>
+        </p:style>
+        <p:txBody>
+          <a:bodyPr vert="horz" wrap="square" lIns="0" tIns="0" rIns="0" bIns="0" numCol="1" rtlCol="0" anchor="ctr" anchorCtr="0" compatLnSpc="1">
+            <a:prstTxWarp prst="textNoShape">
+              <a:avLst/>
+            </a:prstTxWarp>
+            <a:noAutofit/>
+          </a:bodyPr>
+          <a:lstStyle/>
+          <a:p>
+            <a:pPr algn="ctr" defTabSz="685784" fontAlgn="base">
+              <a:lnSpc>
+                <a:spcPct val="90000"/>
+              </a:lnSpc>
+              <a:spcBef>
+                <a:spcPct val="0"/>
+              </a:spcBef>
+              <a:spcAft>
+                <a:spcPct val="0"/>
+              </a:spcAft>
+            </a:pPr>
+            <a:r>
+              <a:rPr lang="en-US" sz="675">
+                <a:solidFill>
+                  <a:schemeClr val="bg1"/>
+                </a:solidFill>
+              </a:rPr>
+              <a:t>2</a:t>
+            </a:r>
+            <a:endParaRPr lang="en-US" sz="375">
+              <a:solidFill>
+                <a:schemeClr val="bg1"/>
+              </a:solidFill>
+            </a:endParaRPr>
+          </a:p>
+        </p:txBody>
+      </p:sp>
+      <p:sp>
+        <p:nvSpPr>
+          <p:cNvPr id="31" name="Rounded Rectangle 30">
+            <a:extLst>
+              <a:ext uri="{FF2B5EF4-FFF2-40B4-BE49-F238E27FC236}">
+                <a16:creationId xmlns:a16="http://schemas.microsoft.com/office/drawing/2014/main" id="{2FC00369-550F-1D47-959E-8E43C24D3F4F}"/>
+              </a:ext>
+            </a:extLst>
+          </p:cNvPr>
+          <p:cNvSpPr/>
+          <p:nvPr/>
+        </p:nvSpPr>
+        <p:spPr bwMode="auto">
+          <a:xfrm>
+            <a:off x="1606093" y="1635094"/>
+            <a:ext cx="138128" cy="411476"/>
+          </a:xfrm>
+          <a:prstGeom prst="roundRect">
+            <a:avLst/>
+          </a:prstGeom>
+          <a:solidFill>
+            <a:schemeClr val="bg1">
+              <a:lumMod val="50000"/>
+            </a:schemeClr>
+          </a:solidFill>
+          <a:ln>
+            <a:solidFill>
+              <a:schemeClr val="bg1"/>
+            </a:solidFill>
+            <a:prstDash val="solid"/>
+            <a:headEnd type="none" w="med" len="med"/>
+            <a:tailEnd type="none" w="med" len="med"/>
+          </a:ln>
+          <a:effectLst/>
+        </p:spPr>
+        <p:style>
+          <a:lnRef idx="1">
+            <a:schemeClr val="accent5"/>
+          </a:lnRef>
+          <a:fillRef idx="3">
+            <a:schemeClr val="accent5"/>
+          </a:fillRef>
+          <a:effectRef idx="2">
+            <a:schemeClr val="accent5"/>
+          </a:effectRef>
+          <a:fontRef idx="minor">
+            <a:schemeClr val="lt1"/>
+          </a:fontRef>
+        </p:style>
+        <p:txBody>
+          <a:bodyPr vert="horz" wrap="square" lIns="0" tIns="0" rIns="0" bIns="0" numCol="1" rtlCol="0" anchor="ctr" anchorCtr="0" compatLnSpc="1">
+            <a:prstTxWarp prst="textNoShape">
+              <a:avLst/>
+            </a:prstTxWarp>
+            <a:noAutofit/>
+          </a:bodyPr>
+          <a:lstStyle/>
+          <a:p>
+            <a:pPr algn="ctr" defTabSz="685784" fontAlgn="base">
+              <a:lnSpc>
+                <a:spcPct val="90000"/>
+              </a:lnSpc>
+              <a:spcBef>
+                <a:spcPct val="0"/>
+              </a:spcBef>
+              <a:spcAft>
+                <a:spcPct val="0"/>
+              </a:spcAft>
+            </a:pPr>
+            <a:r>
+              <a:rPr lang="en-US" sz="675">
+                <a:solidFill>
+                  <a:schemeClr val="bg1"/>
+                </a:solidFill>
+              </a:rPr>
+              <a:t>3</a:t>
+            </a:r>
+            <a:endParaRPr lang="en-US" sz="375">
+              <a:solidFill>
+                <a:schemeClr val="bg1"/>
+              </a:solidFill>
+            </a:endParaRPr>
+          </a:p>
+        </p:txBody>
+      </p:sp>
+      <p:sp>
+        <p:nvSpPr>
+          <p:cNvPr id="32" name="Rounded Rectangle 31">
+            <a:extLst>
+              <a:ext uri="{FF2B5EF4-FFF2-40B4-BE49-F238E27FC236}">
+                <a16:creationId xmlns:a16="http://schemas.microsoft.com/office/drawing/2014/main" id="{CEA02F82-9665-7243-AA5C-E8A8BC93F3C2}"/>
+              </a:ext>
+            </a:extLst>
+          </p:cNvPr>
+          <p:cNvSpPr/>
+          <p:nvPr/>
+        </p:nvSpPr>
+        <p:spPr bwMode="auto">
+          <a:xfrm>
+            <a:off x="1744220" y="1635094"/>
+            <a:ext cx="138128" cy="411476"/>
+          </a:xfrm>
+          <a:prstGeom prst="roundRect">
+            <a:avLst/>
+          </a:prstGeom>
+          <a:solidFill>
+            <a:schemeClr val="bg1">
+              <a:lumMod val="50000"/>
+            </a:schemeClr>
+          </a:solidFill>
+          <a:ln>
+            <a:solidFill>
+              <a:schemeClr val="bg1"/>
+            </a:solidFill>
+            <a:prstDash val="solid"/>
+            <a:headEnd type="none" w="med" len="med"/>
+            <a:tailEnd type="none" w="med" len="med"/>
+          </a:ln>
+          <a:effectLst/>
+        </p:spPr>
+        <p:style>
+          <a:lnRef idx="1">
+            <a:schemeClr val="accent5"/>
+          </a:lnRef>
+          <a:fillRef idx="3">
+            <a:schemeClr val="accent5"/>
+          </a:fillRef>
+          <a:effectRef idx="2">
+            <a:schemeClr val="accent5"/>
+          </a:effectRef>
+          <a:fontRef idx="minor">
+            <a:schemeClr val="lt1"/>
+          </a:fontRef>
+        </p:style>
+        <p:txBody>
+          <a:bodyPr vert="horz" wrap="square" lIns="0" tIns="0" rIns="0" bIns="0" numCol="1" rtlCol="0" anchor="ctr" anchorCtr="0" compatLnSpc="1">
+            <a:prstTxWarp prst="textNoShape">
+              <a:avLst/>
+            </a:prstTxWarp>
+            <a:noAutofit/>
+          </a:bodyPr>
+          <a:lstStyle/>
+          <a:p>
+            <a:pPr algn="ctr" defTabSz="685784" fontAlgn="base">
+              <a:lnSpc>
+                <a:spcPct val="90000"/>
+              </a:lnSpc>
+              <a:spcBef>
+                <a:spcPct val="0"/>
+              </a:spcBef>
+              <a:spcAft>
+                <a:spcPct val="0"/>
+              </a:spcAft>
+            </a:pPr>
+            <a:r>
+              <a:rPr lang="en-US" sz="675">
+                <a:solidFill>
+                  <a:schemeClr val="bg1"/>
+                </a:solidFill>
+              </a:rPr>
+              <a:t>4</a:t>
+            </a:r>
+            <a:endParaRPr lang="en-US" sz="375">
+              <a:solidFill>
+                <a:schemeClr val="bg1"/>
+              </a:solidFill>
+            </a:endParaRPr>
+          </a:p>
+        </p:txBody>
+      </p:sp>
+      <p:sp>
+        <p:nvSpPr>
+          <p:cNvPr id="33" name="Rounded Rectangle 32">
+            <a:extLst>
+              <a:ext uri="{FF2B5EF4-FFF2-40B4-BE49-F238E27FC236}">
+                <a16:creationId xmlns:a16="http://schemas.microsoft.com/office/drawing/2014/main" id="{23355CB8-33EA-2344-9D2F-FD6C81E06FC2}"/>
+              </a:ext>
+            </a:extLst>
+          </p:cNvPr>
+          <p:cNvSpPr/>
+          <p:nvPr/>
+        </p:nvSpPr>
+        <p:spPr bwMode="auto">
+          <a:xfrm>
+            <a:off x="1874043" y="1635094"/>
+            <a:ext cx="138128" cy="411476"/>
+          </a:xfrm>
+          <a:prstGeom prst="roundRect">
+            <a:avLst/>
+          </a:prstGeom>
+          <a:solidFill>
+            <a:schemeClr val="bg1">
+              <a:lumMod val="50000"/>
+            </a:schemeClr>
+          </a:solidFill>
+          <a:ln>
+            <a:solidFill>
+              <a:schemeClr val="bg1"/>
+            </a:solidFill>
+            <a:prstDash val="solid"/>
+            <a:headEnd type="none" w="med" len="med"/>
+            <a:tailEnd type="none" w="med" len="med"/>
+          </a:ln>
+          <a:effectLst/>
+        </p:spPr>
+        <p:style>
+          <a:lnRef idx="1">
+            <a:schemeClr val="accent5"/>
+          </a:lnRef>
+          <a:fillRef idx="3">
+            <a:schemeClr val="accent5"/>
+          </a:fillRef>
+          <a:effectRef idx="2">
+            <a:schemeClr val="accent5"/>
+          </a:effectRef>
+          <a:fontRef idx="minor">
+            <a:schemeClr val="lt1"/>
+          </a:fontRef>
+        </p:style>
+        <p:txBody>
+          <a:bodyPr vert="horz" wrap="square" lIns="0" tIns="0" rIns="0" bIns="0" numCol="1" rtlCol="0" anchor="ctr" anchorCtr="0" compatLnSpc="1">
+            <a:prstTxWarp prst="textNoShape">
+              <a:avLst/>
+            </a:prstTxWarp>
+            <a:noAutofit/>
+          </a:bodyPr>
+          <a:lstStyle/>
+          <a:p>
+            <a:pPr algn="ctr" defTabSz="685784" fontAlgn="base">
+              <a:lnSpc>
+                <a:spcPct val="90000"/>
+              </a:lnSpc>
+              <a:spcBef>
+                <a:spcPct val="0"/>
+              </a:spcBef>
+              <a:spcAft>
+                <a:spcPct val="0"/>
+              </a:spcAft>
+            </a:pPr>
+            <a:r>
+              <a:rPr lang="en-US" sz="675">
+                <a:solidFill>
+                  <a:schemeClr val="bg1"/>
+                </a:solidFill>
+              </a:rPr>
+              <a:t>5</a:t>
+            </a:r>
+            <a:endParaRPr lang="en-US" sz="375">
+              <a:solidFill>
+                <a:schemeClr val="bg1"/>
+              </a:solidFill>
+            </a:endParaRPr>
+          </a:p>
+        </p:txBody>
+      </p:sp>
+      <p:sp>
+        <p:nvSpPr>
+          <p:cNvPr id="34" name="AutoShape 4">
+            <a:extLst>
+              <a:ext uri="{FF2B5EF4-FFF2-40B4-BE49-F238E27FC236}">
+                <a16:creationId xmlns:a16="http://schemas.microsoft.com/office/drawing/2014/main" id="{B1D40963-EC1B-E049-A09B-96D331A21F58}"/>
+              </a:ext>
+            </a:extLst>
+          </p:cNvPr>
+          <p:cNvSpPr>
+            <a:spLocks noChangeArrowheads="1"/>
+          </p:cNvSpPr>
+          <p:nvPr/>
+        </p:nvSpPr>
+        <p:spPr bwMode="auto">
+          <a:xfrm>
+            <a:off x="598146" y="1516741"/>
+            <a:ext cx="3207204" cy="745412"/>
+          </a:xfrm>
+          <a:prstGeom prst="roundRect">
+            <a:avLst>
+              <a:gd name="adj" fmla="val 7117"/>
+            </a:avLst>
+          </a:prstGeom>
+          <a:noFill/>
+          <a:ln w="12700">
+            <a:solidFill>
+              <a:schemeClr val="accent3"/>
+            </a:solidFill>
+            <a:prstDash val="dash"/>
+            <a:round/>
+            <a:headEnd/>
+            <a:tailEnd/>
+          </a:ln>
+        </p:spPr>
+        <p:txBody>
+          <a:bodyPr lIns="0" tIns="0" rIns="0" bIns="0" anchor="b" anchorCtr="1"/>
+          <a:lstStyle/>
+          <a:p>
+            <a:pPr algn="ctr"/>
+            <a:r>
+              <a:rPr lang="en-US" sz="750" dirty="0"/>
+              <a:t>Kafka Cluster</a:t>
+            </a:r>
+          </a:p>
+        </p:txBody>
+      </p:sp>
+      <p:sp>
+        <p:nvSpPr>
+          <p:cNvPr id="45" name="Rounded Rectangle 44">
+            <a:extLst>
+              <a:ext uri="{FF2B5EF4-FFF2-40B4-BE49-F238E27FC236}">
+                <a16:creationId xmlns:a16="http://schemas.microsoft.com/office/drawing/2014/main" id="{034D0250-3CFC-6843-9DDB-30E02E9EBC18}"/>
+              </a:ext>
+            </a:extLst>
+          </p:cNvPr>
+          <p:cNvSpPr/>
+          <p:nvPr/>
+        </p:nvSpPr>
+        <p:spPr>
+          <a:xfrm>
+            <a:off x="636690" y="2626945"/>
+            <a:ext cx="994405" cy="292973"/>
+          </a:xfrm>
+          <a:prstGeom prst="roundRect">
+            <a:avLst/>
+          </a:prstGeom>
+          <a:solidFill>
+            <a:schemeClr val="tx2">
+              <a:lumMod val="75000"/>
+            </a:schemeClr>
+          </a:solidFill>
+          <a:ln>
+            <a:noFill/>
+          </a:ln>
+          <a:effectLst>
+            <a:outerShdw blurRad="50800" dist="38100" dir="5400000" algn="t" rotWithShape="0">
+              <a:prstClr val="black">
+                <a:alpha val="40000"/>
+              </a:prstClr>
+            </a:outerShdw>
+          </a:effectLst>
+        </p:spPr>
+        <p:style>
+          <a:lnRef idx="2">
+            <a:schemeClr val="accent1">
+              <a:shade val="50000"/>
+            </a:schemeClr>
+          </a:lnRef>
+          <a:fillRef idx="1">
+            <a:schemeClr val="accent1"/>
+          </a:fillRef>
+          <a:effectRef idx="0">
+            <a:schemeClr val="accent1"/>
+          </a:effectRef>
+          <a:fontRef idx="minor">
+            <a:schemeClr val="lt1"/>
+          </a:fontRef>
+        </p:style>
+        <p:txBody>
+          <a:bodyPr rtlCol="0" anchor="t"/>
+          <a:lstStyle/>
+          <a:p>
+            <a:pPr algn="ctr" defTabSz="514350"/>
+            <a:r>
+              <a:rPr lang="en-US" sz="750" dirty="0">
+                <a:solidFill>
+                  <a:prstClr val="white"/>
+                </a:solidFill>
+                <a:latin typeface="Arial"/>
+              </a:rPr>
+              <a:t>Consumer</a:t>
+            </a:r>
+          </a:p>
+        </p:txBody>
+      </p:sp>
+      <p:sp>
+        <p:nvSpPr>
+          <p:cNvPr id="46" name="AutoShape 4">
+            <a:extLst>
+              <a:ext uri="{FF2B5EF4-FFF2-40B4-BE49-F238E27FC236}">
+                <a16:creationId xmlns:a16="http://schemas.microsoft.com/office/drawing/2014/main" id="{490EA60F-E5B8-2A4C-8350-F638E3310E3C}"/>
+              </a:ext>
+            </a:extLst>
+          </p:cNvPr>
+          <p:cNvSpPr>
+            <a:spLocks noChangeArrowheads="1"/>
+          </p:cNvSpPr>
+          <p:nvPr/>
+        </p:nvSpPr>
+        <p:spPr bwMode="auto">
+          <a:xfrm>
+            <a:off x="2008858" y="2530237"/>
+            <a:ext cx="1812650" cy="745412"/>
+          </a:xfrm>
+          <a:prstGeom prst="roundRect">
+            <a:avLst>
+              <a:gd name="adj" fmla="val 7117"/>
+            </a:avLst>
+          </a:prstGeom>
+          <a:noFill/>
+          <a:ln w="12700">
+            <a:solidFill>
+              <a:schemeClr val="accent3"/>
+            </a:solidFill>
+            <a:prstDash val="dash"/>
+            <a:round/>
+            <a:headEnd/>
+            <a:tailEnd/>
+          </a:ln>
+        </p:spPr>
+        <p:txBody>
+          <a:bodyPr lIns="0" tIns="0" rIns="0" bIns="0" anchor="b" anchorCtr="1"/>
+          <a:lstStyle/>
+          <a:p>
+            <a:pPr algn="ctr"/>
+            <a:r>
+              <a:rPr lang="en-US" sz="750" dirty="0"/>
+              <a:t>Kafka Connect Cluster</a:t>
+            </a:r>
+          </a:p>
+        </p:txBody>
+      </p:sp>
+      <p:sp>
+        <p:nvSpPr>
+          <p:cNvPr id="52" name="Cloud 51">
+            <a:extLst>
+              <a:ext uri="{FF2B5EF4-FFF2-40B4-BE49-F238E27FC236}">
+                <a16:creationId xmlns:a16="http://schemas.microsoft.com/office/drawing/2014/main" id="{4695F1F6-1E1D-364B-B95A-5F6E3043E184}"/>
+              </a:ext>
+            </a:extLst>
+          </p:cNvPr>
+          <p:cNvSpPr/>
+          <p:nvPr/>
+        </p:nvSpPr>
+        <p:spPr>
+          <a:xfrm rot="16200000">
+            <a:off x="3800806" y="2418013"/>
+            <a:ext cx="1442045" cy="393701"/>
+          </a:xfrm>
+          <a:prstGeom prst="cloud">
+            <a:avLst/>
+          </a:prstGeom>
+          <a:noFill/>
+          <a:ln>
+            <a:solidFill>
+              <a:schemeClr val="tx2">
+                <a:lumMod val="60000"/>
+                <a:lumOff val="40000"/>
+              </a:schemeClr>
+            </a:solidFill>
+          </a:ln>
+        </p:spPr>
+        <p:style>
+          <a:lnRef idx="2">
+            <a:schemeClr val="accent1">
+              <a:shade val="50000"/>
+            </a:schemeClr>
+          </a:lnRef>
+          <a:fillRef idx="1">
+            <a:schemeClr val="accent1"/>
+          </a:fillRef>
+          <a:effectRef idx="0">
+            <a:schemeClr val="accent1"/>
+          </a:effectRef>
+          <a:fontRef idx="minor">
+            <a:schemeClr val="lt1"/>
+          </a:fontRef>
+        </p:style>
+        <p:txBody>
+          <a:bodyPr rtlCol="0" anchor="ctr"/>
+          <a:lstStyle/>
+          <a:p>
+            <a:pPr algn="ctr"/>
+            <a:endParaRPr lang="en-US" sz="1013"/>
+          </a:p>
+        </p:txBody>
+      </p:sp>
+      <p:pic>
+        <p:nvPicPr>
+          <p:cNvPr id="37" name="Picture 36">
+            <a:extLst>
+              <a:ext uri="{FF2B5EF4-FFF2-40B4-BE49-F238E27FC236}">
+                <a16:creationId xmlns:a16="http://schemas.microsoft.com/office/drawing/2014/main" id="{6D8F6862-7739-D946-A521-B5976D86EED8}"/>
+              </a:ext>
+            </a:extLst>
+          </p:cNvPr>
+          <p:cNvPicPr>
+            <a:picLocks noChangeAspect="1"/>
+          </p:cNvPicPr>
+          <p:nvPr/>
+        </p:nvPicPr>
+        <p:blipFill>
+          <a:blip r:embed="rId2"/>
+          <a:stretch>
+            <a:fillRect/>
+          </a:stretch>
+        </p:blipFill>
+        <p:spPr>
+          <a:xfrm>
+            <a:off x="1956920" y="2941013"/>
+            <a:ext cx="376238" cy="371475"/>
+          </a:xfrm>
+          <a:prstGeom prst="rect">
+            <a:avLst/>
+          </a:prstGeom>
+        </p:spPr>
+      </p:pic>
+      <p:sp>
+        <p:nvSpPr>
+          <p:cNvPr id="38" name="Rounded Rectangle 37">
+            <a:extLst>
+              <a:ext uri="{FF2B5EF4-FFF2-40B4-BE49-F238E27FC236}">
+                <a16:creationId xmlns:a16="http://schemas.microsoft.com/office/drawing/2014/main" id="{B8888133-CCF3-0944-9B5C-B88A02187A65}"/>
+              </a:ext>
+            </a:extLst>
+          </p:cNvPr>
+          <p:cNvSpPr/>
+          <p:nvPr/>
+        </p:nvSpPr>
+        <p:spPr>
+          <a:xfrm>
+            <a:off x="2463609" y="2672578"/>
+            <a:ext cx="994405" cy="292973"/>
+          </a:xfrm>
+          <a:prstGeom prst="roundRect">
+            <a:avLst/>
+          </a:prstGeom>
+          <a:solidFill>
+            <a:srgbClr val="7030A0"/>
+          </a:solidFill>
+          <a:ln>
+            <a:noFill/>
+          </a:ln>
+          <a:effectLst>
+            <a:outerShdw blurRad="50800" dist="38100" dir="5400000" algn="t" rotWithShape="0">
+              <a:prstClr val="black">
+                <a:alpha val="40000"/>
+              </a:prstClr>
+            </a:outerShdw>
+          </a:effectLst>
+        </p:spPr>
+        <p:style>
+          <a:lnRef idx="2">
+            <a:schemeClr val="accent1">
+              <a:shade val="50000"/>
+            </a:schemeClr>
+          </a:lnRef>
+          <a:fillRef idx="1">
+            <a:schemeClr val="accent1"/>
+          </a:fillRef>
+          <a:effectRef idx="0">
+            <a:schemeClr val="accent1"/>
+          </a:effectRef>
+          <a:fontRef idx="minor">
+            <a:schemeClr val="lt1"/>
+          </a:fontRef>
+        </p:style>
+        <p:txBody>
+          <a:bodyPr rtlCol="0" anchor="t"/>
+          <a:lstStyle/>
+          <a:p>
+            <a:pPr algn="ctr" defTabSz="514350"/>
+            <a:r>
+              <a:rPr lang="en-US" sz="750">
+                <a:solidFill>
+                  <a:prstClr val="white"/>
+                </a:solidFill>
+                <a:latin typeface="Arial"/>
+              </a:rPr>
+              <a:t>Mirror Maker 2.0</a:t>
+            </a:r>
+          </a:p>
+        </p:txBody>
+      </p:sp>
+      <p:sp>
+        <p:nvSpPr>
+          <p:cNvPr id="7" name="TextBox 6">
+            <a:extLst>
+              <a:ext uri="{FF2B5EF4-FFF2-40B4-BE49-F238E27FC236}">
+                <a16:creationId xmlns:a16="http://schemas.microsoft.com/office/drawing/2014/main" id="{9C49EA51-B835-094C-91A0-D088AFF81C4B}"/>
+              </a:ext>
+            </a:extLst>
+          </p:cNvPr>
+          <p:cNvSpPr txBox="1"/>
+          <p:nvPr/>
+        </p:nvSpPr>
+        <p:spPr>
+          <a:xfrm>
+            <a:off x="3263370" y="1476355"/>
+            <a:ext cx="577402" cy="276999"/>
+          </a:xfrm>
+          <a:prstGeom prst="rect">
+            <a:avLst/>
+          </a:prstGeom>
+          <a:noFill/>
+        </p:spPr>
+        <p:txBody>
+          <a:bodyPr wrap="none" rtlCol="0">
+            <a:spAutoFit/>
+          </a:bodyPr>
+          <a:lstStyle/>
+          <a:p>
+            <a:r>
+              <a:rPr lang="en-US" sz="1200" dirty="0"/>
+              <a:t>target</a:t>
+            </a:r>
+          </a:p>
+        </p:txBody>
+      </p:sp>
+      <p:sp>
+        <p:nvSpPr>
+          <p:cNvPr id="39" name="TextBox 38">
+            <a:extLst>
+              <a:ext uri="{FF2B5EF4-FFF2-40B4-BE49-F238E27FC236}">
+                <a16:creationId xmlns:a16="http://schemas.microsoft.com/office/drawing/2014/main" id="{E43F178F-4B90-3F45-964F-1FF716720D0E}"/>
+              </a:ext>
+            </a:extLst>
+          </p:cNvPr>
+          <p:cNvSpPr txBox="1"/>
+          <p:nvPr/>
+        </p:nvSpPr>
+        <p:spPr>
+          <a:xfrm>
+            <a:off x="7050077" y="2011888"/>
+            <a:ext cx="644728" cy="276999"/>
+          </a:xfrm>
+          <a:prstGeom prst="rect">
+            <a:avLst/>
+          </a:prstGeom>
+          <a:noFill/>
+        </p:spPr>
+        <p:txBody>
+          <a:bodyPr wrap="none" rtlCol="0">
+            <a:spAutoFit/>
+          </a:bodyPr>
+          <a:lstStyle/>
+          <a:p>
+            <a:r>
+              <a:rPr lang="en-US" sz="1200" dirty="0"/>
+              <a:t>source</a:t>
+            </a:r>
+          </a:p>
+        </p:txBody>
+      </p:sp>
+      <p:cxnSp>
+        <p:nvCxnSpPr>
+          <p:cNvPr id="21" name="Elbow Connector 20">
+            <a:extLst>
+              <a:ext uri="{FF2B5EF4-FFF2-40B4-BE49-F238E27FC236}">
+                <a16:creationId xmlns:a16="http://schemas.microsoft.com/office/drawing/2014/main" id="{1FA5726D-2767-B849-85A3-7CAA002588F7}"/>
+              </a:ext>
+            </a:extLst>
+          </p:cNvPr>
+          <p:cNvCxnSpPr>
+            <a:cxnSpLocks/>
+            <a:stCxn id="11" idx="0"/>
+            <a:endCxn id="38" idx="3"/>
+          </p:cNvCxnSpPr>
+          <p:nvPr/>
+        </p:nvCxnSpPr>
+        <p:spPr>
+          <a:xfrm rot="16200000" flipH="1" flipV="1">
+            <a:off x="4151319" y="941274"/>
+            <a:ext cx="1184485" cy="2571095"/>
+          </a:xfrm>
+          <a:prstGeom prst="bentConnector4">
+            <a:avLst>
+              <a:gd name="adj1" fmla="val -20323"/>
+              <a:gd name="adj2" fmla="val 58618"/>
+            </a:avLst>
+          </a:prstGeom>
+          <a:ln w="15875">
+            <a:solidFill>
+              <a:srgbClr val="7030A0"/>
+            </a:solidFill>
+            <a:tailEnd type="triangle"/>
+          </a:ln>
+          <a:effectLst/>
+        </p:spPr>
+        <p:style>
+          <a:lnRef idx="2">
+            <a:schemeClr val="accent1"/>
+          </a:lnRef>
+          <a:fillRef idx="0">
+            <a:schemeClr val="accent1"/>
+          </a:fillRef>
+          <a:effectRef idx="1">
+            <a:schemeClr val="accent1"/>
+          </a:effectRef>
+          <a:fontRef idx="minor">
+            <a:schemeClr val="tx1"/>
+          </a:fontRef>
+        </p:style>
+      </p:cxnSp>
+      <p:cxnSp>
+        <p:nvCxnSpPr>
+          <p:cNvPr id="53" name="Elbow Connector 52">
+            <a:extLst>
+              <a:ext uri="{FF2B5EF4-FFF2-40B4-BE49-F238E27FC236}">
+                <a16:creationId xmlns:a16="http://schemas.microsoft.com/office/drawing/2014/main" id="{0DC1C79B-85E9-B246-88E9-908878ECC75B}"/>
+              </a:ext>
+            </a:extLst>
+          </p:cNvPr>
+          <p:cNvCxnSpPr>
+            <a:cxnSpLocks/>
+            <a:stCxn id="38" idx="1"/>
+            <a:endCxn id="33" idx="2"/>
+          </p:cNvCxnSpPr>
+          <p:nvPr/>
+        </p:nvCxnSpPr>
+        <p:spPr>
+          <a:xfrm rot="10800000">
+            <a:off x="1943108" y="2046570"/>
+            <a:ext cx="520502" cy="772494"/>
+          </a:xfrm>
+          <a:prstGeom prst="bentConnector2">
+            <a:avLst/>
+          </a:prstGeom>
+          <a:ln w="15875">
+            <a:solidFill>
+              <a:srgbClr val="7030A0"/>
+            </a:solidFill>
+            <a:tailEnd type="triangle"/>
+          </a:ln>
+          <a:effectLst/>
+        </p:spPr>
+        <p:style>
+          <a:lnRef idx="2">
+            <a:schemeClr val="accent1"/>
+          </a:lnRef>
+          <a:fillRef idx="0">
+            <a:schemeClr val="accent1"/>
+          </a:fillRef>
+          <a:effectRef idx="1">
+            <a:schemeClr val="accent1"/>
+          </a:effectRef>
+          <a:fontRef idx="minor">
+            <a:schemeClr val="tx1"/>
+          </a:fontRef>
+        </p:style>
+      </p:cxnSp>
+      <p:sp>
+        <p:nvSpPr>
+          <p:cNvPr id="49" name="Rounded Rectangle 48">
+            <a:extLst>
+              <a:ext uri="{FF2B5EF4-FFF2-40B4-BE49-F238E27FC236}">
+                <a16:creationId xmlns:a16="http://schemas.microsoft.com/office/drawing/2014/main" id="{0B0F9AEA-B6CC-084B-A827-8EC8E3F6D6A5}"/>
+              </a:ext>
+            </a:extLst>
+          </p:cNvPr>
+          <p:cNvSpPr/>
+          <p:nvPr/>
+        </p:nvSpPr>
+        <p:spPr>
+          <a:xfrm>
+            <a:off x="6525686" y="2970111"/>
+            <a:ext cx="1218911" cy="371475"/>
+          </a:xfrm>
+          <a:prstGeom prst="roundRect">
+            <a:avLst/>
+          </a:prstGeom>
+          <a:solidFill>
+            <a:srgbClr val="00B050"/>
+          </a:solidFill>
+          <a:ln>
+            <a:noFill/>
+          </a:ln>
+          <a:effectLst>
+            <a:outerShdw blurRad="50800" dist="38100" dir="5400000" algn="t" rotWithShape="0">
+              <a:prstClr val="black">
+                <a:alpha val="40000"/>
+              </a:prstClr>
+            </a:outerShdw>
+          </a:effectLst>
+        </p:spPr>
+        <p:style>
+          <a:lnRef idx="2">
+            <a:schemeClr val="accent1">
+              <a:shade val="50000"/>
+            </a:schemeClr>
+          </a:lnRef>
+          <a:fillRef idx="1">
+            <a:schemeClr val="accent1"/>
+          </a:fillRef>
+          <a:effectRef idx="0">
+            <a:schemeClr val="accent1"/>
+          </a:effectRef>
+          <a:fontRef idx="minor">
+            <a:schemeClr val="lt1"/>
+          </a:fontRef>
+        </p:style>
+        <p:txBody>
+          <a:bodyPr rtlCol="0" anchor="t"/>
+          <a:lstStyle/>
+          <a:p>
+            <a:pPr algn="ctr" defTabSz="514350"/>
+            <a:r>
+              <a:rPr lang="en-US" sz="750" dirty="0">
+                <a:solidFill>
+                  <a:prstClr val="white"/>
+                </a:solidFill>
+                <a:latin typeface="Arial"/>
+              </a:rPr>
+              <a:t>Producer</a:t>
+            </a:r>
+          </a:p>
+        </p:txBody>
+      </p:sp>
+      <p:cxnSp>
+        <p:nvCxnSpPr>
+          <p:cNvPr id="22" name="Elbow Connector 21">
+            <a:extLst>
+              <a:ext uri="{FF2B5EF4-FFF2-40B4-BE49-F238E27FC236}">
+                <a16:creationId xmlns:a16="http://schemas.microsoft.com/office/drawing/2014/main" id="{44F8EE2A-5BE0-E545-925C-5D70891B4DA5}"/>
+              </a:ext>
+            </a:extLst>
+          </p:cNvPr>
+          <p:cNvCxnSpPr>
+            <a:stCxn id="32" idx="2"/>
+            <a:endCxn id="45" idx="0"/>
+          </p:cNvCxnSpPr>
+          <p:nvPr/>
+        </p:nvCxnSpPr>
+        <p:spPr>
+          <a:xfrm rot="5400000">
+            <a:off x="1183401" y="1997061"/>
+            <a:ext cx="580375" cy="679392"/>
+          </a:xfrm>
+          <a:prstGeom prst="bentConnector3">
+            <a:avLst/>
+          </a:prstGeom>
+          <a:ln>
+            <a:solidFill>
+              <a:schemeClr val="accent6"/>
+            </a:solidFill>
+            <a:tailEnd type="triangle"/>
+          </a:ln>
+          <a:effectLst/>
+        </p:spPr>
+        <p:style>
+          <a:lnRef idx="2">
+            <a:schemeClr val="accent1"/>
+          </a:lnRef>
+          <a:fillRef idx="0">
+            <a:schemeClr val="accent1"/>
+          </a:fillRef>
+          <a:effectRef idx="1">
+            <a:schemeClr val="accent1"/>
+          </a:effectRef>
+          <a:fontRef idx="minor">
+            <a:schemeClr val="tx1"/>
+          </a:fontRef>
+        </p:style>
+      </p:cxnSp>
+      <p:cxnSp>
+        <p:nvCxnSpPr>
+          <p:cNvPr id="24" name="Elbow Connector 23">
+            <a:extLst>
+              <a:ext uri="{FF2B5EF4-FFF2-40B4-BE49-F238E27FC236}">
+                <a16:creationId xmlns:a16="http://schemas.microsoft.com/office/drawing/2014/main" id="{C6D643C2-3EE4-B147-B10E-BCE4D3790797}"/>
+              </a:ext>
+            </a:extLst>
+          </p:cNvPr>
+          <p:cNvCxnSpPr>
+            <a:cxnSpLocks/>
+            <a:stCxn id="49" idx="0"/>
+            <a:endCxn id="13" idx="2"/>
+          </p:cNvCxnSpPr>
+          <p:nvPr/>
+        </p:nvCxnSpPr>
+        <p:spPr>
+          <a:xfrm rot="16200000" flipV="1">
+            <a:off x="6254073" y="2089041"/>
+            <a:ext cx="924056" cy="838083"/>
+          </a:xfrm>
+          <a:prstGeom prst="bentConnector3">
+            <a:avLst>
+              <a:gd name="adj1" fmla="val 50000"/>
+            </a:avLst>
+          </a:prstGeom>
+          <a:ln>
+            <a:solidFill>
+              <a:schemeClr val="accent6"/>
+            </a:solidFill>
+            <a:tailEnd type="triangle"/>
+          </a:ln>
+          <a:effectLst/>
+        </p:spPr>
+        <p:style>
+          <a:lnRef idx="2">
+            <a:schemeClr val="accent1"/>
+          </a:lnRef>
+          <a:fillRef idx="0">
+            <a:schemeClr val="accent1"/>
+          </a:fillRef>
+          <a:effectRef idx="1">
+            <a:schemeClr val="accent1"/>
+          </a:effectRef>
+          <a:fontRef idx="minor">
+            <a:schemeClr val="tx1"/>
+          </a:fontRef>
+        </p:style>
+      </p:cxnSp>
+      <p:sp>
+        <p:nvSpPr>
+          <p:cNvPr id="36" name="Oval 35">
+            <a:extLst>
+              <a:ext uri="{FF2B5EF4-FFF2-40B4-BE49-F238E27FC236}">
+                <a16:creationId xmlns:a16="http://schemas.microsoft.com/office/drawing/2014/main" id="{94F4997F-6F2C-BF48-BA63-5430E040A88D}"/>
+              </a:ext>
+            </a:extLst>
+          </p:cNvPr>
+          <p:cNvSpPr/>
+          <p:nvPr/>
+        </p:nvSpPr>
+        <p:spPr>
+          <a:xfrm>
+            <a:off x="3419619" y="2422837"/>
+            <a:ext cx="322730" cy="308102"/>
+          </a:xfrm>
+          <a:prstGeom prst="ellipse">
+            <a:avLst/>
+          </a:prstGeom>
+          <a:solidFill>
+            <a:srgbClr val="0000FF"/>
+          </a:solidFill>
+          <a:ln>
+            <a:noFill/>
+          </a:ln>
+        </p:spPr>
+        <p:style>
+          <a:lnRef idx="2">
+            <a:schemeClr val="accent1">
+              <a:shade val="50000"/>
+            </a:schemeClr>
+          </a:lnRef>
+          <a:fillRef idx="1">
+            <a:schemeClr val="accent1"/>
+          </a:fillRef>
+          <a:effectRef idx="0">
+            <a:schemeClr val="accent1"/>
+          </a:effectRef>
+          <a:fontRef idx="minor">
+            <a:schemeClr val="lt1"/>
+          </a:fontRef>
+        </p:style>
+        <p:txBody>
+          <a:bodyPr rtlCol="0" anchor="ctr"/>
+          <a:lstStyle/>
+          <a:p>
+            <a:pPr algn="ctr"/>
+            <a:r>
+              <a:rPr lang="en-US" sz="1013" dirty="0"/>
+              <a:t>1</a:t>
+            </a:r>
+          </a:p>
+        </p:txBody>
+      </p:sp>
+      <p:sp>
+        <p:nvSpPr>
+          <p:cNvPr id="68" name="Oval 67">
+            <a:extLst>
+              <a:ext uri="{FF2B5EF4-FFF2-40B4-BE49-F238E27FC236}">
+                <a16:creationId xmlns:a16="http://schemas.microsoft.com/office/drawing/2014/main" id="{A8CECD8E-6C3B-D34E-8F6D-8ADB376443E9}"/>
+              </a:ext>
+            </a:extLst>
+          </p:cNvPr>
+          <p:cNvSpPr/>
+          <p:nvPr/>
+        </p:nvSpPr>
+        <p:spPr>
+          <a:xfrm>
+            <a:off x="6317439" y="2990978"/>
+            <a:ext cx="322730" cy="308102"/>
+          </a:xfrm>
+          <a:prstGeom prst="ellipse">
+            <a:avLst/>
+          </a:prstGeom>
+          <a:solidFill>
+            <a:srgbClr val="0000FF"/>
+          </a:solidFill>
+          <a:ln>
+            <a:noFill/>
+          </a:ln>
+        </p:spPr>
+        <p:style>
+          <a:lnRef idx="2">
+            <a:schemeClr val="accent1">
+              <a:shade val="50000"/>
+            </a:schemeClr>
+          </a:lnRef>
+          <a:fillRef idx="1">
+            <a:schemeClr val="accent1"/>
+          </a:fillRef>
+          <a:effectRef idx="0">
+            <a:schemeClr val="accent1"/>
+          </a:effectRef>
+          <a:fontRef idx="minor">
+            <a:schemeClr val="lt1"/>
+          </a:fontRef>
+        </p:style>
+        <p:txBody>
+          <a:bodyPr rtlCol="0" anchor="ctr"/>
+          <a:lstStyle/>
+          <a:p>
+            <a:pPr algn="ctr"/>
+            <a:r>
+              <a:rPr lang="en-US" sz="1013" dirty="0"/>
+              <a:t>2</a:t>
+            </a:r>
+          </a:p>
+        </p:txBody>
+      </p:sp>
+      <p:sp>
+        <p:nvSpPr>
+          <p:cNvPr id="69" name="Oval 68">
+            <a:extLst>
+              <a:ext uri="{FF2B5EF4-FFF2-40B4-BE49-F238E27FC236}">
+                <a16:creationId xmlns:a16="http://schemas.microsoft.com/office/drawing/2014/main" id="{B943FE36-C19E-8A4F-8D1E-178093750F9B}"/>
+              </a:ext>
+            </a:extLst>
+          </p:cNvPr>
+          <p:cNvSpPr/>
+          <p:nvPr/>
+        </p:nvSpPr>
+        <p:spPr>
+          <a:xfrm>
+            <a:off x="434662" y="2836927"/>
+            <a:ext cx="322730" cy="308102"/>
+          </a:xfrm>
+          <a:prstGeom prst="ellipse">
+            <a:avLst/>
+          </a:prstGeom>
+          <a:solidFill>
+            <a:srgbClr val="0000FF"/>
+          </a:solidFill>
+          <a:ln>
+            <a:noFill/>
+          </a:ln>
+        </p:spPr>
+        <p:style>
+          <a:lnRef idx="2">
+            <a:schemeClr val="accent1">
+              <a:shade val="50000"/>
+            </a:schemeClr>
+          </a:lnRef>
+          <a:fillRef idx="1">
+            <a:schemeClr val="accent1"/>
+          </a:fillRef>
+          <a:effectRef idx="0">
+            <a:schemeClr val="accent1"/>
+          </a:effectRef>
+          <a:fontRef idx="minor">
+            <a:schemeClr val="lt1"/>
+          </a:fontRef>
+        </p:style>
+        <p:txBody>
+          <a:bodyPr rtlCol="0" anchor="ctr"/>
+          <a:lstStyle/>
+          <a:p>
+            <a:pPr algn="ctr"/>
+            <a:r>
+              <a:rPr lang="en-US" sz="1013" dirty="0"/>
+              <a:t>3</a:t>
+            </a:r>
+          </a:p>
+        </p:txBody>
+      </p:sp>
+      <p:sp>
+        <p:nvSpPr>
+          <p:cNvPr id="17" name="TextBox 16">
+            <a:extLst>
+              <a:ext uri="{FF2B5EF4-FFF2-40B4-BE49-F238E27FC236}">
+                <a16:creationId xmlns:a16="http://schemas.microsoft.com/office/drawing/2014/main" id="{1A0874EA-0F31-A94D-A496-B7D42FBB31A3}"/>
+              </a:ext>
+            </a:extLst>
+          </p:cNvPr>
+          <p:cNvSpPr txBox="1"/>
+          <p:nvPr/>
+        </p:nvSpPr>
+        <p:spPr>
+          <a:xfrm>
+            <a:off x="6369341" y="1637937"/>
+            <a:ext cx="482824" cy="207749"/>
+          </a:xfrm>
+          <a:prstGeom prst="rect">
+            <a:avLst/>
+          </a:prstGeom>
+          <a:noFill/>
+        </p:spPr>
+        <p:txBody>
+          <a:bodyPr wrap="none" rtlCol="0">
+            <a:spAutoFit/>
+          </a:bodyPr>
+          <a:lstStyle/>
+          <a:p>
+            <a:r>
+              <a:rPr lang="en-US" sz="750" b="1" dirty="0"/>
+              <a:t>orders</a:t>
+            </a:r>
+          </a:p>
+        </p:txBody>
+      </p:sp>
+      <p:sp>
+        <p:nvSpPr>
+          <p:cNvPr id="44" name="TextBox 43">
+            <a:extLst>
+              <a:ext uri="{FF2B5EF4-FFF2-40B4-BE49-F238E27FC236}">
+                <a16:creationId xmlns:a16="http://schemas.microsoft.com/office/drawing/2014/main" id="{E60BBBCD-AD4E-A94D-A062-4C15C724E8D6}"/>
+              </a:ext>
+            </a:extLst>
+          </p:cNvPr>
+          <p:cNvSpPr txBox="1"/>
+          <p:nvPr/>
+        </p:nvSpPr>
+        <p:spPr>
+          <a:xfrm>
+            <a:off x="2007036" y="1655652"/>
+            <a:ext cx="824265" cy="207749"/>
+          </a:xfrm>
+          <a:prstGeom prst="rect">
+            <a:avLst/>
+          </a:prstGeom>
+          <a:noFill/>
+        </p:spPr>
+        <p:txBody>
+          <a:bodyPr wrap="none" rtlCol="0">
+            <a:spAutoFit/>
+          </a:bodyPr>
+          <a:lstStyle/>
+          <a:p>
+            <a:r>
+              <a:rPr lang="en-US" sz="750" b="1" dirty="0"/>
+              <a:t>source.orders</a:t>
+            </a:r>
+          </a:p>
+        </p:txBody>
+      </p:sp>
+      <p:pic>
+        <p:nvPicPr>
+          <p:cNvPr id="41" name="Picture 40">
+            <a:extLst>
+              <a:ext uri="{FF2B5EF4-FFF2-40B4-BE49-F238E27FC236}">
+                <a16:creationId xmlns:a16="http://schemas.microsoft.com/office/drawing/2014/main" id="{56C25C81-9BFA-624C-9CA8-B1ED9F6886F8}"/>
+              </a:ext>
+            </a:extLst>
+          </p:cNvPr>
+          <p:cNvPicPr>
+            <a:picLocks noChangeAspect="1"/>
+          </p:cNvPicPr>
+          <p:nvPr/>
+        </p:nvPicPr>
+        <p:blipFill>
+          <a:blip r:embed="rId3">
+            <a:extLst>
+              <a:ext uri="{28A0092B-C50C-407E-A947-70E740481C1C}">
+                <a14:useLocalDpi xmlns:a14="http://schemas.microsoft.com/office/drawing/2010/main" val="0"/>
+              </a:ext>
+            </a:extLst>
+          </a:blip>
+          <a:stretch>
+            <a:fillRect/>
+          </a:stretch>
+        </p:blipFill>
+        <p:spPr>
+          <a:xfrm>
+            <a:off x="4945417" y="1503235"/>
+            <a:ext cx="191007" cy="252252"/>
+          </a:xfrm>
+          <a:prstGeom prst="rect">
+            <a:avLst/>
+          </a:prstGeom>
+        </p:spPr>
+      </p:pic>
+      <p:pic>
+        <p:nvPicPr>
+          <p:cNvPr id="42" name="Picture 41">
+            <a:extLst>
+              <a:ext uri="{FF2B5EF4-FFF2-40B4-BE49-F238E27FC236}">
+                <a16:creationId xmlns:a16="http://schemas.microsoft.com/office/drawing/2014/main" id="{68211D15-A32F-8943-9E1A-48A59F5DFCD2}"/>
+              </a:ext>
+            </a:extLst>
+          </p:cNvPr>
+          <p:cNvPicPr>
+            <a:picLocks noChangeAspect="1"/>
+          </p:cNvPicPr>
+          <p:nvPr/>
+        </p:nvPicPr>
+        <p:blipFill>
+          <a:blip r:embed="rId3">
+            <a:extLst>
+              <a:ext uri="{28A0092B-C50C-407E-A947-70E740481C1C}">
+                <a14:useLocalDpi xmlns:a14="http://schemas.microsoft.com/office/drawing/2010/main" val="0"/>
+              </a:ext>
+            </a:extLst>
+          </a:blip>
+          <a:stretch>
+            <a:fillRect/>
+          </a:stretch>
+        </p:blipFill>
+        <p:spPr>
+          <a:xfrm>
+            <a:off x="632701" y="1536885"/>
+            <a:ext cx="191007" cy="252252"/>
+          </a:xfrm>
+          <a:prstGeom prst="rect">
+            <a:avLst/>
+          </a:prstGeom>
+        </p:spPr>
+      </p:pic>
+      <p:pic>
+        <p:nvPicPr>
+          <p:cNvPr id="43" name="Picture 42">
+            <a:extLst>
+              <a:ext uri="{FF2B5EF4-FFF2-40B4-BE49-F238E27FC236}">
+                <a16:creationId xmlns:a16="http://schemas.microsoft.com/office/drawing/2014/main" id="{17C8EA92-3D3A-6646-A77F-C2E199089CD1}"/>
+              </a:ext>
+            </a:extLst>
+          </p:cNvPr>
+          <p:cNvPicPr>
+            <a:picLocks noChangeAspect="1"/>
+          </p:cNvPicPr>
+          <p:nvPr/>
+        </p:nvPicPr>
+        <p:blipFill>
+          <a:blip r:embed="rId4"/>
+          <a:stretch>
+            <a:fillRect/>
+          </a:stretch>
+        </p:blipFill>
+        <p:spPr>
+          <a:xfrm>
+            <a:off x="356381" y="3625830"/>
+            <a:ext cx="261023" cy="238649"/>
+          </a:xfrm>
+          <a:prstGeom prst="rect">
+            <a:avLst/>
+          </a:prstGeom>
+        </p:spPr>
+      </p:pic>
+      <p:sp>
+        <p:nvSpPr>
+          <p:cNvPr id="47" name="AutoShape 4">
+            <a:extLst>
+              <a:ext uri="{FF2B5EF4-FFF2-40B4-BE49-F238E27FC236}">
+                <a16:creationId xmlns:a16="http://schemas.microsoft.com/office/drawing/2014/main" id="{A00EABA6-52E6-B747-BCD6-7A397FE9059C}"/>
+              </a:ext>
+            </a:extLst>
+          </p:cNvPr>
+          <p:cNvSpPr>
+            <a:spLocks noChangeArrowheads="1"/>
+          </p:cNvSpPr>
+          <p:nvPr/>
+        </p:nvSpPr>
+        <p:spPr bwMode="auto">
+          <a:xfrm>
+            <a:off x="4945416" y="2790647"/>
+            <a:ext cx="3333325" cy="814403"/>
+          </a:xfrm>
+          <a:prstGeom prst="roundRect">
+            <a:avLst>
+              <a:gd name="adj" fmla="val 3325"/>
+            </a:avLst>
+          </a:prstGeom>
+          <a:noFill/>
+          <a:ln w="12700">
+            <a:solidFill>
+              <a:schemeClr val="accent3"/>
+            </a:solidFill>
+            <a:prstDash val="dash"/>
+            <a:round/>
+            <a:headEnd/>
+            <a:tailEnd/>
+          </a:ln>
+        </p:spPr>
+        <p:txBody>
+          <a:bodyPr lIns="0" tIns="0" rIns="0" bIns="0" anchor="b" anchorCtr="1"/>
+          <a:lstStyle/>
+          <a:p>
+            <a:pPr algn="ctr"/>
+            <a:r>
+              <a:rPr lang="en-US" sz="750" dirty="0" err="1"/>
+              <a:t>Openshifr</a:t>
+            </a:r>
+            <a:r>
+              <a:rPr lang="en-US" sz="750" dirty="0"/>
+              <a:t> on Kubernetes Service</a:t>
+            </a:r>
+          </a:p>
+        </p:txBody>
+      </p:sp>
+      <p:pic>
+        <p:nvPicPr>
+          <p:cNvPr id="48" name="Picture 47">
+            <a:extLst>
+              <a:ext uri="{FF2B5EF4-FFF2-40B4-BE49-F238E27FC236}">
+                <a16:creationId xmlns:a16="http://schemas.microsoft.com/office/drawing/2014/main" id="{D9A1D566-7274-254B-B86D-75F32B5130BE}"/>
+              </a:ext>
+            </a:extLst>
+          </p:cNvPr>
+          <p:cNvPicPr>
+            <a:picLocks noChangeAspect="1"/>
+          </p:cNvPicPr>
+          <p:nvPr/>
+        </p:nvPicPr>
+        <p:blipFill>
+          <a:blip r:embed="rId4"/>
+          <a:stretch>
+            <a:fillRect/>
+          </a:stretch>
+        </p:blipFill>
+        <p:spPr>
+          <a:xfrm>
+            <a:off x="4938273" y="3386344"/>
+            <a:ext cx="261023" cy="238649"/>
+          </a:xfrm>
+          <a:prstGeom prst="rect">
+            <a:avLst/>
+          </a:prstGeom>
+        </p:spPr>
+      </p:pic>
+      <p:pic>
+        <p:nvPicPr>
+          <p:cNvPr id="50" name="Picture 49" descr="A picture containing sign, clock&#10;&#10;Description automatically generated">
+            <a:extLst>
+              <a:ext uri="{FF2B5EF4-FFF2-40B4-BE49-F238E27FC236}">
+                <a16:creationId xmlns:a16="http://schemas.microsoft.com/office/drawing/2014/main" id="{18D36C91-09E9-144D-BA4D-78F0917B3606}"/>
+              </a:ext>
+            </a:extLst>
+          </p:cNvPr>
+          <p:cNvPicPr>
+            <a:picLocks noChangeAspect="1"/>
+          </p:cNvPicPr>
+          <p:nvPr/>
+        </p:nvPicPr>
+        <p:blipFill>
+          <a:blip r:embed="rId5"/>
+          <a:stretch>
+            <a:fillRect/>
+          </a:stretch>
+        </p:blipFill>
+        <p:spPr>
+          <a:xfrm>
+            <a:off x="8002594" y="1071776"/>
+            <a:ext cx="397442" cy="351885"/>
+          </a:xfrm>
+          <a:prstGeom prst="rect">
+            <a:avLst/>
+          </a:prstGeom>
+        </p:spPr>
+      </p:pic>
+    </p:spTree>
+    <p:extLst>
+      <p:ext uri="{BB962C8B-B14F-4D97-AF65-F5344CB8AC3E}">
+        <p14:creationId xmlns:p14="http://schemas.microsoft.com/office/powerpoint/2010/main" val="2776287934"/>
+      </p:ext>
+    </p:extLst>
+  </p:cSld>
+  <p:clrMapOvr>
+    <a:masterClrMapping/>
+  </p:clrMapOvr>
+</p:sld>
+</file>
+
+<file path=ppt/slides/slide2.xml><?xml version="1.0" encoding="utf-8"?>
+<p:sld xmlns:a="http://schemas.openxmlformats.org/drawingml/2006/main" xmlns:r="http://schemas.openxmlformats.org/officeDocument/2006/relationships" xmlns:p="http://schemas.openxmlformats.org/presentationml/2006/main">
+  <p:cSld>
+    <p:spTree>
+      <p:nvGrpSpPr>
+        <p:cNvPr id="1" name=""/>
+        <p:cNvGrpSpPr/>
+        <p:nvPr/>
+      </p:nvGrpSpPr>
+      <p:grpSpPr>
+        <a:xfrm>
+          <a:off x="0" y="0"/>
+          <a:ext cx="0" cy="0"/>
+          <a:chOff x="0" y="0"/>
+          <a:chExt cx="0" cy="0"/>
+        </a:xfrm>
+      </p:grpSpPr>
+      <p:sp>
+        <p:nvSpPr>
           <p:cNvPr id="2" name="Title 1">
             <a:extLst>
               <a:ext uri="{FF2B5EF4-FFF2-40B4-BE49-F238E27FC236}">
@@ -4510,7 +8009,7 @@
                 </a:solidFill>
               </a:rPr>
               <a:pPr/>
-              <a:t>1</a:t>
+              <a:t>2</a:t>
             </a:fld>
             <a:endParaRPr lang="en-US"/>
           </a:p>
@@ -6712,7 +10211,7 @@
 </p:sld>
 </file>
 
-<file path=ppt/slides/slide2.xml><?xml version="1.0" encoding="utf-8"?>
+<file path=ppt/slides/slide3.xml><?xml version="1.0" encoding="utf-8"?>
 <p:sld xmlns:a="http://schemas.openxmlformats.org/drawingml/2006/main" xmlns:r="http://schemas.openxmlformats.org/officeDocument/2006/relationships" xmlns:p="http://schemas.openxmlformats.org/presentationml/2006/main">
   <p:cSld>
     <p:spTree>
@@ -6785,7 +10284,7 @@
                 </a:solidFill>
               </a:rPr>
               <a:pPr/>
-              <a:t>2</a:t>
+              <a:t>3</a:t>
             </a:fld>
             <a:endParaRPr lang="en-US">
               <a:solidFill>
@@ -10250,7 +13749,7 @@
 </p:sld>
 </file>
 
-<file path=ppt/slides/slide3.xml><?xml version="1.0" encoding="utf-8"?>
+<file path=ppt/slides/slide4.xml><?xml version="1.0" encoding="utf-8"?>
 <p:sld xmlns:a="http://schemas.openxmlformats.org/drawingml/2006/main" xmlns:r="http://schemas.openxmlformats.org/officeDocument/2006/relationships" xmlns:p="http://schemas.openxmlformats.org/presentationml/2006/main">
   <p:cSld>
     <p:spTree>
@@ -10440,7 +13939,7 @@
                   <a:spcPct val="0"/>
                 </a:spcAft>
               </a:pPr>
-              <a:t>3</a:t>
+              <a:t>4</a:t>
             </a:fld>
             <a:endParaRPr lang="en-US">
               <a:solidFill>
@@ -12628,7 +16127,7 @@
 </p:sld>
 </file>
 
-<file path=ppt/slides/slide4.xml><?xml version="1.0" encoding="utf-8"?>
+<file path=ppt/slides/slide5.xml><?xml version="1.0" encoding="utf-8"?>
 <p:sld xmlns:a="http://schemas.openxmlformats.org/drawingml/2006/main" xmlns:r="http://schemas.openxmlformats.org/officeDocument/2006/relationships" xmlns:p="http://schemas.openxmlformats.org/presentationml/2006/main">
   <p:cSld>
     <p:spTree>
@@ -12818,7 +16317,7 @@
                   <a:spcPct val="0"/>
                 </a:spcAft>
               </a:pPr>
-              <a:t>4</a:t>
+              <a:t>5</a:t>
             </a:fld>
             <a:endParaRPr lang="en-US">
               <a:solidFill>
@@ -16193,7 +19692,7 @@
 </p:sld>
 </file>
 
-<file path=ppt/slides/slide5.xml><?xml version="1.0" encoding="utf-8"?>
+<file path=ppt/slides/slide6.xml><?xml version="1.0" encoding="utf-8"?>
 <p:sld xmlns:a="http://schemas.openxmlformats.org/drawingml/2006/main" xmlns:r="http://schemas.openxmlformats.org/officeDocument/2006/relationships" xmlns:p="http://schemas.openxmlformats.org/presentationml/2006/main">
   <p:cSld>
     <p:spTree>
@@ -16383,7 +19882,7 @@
                   <a:spcPct val="0"/>
                 </a:spcAft>
               </a:pPr>
-              <a:t>5</a:t>
+              <a:t>6</a:t>
             </a:fld>
             <a:endParaRPr lang="en-US">
               <a:solidFill>
@@ -20041,7 +23540,7 @@
 </p:sld>
 </file>
 
-<file path=ppt/slides/slide6.xml><?xml version="1.0" encoding="utf-8"?>
+<file path=ppt/slides/slide7.xml><?xml version="1.0" encoding="utf-8"?>
 <p:sld xmlns:a="http://schemas.openxmlformats.org/drawingml/2006/main" xmlns:r="http://schemas.openxmlformats.org/officeDocument/2006/relationships" xmlns:p="http://schemas.openxmlformats.org/presentationml/2006/main">
   <p:cSld>
     <p:spTree>
@@ -20162,7 +23661,7 @@
                 </a:solidFill>
               </a:rPr>
               <a:pPr/>
-              <a:t>6</a:t>
+              <a:t>7</a:t>
             </a:fld>
             <a:endParaRPr lang="en-US">
               <a:solidFill>
@@ -21396,178 +24895,6 @@
 </p:sld>
 </file>
 
-<file path=ppt/slides/slide7.xml><?xml version="1.0" encoding="utf-8"?>
-<p:sld xmlns:a="http://schemas.openxmlformats.org/drawingml/2006/main" xmlns:r="http://schemas.openxmlformats.org/officeDocument/2006/relationships" xmlns:p="http://schemas.openxmlformats.org/presentationml/2006/main">
-  <p:cSld>
-    <p:spTree>
-      <p:nvGrpSpPr>
-        <p:cNvPr id="1" name=""/>
-        <p:cNvGrpSpPr/>
-        <p:nvPr/>
-      </p:nvGrpSpPr>
-      <p:grpSpPr>
-        <a:xfrm>
-          <a:off x="0" y="0"/>
-          <a:ext cx="0" cy="0"/>
-          <a:chOff x="0" y="0"/>
-          <a:chExt cx="0" cy="0"/>
-        </a:xfrm>
-      </p:grpSpPr>
-      <p:sp>
-        <p:nvSpPr>
-          <p:cNvPr id="2" name="Title 1">
-            <a:extLst>
-              <a:ext uri="{FF2B5EF4-FFF2-40B4-BE49-F238E27FC236}">
-                <a16:creationId xmlns:a16="http://schemas.microsoft.com/office/drawing/2014/main" id="{3657BE54-4055-5247-8BE1-7DC214AEEC39}"/>
-              </a:ext>
-            </a:extLst>
-          </p:cNvPr>
-          <p:cNvSpPr>
-            <a:spLocks noGrp="1"/>
-          </p:cNvSpPr>
-          <p:nvPr>
-            <p:ph type="title"/>
-          </p:nvPr>
-        </p:nvSpPr>
-        <p:spPr/>
-        <p:txBody>
-          <a:bodyPr/>
-          <a:lstStyle/>
-          <a:p>
-            <a:r>
-              <a:rPr lang="en-US"/>
-              <a:t>Mirror Maker 2</a:t>
-            </a:r>
-          </a:p>
-        </p:txBody>
-      </p:sp>
-      <p:sp>
-        <p:nvSpPr>
-          <p:cNvPr id="3" name="Content Placeholder 2">
-            <a:extLst>
-              <a:ext uri="{FF2B5EF4-FFF2-40B4-BE49-F238E27FC236}">
-                <a16:creationId xmlns:a16="http://schemas.microsoft.com/office/drawing/2014/main" id="{1257D4A5-E589-F84E-8426-35B2FDC9408F}"/>
-              </a:ext>
-            </a:extLst>
-          </p:cNvPr>
-          <p:cNvSpPr>
-            <a:spLocks noGrp="1"/>
-          </p:cNvSpPr>
-          <p:nvPr>
-            <p:ph idx="1"/>
-          </p:nvPr>
-        </p:nvSpPr>
-        <p:spPr/>
-        <p:txBody>
-          <a:bodyPr/>
-          <a:lstStyle/>
-          <a:p>
-            <a:r>
-              <a:rPr lang="en-US"/>
-              <a:t>Detect new topics and partitions</a:t>
-            </a:r>
-          </a:p>
-          <a:p>
-            <a:r>
-              <a:rPr lang="en-US"/>
-              <a:t>Automatically syncs topic configuration between clusters.</a:t>
-            </a:r>
-          </a:p>
-          <a:p>
-            <a:r>
-              <a:rPr lang="en-US"/>
-              <a:t>Manages downstream topic ACL.</a:t>
-            </a:r>
-          </a:p>
-          <a:p>
-            <a:r>
-              <a:rPr lang="en-US"/>
-              <a:t>Supports "active/active" cluster pairs, as well as any number of active clusters.</a:t>
-            </a:r>
-          </a:p>
-          <a:p>
-            <a:r>
-              <a:rPr lang="en-US"/>
-              <a:t>Supports cross-datacenter replication, aggregation, and other complex topologies.</a:t>
-            </a:r>
-          </a:p>
-          <a:p>
-            <a:r>
-              <a:rPr lang="en-US"/>
-              <a:t>Provides new metrics including end-to-end replication latency across multiple data centers/clusters.</a:t>
-            </a:r>
-          </a:p>
-          <a:p>
-            <a:r>
-              <a:rPr lang="en-US"/>
-              <a:t>Emits offsets required to migrate consumers between clusters.</a:t>
-            </a:r>
-          </a:p>
-          <a:p>
-            <a:r>
-              <a:rPr lang="en-US"/>
-              <a:t>Tooling for offset translation.</a:t>
-            </a:r>
-          </a:p>
-          <a:p>
-            <a:pPr marL="0" indent="0">
-              <a:buNone/>
-            </a:pPr>
-            <a:endParaRPr lang="en-US"/>
-          </a:p>
-        </p:txBody>
-      </p:sp>
-      <p:sp>
-        <p:nvSpPr>
-          <p:cNvPr id="4" name="Slide Number Placeholder 3">
-            <a:extLst>
-              <a:ext uri="{FF2B5EF4-FFF2-40B4-BE49-F238E27FC236}">
-                <a16:creationId xmlns:a16="http://schemas.microsoft.com/office/drawing/2014/main" id="{2F37CAAC-6ED7-144D-ABB3-F67C52C876D2}"/>
-              </a:ext>
-            </a:extLst>
-          </p:cNvPr>
-          <p:cNvSpPr>
-            <a:spLocks noGrp="1"/>
-          </p:cNvSpPr>
-          <p:nvPr>
-            <p:ph type="sldNum" sz="quarter" idx="10"/>
-          </p:nvPr>
-        </p:nvSpPr>
-        <p:spPr/>
-        <p:txBody>
-          <a:bodyPr/>
-          <a:lstStyle/>
-          <a:p>
-            <a:fld id="{2F63A97E-D605-DC42-8452-C14CD1FA87FA}" type="slidenum">
-              <a:rPr lang="en-US" smtClean="0">
-                <a:solidFill>
-                  <a:srgbClr val="5AAAFA"/>
-                </a:solidFill>
-              </a:rPr>
-              <a:pPr/>
-              <a:t>7</a:t>
-            </a:fld>
-            <a:endParaRPr lang="en-US">
-              <a:solidFill>
-                <a:srgbClr val="5AAAFA"/>
-              </a:solidFill>
-            </a:endParaRPr>
-          </a:p>
-        </p:txBody>
-      </p:sp>
-    </p:spTree>
-    <p:extLst>
-      <p:ext uri="{BB962C8B-B14F-4D97-AF65-F5344CB8AC3E}">
-        <p14:creationId xmlns:p14="http://schemas.microsoft.com/office/powerpoint/2010/main" val="2465530189"/>
-      </p:ext>
-    </p:extLst>
-  </p:cSld>
-  <p:clrMapOvr>
-    <a:masterClrMapping/>
-  </p:clrMapOvr>
-</p:sld>
-</file>
-
 <file path=ppt/slides/slide8.xml><?xml version="1.0" encoding="utf-8"?>
 <p:sld xmlns:a="http://schemas.openxmlformats.org/drawingml/2006/main" xmlns:r="http://schemas.openxmlformats.org/officeDocument/2006/relationships" xmlns:p="http://schemas.openxmlformats.org/presentationml/2006/main">
   <p:cSld>
@@ -21590,7 +24917,7 @@
           <p:cNvPr id="2" name="Title 1">
             <a:extLst>
               <a:ext uri="{FF2B5EF4-FFF2-40B4-BE49-F238E27FC236}">
-                <a16:creationId xmlns:a16="http://schemas.microsoft.com/office/drawing/2014/main" id="{7DD0824B-9D29-3747-BFBA-533EF2DF6980}"/>
+                <a16:creationId xmlns:a16="http://schemas.microsoft.com/office/drawing/2014/main" id="{3657BE54-4055-5247-8BE1-7DC214AEEC39}"/>
               </a:ext>
             </a:extLst>
           </p:cNvPr>
@@ -21608,17 +24935,17 @@
           <a:p>
             <a:r>
               <a:rPr lang="en-US"/>
-              <a:t>Data Replication Environment - 2</a:t>
-            </a:r>
-          </a:p>
-        </p:txBody>
-      </p:sp>
-      <p:sp>
-        <p:nvSpPr>
-          <p:cNvPr id="4" name="Slide Number Placeholder 3">
-            <a:extLst>
-              <a:ext uri="{FF2B5EF4-FFF2-40B4-BE49-F238E27FC236}">
-                <a16:creationId xmlns:a16="http://schemas.microsoft.com/office/drawing/2014/main" id="{223BEDBE-0C1E-504D-8318-92C91D8D607F}"/>
+              <a:t>Mirror Maker 2</a:t>
+            </a:r>
+          </a:p>
+        </p:txBody>
+      </p:sp>
+      <p:sp>
+        <p:nvSpPr>
+          <p:cNvPr id="3" name="Content Placeholder 2">
+            <a:extLst>
+              <a:ext uri="{FF2B5EF4-FFF2-40B4-BE49-F238E27FC236}">
+                <a16:creationId xmlns:a16="http://schemas.microsoft.com/office/drawing/2014/main" id="{1257D4A5-E589-F84E-8426-35B2FDC9408F}"/>
               </a:ext>
             </a:extLst>
           </p:cNvPr>
@@ -21626,150 +24953,94 @@
             <a:spLocks noGrp="1"/>
           </p:cNvSpPr>
           <p:nvPr>
-            <p:ph type="sldNum" sz="quarter" idx="12"/>
+            <p:ph idx="1"/>
           </p:nvPr>
         </p:nvSpPr>
-        <p:spPr>
-          <a:xfrm>
-            <a:off x="11383211" y="6441552"/>
-            <a:ext cx="533845" cy="365125"/>
-          </a:xfrm>
-          <a:prstGeom prst="rect">
-            <a:avLst/>
-          </a:prstGeom>
-        </p:spPr>
-        <p:txBody>
-          <a:bodyPr vert="horz" lIns="91440" tIns="45720" rIns="91440" bIns="45720" rtlCol="0" anchor="ctr"/>
-          <a:lstStyle>
-            <a:defPPr>
-              <a:defRPr lang="en-US"/>
-            </a:defPPr>
-            <a:lvl1pPr algn="r" rtl="0" eaLnBrk="0" fontAlgn="base" hangingPunct="0">
-              <a:spcBef>
-                <a:spcPct val="0"/>
-              </a:spcBef>
-              <a:spcAft>
-                <a:spcPct val="0"/>
-              </a:spcAft>
-              <a:defRPr sz="1200" kern="1200">
-                <a:solidFill>
-                  <a:schemeClr val="tx1"/>
-                </a:solidFill>
-                <a:latin typeface="Arial" panose="020B0604020202020204" pitchFamily="34" charset="0"/>
-                <a:ea typeface="+mn-ea"/>
-                <a:cs typeface="Arial" panose="020B0604020202020204" pitchFamily="34" charset="0"/>
-              </a:defRPr>
-            </a:lvl1pPr>
-            <a:lvl2pPr marL="457071" algn="l" rtl="0" eaLnBrk="0" fontAlgn="base" hangingPunct="0">
-              <a:spcBef>
-                <a:spcPct val="0"/>
-              </a:spcBef>
-              <a:spcAft>
-                <a:spcPct val="0"/>
-              </a:spcAft>
-              <a:defRPr kern="1200">
-                <a:solidFill>
-                  <a:schemeClr val="tx1"/>
-                </a:solidFill>
-                <a:latin typeface="Arial" panose="020B0604020202020204" pitchFamily="34" charset="0"/>
-                <a:ea typeface="+mn-ea"/>
-                <a:cs typeface="Arial" panose="020B0604020202020204" pitchFamily="34" charset="0"/>
-              </a:defRPr>
-            </a:lvl2pPr>
-            <a:lvl3pPr marL="914150" algn="l" rtl="0" eaLnBrk="0" fontAlgn="base" hangingPunct="0">
-              <a:spcBef>
-                <a:spcPct val="0"/>
-              </a:spcBef>
-              <a:spcAft>
-                <a:spcPct val="0"/>
-              </a:spcAft>
-              <a:defRPr kern="1200">
-                <a:solidFill>
-                  <a:schemeClr val="tx1"/>
-                </a:solidFill>
-                <a:latin typeface="Arial" panose="020B0604020202020204" pitchFamily="34" charset="0"/>
-                <a:ea typeface="+mn-ea"/>
-                <a:cs typeface="Arial" panose="020B0604020202020204" pitchFamily="34" charset="0"/>
-              </a:defRPr>
-            </a:lvl3pPr>
-            <a:lvl4pPr marL="1371226" algn="l" rtl="0" eaLnBrk="0" fontAlgn="base" hangingPunct="0">
-              <a:spcBef>
-                <a:spcPct val="0"/>
-              </a:spcBef>
-              <a:spcAft>
-                <a:spcPct val="0"/>
-              </a:spcAft>
-              <a:defRPr kern="1200">
-                <a:solidFill>
-                  <a:schemeClr val="tx1"/>
-                </a:solidFill>
-                <a:latin typeface="Arial" panose="020B0604020202020204" pitchFamily="34" charset="0"/>
-                <a:ea typeface="+mn-ea"/>
-                <a:cs typeface="Arial" panose="020B0604020202020204" pitchFamily="34" charset="0"/>
-              </a:defRPr>
-            </a:lvl4pPr>
-            <a:lvl5pPr marL="1828301" algn="l" rtl="0" eaLnBrk="0" fontAlgn="base" hangingPunct="0">
-              <a:spcBef>
-                <a:spcPct val="0"/>
-              </a:spcBef>
-              <a:spcAft>
-                <a:spcPct val="0"/>
-              </a:spcAft>
-              <a:defRPr kern="1200">
-                <a:solidFill>
-                  <a:schemeClr val="tx1"/>
-                </a:solidFill>
-                <a:latin typeface="Arial" panose="020B0604020202020204" pitchFamily="34" charset="0"/>
-                <a:ea typeface="+mn-ea"/>
-                <a:cs typeface="Arial" panose="020B0604020202020204" pitchFamily="34" charset="0"/>
-              </a:defRPr>
-            </a:lvl5pPr>
-            <a:lvl6pPr marL="2285382" algn="l" defTabSz="914150" rtl="0" eaLnBrk="1" latinLnBrk="0" hangingPunct="1">
-              <a:defRPr kern="1200">
-                <a:solidFill>
-                  <a:schemeClr val="tx1"/>
-                </a:solidFill>
-                <a:latin typeface="Arial" panose="020B0604020202020204" pitchFamily="34" charset="0"/>
-                <a:ea typeface="+mn-ea"/>
-                <a:cs typeface="Arial" panose="020B0604020202020204" pitchFamily="34" charset="0"/>
-              </a:defRPr>
-            </a:lvl6pPr>
-            <a:lvl7pPr marL="2742450" algn="l" defTabSz="914150" rtl="0" eaLnBrk="1" latinLnBrk="0" hangingPunct="1">
-              <a:defRPr kern="1200">
-                <a:solidFill>
-                  <a:schemeClr val="tx1"/>
-                </a:solidFill>
-                <a:latin typeface="Arial" panose="020B0604020202020204" pitchFamily="34" charset="0"/>
-                <a:ea typeface="+mn-ea"/>
-                <a:cs typeface="Arial" panose="020B0604020202020204" pitchFamily="34" charset="0"/>
-              </a:defRPr>
-            </a:lvl7pPr>
-            <a:lvl8pPr marL="3199520" algn="l" defTabSz="914150" rtl="0" eaLnBrk="1" latinLnBrk="0" hangingPunct="1">
-              <a:defRPr kern="1200">
-                <a:solidFill>
-                  <a:schemeClr val="tx1"/>
-                </a:solidFill>
-                <a:latin typeface="Arial" panose="020B0604020202020204" pitchFamily="34" charset="0"/>
-                <a:ea typeface="+mn-ea"/>
-                <a:cs typeface="Arial" panose="020B0604020202020204" pitchFamily="34" charset="0"/>
-              </a:defRPr>
-            </a:lvl8pPr>
-            <a:lvl9pPr marL="3656591" algn="l" defTabSz="914150" rtl="0" eaLnBrk="1" latinLnBrk="0" hangingPunct="1">
-              <a:defRPr kern="1200">
-                <a:solidFill>
-                  <a:schemeClr val="tx1"/>
-                </a:solidFill>
-                <a:latin typeface="Arial" panose="020B0604020202020204" pitchFamily="34" charset="0"/>
-                <a:ea typeface="+mn-ea"/>
-                <a:cs typeface="Arial" panose="020B0604020202020204" pitchFamily="34" charset="0"/>
-              </a:defRPr>
-            </a:lvl9pPr>
-          </a:lstStyle>
-          <a:p>
-            <a:fld id="{E9549862-13E2-C34D-815E-8545BD36FC59}" type="slidenum">
+        <p:spPr/>
+        <p:txBody>
+          <a:bodyPr/>
+          <a:lstStyle/>
+          <a:p>
+            <a:r>
+              <a:rPr lang="en-US"/>
+              <a:t>Detect new topics and partitions</a:t>
+            </a:r>
+          </a:p>
+          <a:p>
+            <a:r>
+              <a:rPr lang="en-US"/>
+              <a:t>Automatically syncs topic configuration between clusters.</a:t>
+            </a:r>
+          </a:p>
+          <a:p>
+            <a:r>
+              <a:rPr lang="en-US"/>
+              <a:t>Manages downstream topic ACL.</a:t>
+            </a:r>
+          </a:p>
+          <a:p>
+            <a:r>
+              <a:rPr lang="en-US"/>
+              <a:t>Supports "active/active" cluster pairs, as well as any number of active clusters.</a:t>
+            </a:r>
+          </a:p>
+          <a:p>
+            <a:r>
+              <a:rPr lang="en-US"/>
+              <a:t>Supports cross-datacenter replication, aggregation, and other complex topologies.</a:t>
+            </a:r>
+          </a:p>
+          <a:p>
+            <a:r>
+              <a:rPr lang="en-US"/>
+              <a:t>Provides new metrics including end-to-end replication latency across multiple data centers/clusters.</a:t>
+            </a:r>
+          </a:p>
+          <a:p>
+            <a:r>
+              <a:rPr lang="en-US"/>
+              <a:t>Emits offsets required to migrate consumers between clusters.</a:t>
+            </a:r>
+          </a:p>
+          <a:p>
+            <a:r>
+              <a:rPr lang="en-US"/>
+              <a:t>Tooling for offset translation.</a:t>
+            </a:r>
+          </a:p>
+          <a:p>
+            <a:pPr marL="0" indent="0">
+              <a:buNone/>
+            </a:pPr>
+            <a:endParaRPr lang="en-US"/>
+          </a:p>
+        </p:txBody>
+      </p:sp>
+      <p:sp>
+        <p:nvSpPr>
+          <p:cNvPr id="4" name="Slide Number Placeholder 3">
+            <a:extLst>
+              <a:ext uri="{FF2B5EF4-FFF2-40B4-BE49-F238E27FC236}">
+                <a16:creationId xmlns:a16="http://schemas.microsoft.com/office/drawing/2014/main" id="{2F37CAAC-6ED7-144D-ABB3-F67C52C876D2}"/>
+              </a:ext>
+            </a:extLst>
+          </p:cNvPr>
+          <p:cNvSpPr>
+            <a:spLocks noGrp="1"/>
+          </p:cNvSpPr>
+          <p:nvPr>
+            <p:ph type="sldNum" sz="quarter" idx="10"/>
+          </p:nvPr>
+        </p:nvSpPr>
+        <p:spPr/>
+        <p:txBody>
+          <a:bodyPr/>
+          <a:lstStyle/>
+          <a:p>
+            <a:fld id="{2F63A97E-D605-DC42-8452-C14CD1FA87FA}" type="slidenum">
               <a:rPr lang="en-US" smtClean="0">
                 <a:solidFill>
-                  <a:srgbClr val="6D7777"/>
+                  <a:srgbClr val="5AAAFA"/>
                 </a:solidFill>
               </a:rPr>
               <a:pPr/>
@@ -21777,2252 +25048,16 @@
             </a:fld>
             <a:endParaRPr lang="en-US">
               <a:solidFill>
-                <a:srgbClr val="6D7777"/>
+                <a:srgbClr val="5AAAFA"/>
               </a:solidFill>
             </a:endParaRPr>
           </a:p>
         </p:txBody>
       </p:sp>
-      <p:sp>
-        <p:nvSpPr>
-          <p:cNvPr id="5" name="Rectangle 4">
-            <a:extLst>
-              <a:ext uri="{FF2B5EF4-FFF2-40B4-BE49-F238E27FC236}">
-                <a16:creationId xmlns:a16="http://schemas.microsoft.com/office/drawing/2014/main" id="{A0F8AA87-8AA4-D045-B050-ED7AC92CDFC1}"/>
-              </a:ext>
-            </a:extLst>
-          </p:cNvPr>
-          <p:cNvSpPr/>
-          <p:nvPr/>
-        </p:nvSpPr>
-        <p:spPr>
-          <a:xfrm>
-            <a:off x="298411" y="1073443"/>
-            <a:ext cx="4008458" cy="2996614"/>
-          </a:xfrm>
-          <a:prstGeom prst="rect">
-            <a:avLst/>
-          </a:prstGeom>
-          <a:noFill/>
-          <a:ln>
-            <a:solidFill>
-              <a:srgbClr val="0000FF"/>
-            </a:solidFill>
-            <a:prstDash val="dash"/>
-          </a:ln>
-        </p:spPr>
-        <p:style>
-          <a:lnRef idx="2">
-            <a:schemeClr val="accent1">
-              <a:shade val="50000"/>
-            </a:schemeClr>
-          </a:lnRef>
-          <a:fillRef idx="1">
-            <a:schemeClr val="accent1"/>
-          </a:fillRef>
-          <a:effectRef idx="0">
-            <a:schemeClr val="accent1"/>
-          </a:effectRef>
-          <a:fontRef idx="minor">
-            <a:schemeClr val="lt1"/>
-          </a:fontRef>
-        </p:style>
-        <p:txBody>
-          <a:bodyPr rtlCol="0" anchor="t"/>
-          <a:lstStyle/>
-          <a:p>
-            <a:pPr algn="ctr" defTabSz="514350"/>
-            <a:r>
-              <a:rPr lang="en-US" sz="750" b="1">
-                <a:solidFill>
-                  <a:srgbClr val="0000FF"/>
-                </a:solidFill>
-                <a:latin typeface="Arial"/>
-              </a:rPr>
-              <a:t>On-Premise Environment</a:t>
-            </a:r>
-          </a:p>
-        </p:txBody>
-      </p:sp>
-      <p:sp>
-        <p:nvSpPr>
-          <p:cNvPr id="6" name="Rectangle 5">
-            <a:extLst>
-              <a:ext uri="{FF2B5EF4-FFF2-40B4-BE49-F238E27FC236}">
-                <a16:creationId xmlns:a16="http://schemas.microsoft.com/office/drawing/2014/main" id="{90B1E0CB-CD1E-D14F-9238-763E6AF8FC20}"/>
-              </a:ext>
-            </a:extLst>
-          </p:cNvPr>
-          <p:cNvSpPr/>
-          <p:nvPr/>
-        </p:nvSpPr>
-        <p:spPr>
-          <a:xfrm>
-            <a:off x="4710303" y="1073443"/>
-            <a:ext cx="3747898" cy="2996614"/>
-          </a:xfrm>
-          <a:prstGeom prst="rect">
-            <a:avLst/>
-          </a:prstGeom>
-          <a:noFill/>
-          <a:ln>
-            <a:solidFill>
-              <a:srgbClr val="00B050"/>
-            </a:solidFill>
-            <a:prstDash val="dash"/>
-          </a:ln>
-        </p:spPr>
-        <p:style>
-          <a:lnRef idx="2">
-            <a:schemeClr val="accent1">
-              <a:shade val="50000"/>
-            </a:schemeClr>
-          </a:lnRef>
-          <a:fillRef idx="1">
-            <a:schemeClr val="accent1"/>
-          </a:fillRef>
-          <a:effectRef idx="0">
-            <a:schemeClr val="accent1"/>
-          </a:effectRef>
-          <a:fontRef idx="minor">
-            <a:schemeClr val="lt1"/>
-          </a:fontRef>
-        </p:style>
-        <p:txBody>
-          <a:bodyPr rtlCol="0" anchor="t"/>
-          <a:lstStyle/>
-          <a:p>
-            <a:pPr algn="ctr" defTabSz="514350"/>
-            <a:r>
-              <a:rPr lang="en-US" sz="750" b="1">
-                <a:solidFill>
-                  <a:srgbClr val="00B050"/>
-                </a:solidFill>
-                <a:latin typeface="Arial"/>
-              </a:rPr>
-              <a:t>IBM Cloud</a:t>
-            </a:r>
-          </a:p>
-        </p:txBody>
-      </p:sp>
-      <p:sp>
-        <p:nvSpPr>
-          <p:cNvPr id="8" name="Rounded Rectangle 7">
-            <a:extLst>
-              <a:ext uri="{FF2B5EF4-FFF2-40B4-BE49-F238E27FC236}">
-                <a16:creationId xmlns:a16="http://schemas.microsoft.com/office/drawing/2014/main" id="{AF5BE487-0468-A243-9C73-9209F84D654B}"/>
-              </a:ext>
-            </a:extLst>
-          </p:cNvPr>
-          <p:cNvSpPr/>
-          <p:nvPr/>
-        </p:nvSpPr>
-        <p:spPr bwMode="auto">
-          <a:xfrm>
-            <a:off x="5547599" y="1634579"/>
-            <a:ext cx="138128" cy="411476"/>
-          </a:xfrm>
-          <a:prstGeom prst="roundRect">
-            <a:avLst/>
-          </a:prstGeom>
-          <a:solidFill>
-            <a:schemeClr val="bg1">
-              <a:lumMod val="50000"/>
-            </a:schemeClr>
-          </a:solidFill>
-          <a:ln>
-            <a:solidFill>
-              <a:schemeClr val="bg1"/>
-            </a:solidFill>
-            <a:prstDash val="solid"/>
-            <a:headEnd type="none" w="med" len="med"/>
-            <a:tailEnd type="none" w="med" len="med"/>
-          </a:ln>
-          <a:effectLst/>
-        </p:spPr>
-        <p:style>
-          <a:lnRef idx="1">
-            <a:schemeClr val="accent5"/>
-          </a:lnRef>
-          <a:fillRef idx="3">
-            <a:schemeClr val="accent5"/>
-          </a:fillRef>
-          <a:effectRef idx="2">
-            <a:schemeClr val="accent5"/>
-          </a:effectRef>
-          <a:fontRef idx="minor">
-            <a:schemeClr val="lt1"/>
-          </a:fontRef>
-        </p:style>
-        <p:txBody>
-          <a:bodyPr vert="horz" wrap="square" lIns="0" tIns="0" rIns="0" bIns="0" numCol="1" rtlCol="0" anchor="ctr" anchorCtr="0" compatLnSpc="1">
-            <a:prstTxWarp prst="textNoShape">
-              <a:avLst/>
-            </a:prstTxWarp>
-            <a:noAutofit/>
-          </a:bodyPr>
-          <a:lstStyle/>
-          <a:p>
-            <a:pPr algn="ctr" defTabSz="685784" fontAlgn="base">
-              <a:lnSpc>
-                <a:spcPct val="90000"/>
-              </a:lnSpc>
-              <a:spcBef>
-                <a:spcPct val="0"/>
-              </a:spcBef>
-              <a:spcAft>
-                <a:spcPct val="0"/>
-              </a:spcAft>
-            </a:pPr>
-            <a:r>
-              <a:rPr lang="en-US" sz="675">
-                <a:solidFill>
-                  <a:schemeClr val="bg1"/>
-                </a:solidFill>
-              </a:rPr>
-              <a:t>0</a:t>
-            </a:r>
-            <a:endParaRPr lang="en-US" sz="375">
-              <a:solidFill>
-                <a:schemeClr val="bg1"/>
-              </a:solidFill>
-            </a:endParaRPr>
-          </a:p>
-        </p:txBody>
-      </p:sp>
-      <p:sp>
-        <p:nvSpPr>
-          <p:cNvPr id="9" name="Rounded Rectangle 8">
-            <a:extLst>
-              <a:ext uri="{FF2B5EF4-FFF2-40B4-BE49-F238E27FC236}">
-                <a16:creationId xmlns:a16="http://schemas.microsoft.com/office/drawing/2014/main" id="{D5E58477-E1E3-594C-AF48-F4CA8530EABE}"/>
-              </a:ext>
-            </a:extLst>
-          </p:cNvPr>
-          <p:cNvSpPr/>
-          <p:nvPr/>
-        </p:nvSpPr>
-        <p:spPr bwMode="auto">
-          <a:xfrm>
-            <a:off x="5684757" y="1634579"/>
-            <a:ext cx="138128" cy="411476"/>
-          </a:xfrm>
-          <a:prstGeom prst="roundRect">
-            <a:avLst/>
-          </a:prstGeom>
-          <a:solidFill>
-            <a:schemeClr val="bg1">
-              <a:lumMod val="50000"/>
-            </a:schemeClr>
-          </a:solidFill>
-          <a:ln>
-            <a:solidFill>
-              <a:schemeClr val="bg1"/>
-            </a:solidFill>
-            <a:prstDash val="solid"/>
-            <a:headEnd type="none" w="med" len="med"/>
-            <a:tailEnd type="none" w="med" len="med"/>
-          </a:ln>
-          <a:effectLst/>
-        </p:spPr>
-        <p:style>
-          <a:lnRef idx="1">
-            <a:schemeClr val="accent5"/>
-          </a:lnRef>
-          <a:fillRef idx="3">
-            <a:schemeClr val="accent5"/>
-          </a:fillRef>
-          <a:effectRef idx="2">
-            <a:schemeClr val="accent5"/>
-          </a:effectRef>
-          <a:fontRef idx="minor">
-            <a:schemeClr val="lt1"/>
-          </a:fontRef>
-        </p:style>
-        <p:txBody>
-          <a:bodyPr vert="horz" wrap="square" lIns="0" tIns="0" rIns="0" bIns="0" numCol="1" rtlCol="0" anchor="ctr" anchorCtr="0" compatLnSpc="1">
-            <a:prstTxWarp prst="textNoShape">
-              <a:avLst/>
-            </a:prstTxWarp>
-            <a:noAutofit/>
-          </a:bodyPr>
-          <a:lstStyle/>
-          <a:p>
-            <a:pPr algn="ctr" defTabSz="685784" fontAlgn="base">
-              <a:lnSpc>
-                <a:spcPct val="90000"/>
-              </a:lnSpc>
-              <a:spcBef>
-                <a:spcPct val="0"/>
-              </a:spcBef>
-              <a:spcAft>
-                <a:spcPct val="0"/>
-              </a:spcAft>
-            </a:pPr>
-            <a:r>
-              <a:rPr lang="en-US" sz="675">
-                <a:solidFill>
-                  <a:schemeClr val="bg1"/>
-                </a:solidFill>
-              </a:rPr>
-              <a:t>1</a:t>
-            </a:r>
-            <a:endParaRPr lang="en-US" sz="375">
-              <a:solidFill>
-                <a:schemeClr val="bg1"/>
-              </a:solidFill>
-            </a:endParaRPr>
-          </a:p>
-        </p:txBody>
-      </p:sp>
-      <p:sp>
-        <p:nvSpPr>
-          <p:cNvPr id="10" name="Rounded Rectangle 9">
-            <a:extLst>
-              <a:ext uri="{FF2B5EF4-FFF2-40B4-BE49-F238E27FC236}">
-                <a16:creationId xmlns:a16="http://schemas.microsoft.com/office/drawing/2014/main" id="{F7310BC1-71B2-BD47-95DA-A5A9F09D389B}"/>
-              </a:ext>
-            </a:extLst>
-          </p:cNvPr>
-          <p:cNvSpPr/>
-          <p:nvPr/>
-        </p:nvSpPr>
-        <p:spPr bwMode="auto">
-          <a:xfrm>
-            <a:off x="5822886" y="1634579"/>
-            <a:ext cx="138128" cy="411476"/>
-          </a:xfrm>
-          <a:prstGeom prst="roundRect">
-            <a:avLst/>
-          </a:prstGeom>
-          <a:solidFill>
-            <a:schemeClr val="bg1">
-              <a:lumMod val="50000"/>
-            </a:schemeClr>
-          </a:solidFill>
-          <a:ln>
-            <a:solidFill>
-              <a:schemeClr val="bg1"/>
-            </a:solidFill>
-            <a:prstDash val="solid"/>
-            <a:headEnd type="none" w="med" len="med"/>
-            <a:tailEnd type="none" w="med" len="med"/>
-          </a:ln>
-          <a:effectLst/>
-        </p:spPr>
-        <p:style>
-          <a:lnRef idx="1">
-            <a:schemeClr val="accent5"/>
-          </a:lnRef>
-          <a:fillRef idx="3">
-            <a:schemeClr val="accent5"/>
-          </a:fillRef>
-          <a:effectRef idx="2">
-            <a:schemeClr val="accent5"/>
-          </a:effectRef>
-          <a:fontRef idx="minor">
-            <a:schemeClr val="lt1"/>
-          </a:fontRef>
-        </p:style>
-        <p:txBody>
-          <a:bodyPr vert="horz" wrap="square" lIns="0" tIns="0" rIns="0" bIns="0" numCol="1" rtlCol="0" anchor="ctr" anchorCtr="0" compatLnSpc="1">
-            <a:prstTxWarp prst="textNoShape">
-              <a:avLst/>
-            </a:prstTxWarp>
-            <a:noAutofit/>
-          </a:bodyPr>
-          <a:lstStyle/>
-          <a:p>
-            <a:pPr algn="ctr" defTabSz="685784" fontAlgn="base">
-              <a:lnSpc>
-                <a:spcPct val="90000"/>
-              </a:lnSpc>
-              <a:spcBef>
-                <a:spcPct val="0"/>
-              </a:spcBef>
-              <a:spcAft>
-                <a:spcPct val="0"/>
-              </a:spcAft>
-            </a:pPr>
-            <a:r>
-              <a:rPr lang="en-US" sz="675">
-                <a:solidFill>
-                  <a:schemeClr val="bg1"/>
-                </a:solidFill>
-              </a:rPr>
-              <a:t>2</a:t>
-            </a:r>
-            <a:endParaRPr lang="en-US" sz="375">
-              <a:solidFill>
-                <a:schemeClr val="bg1"/>
-              </a:solidFill>
-            </a:endParaRPr>
-          </a:p>
-        </p:txBody>
-      </p:sp>
-      <p:sp>
-        <p:nvSpPr>
-          <p:cNvPr id="11" name="Rounded Rectangle 10">
-            <a:extLst>
-              <a:ext uri="{FF2B5EF4-FFF2-40B4-BE49-F238E27FC236}">
-                <a16:creationId xmlns:a16="http://schemas.microsoft.com/office/drawing/2014/main" id="{B6291CC4-0B45-D044-90E7-3543E7A968CF}"/>
-              </a:ext>
-            </a:extLst>
-          </p:cNvPr>
-          <p:cNvSpPr/>
-          <p:nvPr/>
-        </p:nvSpPr>
-        <p:spPr bwMode="auto">
-          <a:xfrm>
-            <a:off x="5960044" y="1634579"/>
-            <a:ext cx="138128" cy="411476"/>
-          </a:xfrm>
-          <a:prstGeom prst="roundRect">
-            <a:avLst/>
-          </a:prstGeom>
-          <a:solidFill>
-            <a:schemeClr val="bg1">
-              <a:lumMod val="50000"/>
-            </a:schemeClr>
-          </a:solidFill>
-          <a:ln>
-            <a:solidFill>
-              <a:schemeClr val="bg1"/>
-            </a:solidFill>
-            <a:prstDash val="solid"/>
-            <a:headEnd type="none" w="med" len="med"/>
-            <a:tailEnd type="none" w="med" len="med"/>
-          </a:ln>
-          <a:effectLst/>
-        </p:spPr>
-        <p:style>
-          <a:lnRef idx="1">
-            <a:schemeClr val="accent5"/>
-          </a:lnRef>
-          <a:fillRef idx="3">
-            <a:schemeClr val="accent5"/>
-          </a:fillRef>
-          <a:effectRef idx="2">
-            <a:schemeClr val="accent5"/>
-          </a:effectRef>
-          <a:fontRef idx="minor">
-            <a:schemeClr val="lt1"/>
-          </a:fontRef>
-        </p:style>
-        <p:txBody>
-          <a:bodyPr vert="horz" wrap="square" lIns="0" tIns="0" rIns="0" bIns="0" numCol="1" rtlCol="0" anchor="ctr" anchorCtr="0" compatLnSpc="1">
-            <a:prstTxWarp prst="textNoShape">
-              <a:avLst/>
-            </a:prstTxWarp>
-            <a:noAutofit/>
-          </a:bodyPr>
-          <a:lstStyle/>
-          <a:p>
-            <a:pPr algn="ctr" defTabSz="685784" fontAlgn="base">
-              <a:lnSpc>
-                <a:spcPct val="90000"/>
-              </a:lnSpc>
-              <a:spcBef>
-                <a:spcPct val="0"/>
-              </a:spcBef>
-              <a:spcAft>
-                <a:spcPct val="0"/>
-              </a:spcAft>
-            </a:pPr>
-            <a:r>
-              <a:rPr lang="en-US" sz="675">
-                <a:solidFill>
-                  <a:schemeClr val="bg1"/>
-                </a:solidFill>
-              </a:rPr>
-              <a:t>3</a:t>
-            </a:r>
-            <a:endParaRPr lang="en-US" sz="375">
-              <a:solidFill>
-                <a:schemeClr val="bg1"/>
-              </a:solidFill>
-            </a:endParaRPr>
-          </a:p>
-        </p:txBody>
-      </p:sp>
-      <p:sp>
-        <p:nvSpPr>
-          <p:cNvPr id="12" name="Rounded Rectangle 11">
-            <a:extLst>
-              <a:ext uri="{FF2B5EF4-FFF2-40B4-BE49-F238E27FC236}">
-                <a16:creationId xmlns:a16="http://schemas.microsoft.com/office/drawing/2014/main" id="{94EF47BB-26F6-B343-B071-171636EE579D}"/>
-              </a:ext>
-            </a:extLst>
-          </p:cNvPr>
-          <p:cNvSpPr/>
-          <p:nvPr/>
-        </p:nvSpPr>
-        <p:spPr bwMode="auto">
-          <a:xfrm>
-            <a:off x="6098172" y="1634579"/>
-            <a:ext cx="138128" cy="411476"/>
-          </a:xfrm>
-          <a:prstGeom prst="roundRect">
-            <a:avLst/>
-          </a:prstGeom>
-          <a:solidFill>
-            <a:schemeClr val="bg1">
-              <a:lumMod val="50000"/>
-            </a:schemeClr>
-          </a:solidFill>
-          <a:ln>
-            <a:solidFill>
-              <a:schemeClr val="bg1"/>
-            </a:solidFill>
-            <a:prstDash val="solid"/>
-            <a:headEnd type="none" w="med" len="med"/>
-            <a:tailEnd type="none" w="med" len="med"/>
-          </a:ln>
-          <a:effectLst/>
-        </p:spPr>
-        <p:style>
-          <a:lnRef idx="1">
-            <a:schemeClr val="accent5"/>
-          </a:lnRef>
-          <a:fillRef idx="3">
-            <a:schemeClr val="accent5"/>
-          </a:fillRef>
-          <a:effectRef idx="2">
-            <a:schemeClr val="accent5"/>
-          </a:effectRef>
-          <a:fontRef idx="minor">
-            <a:schemeClr val="lt1"/>
-          </a:fontRef>
-        </p:style>
-        <p:txBody>
-          <a:bodyPr vert="horz" wrap="square" lIns="0" tIns="0" rIns="0" bIns="0" numCol="1" rtlCol="0" anchor="ctr" anchorCtr="0" compatLnSpc="1">
-            <a:prstTxWarp prst="textNoShape">
-              <a:avLst/>
-            </a:prstTxWarp>
-            <a:noAutofit/>
-          </a:bodyPr>
-          <a:lstStyle/>
-          <a:p>
-            <a:pPr algn="ctr" defTabSz="685784" fontAlgn="base">
-              <a:lnSpc>
-                <a:spcPct val="90000"/>
-              </a:lnSpc>
-              <a:spcBef>
-                <a:spcPct val="0"/>
-              </a:spcBef>
-              <a:spcAft>
-                <a:spcPct val="0"/>
-              </a:spcAft>
-            </a:pPr>
-            <a:r>
-              <a:rPr lang="en-US" sz="675">
-                <a:solidFill>
-                  <a:schemeClr val="bg1"/>
-                </a:solidFill>
-              </a:rPr>
-              <a:t>4</a:t>
-            </a:r>
-            <a:endParaRPr lang="en-US" sz="375">
-              <a:solidFill>
-                <a:schemeClr val="bg1"/>
-              </a:solidFill>
-            </a:endParaRPr>
-          </a:p>
-        </p:txBody>
-      </p:sp>
-      <p:sp>
-        <p:nvSpPr>
-          <p:cNvPr id="13" name="Rounded Rectangle 12">
-            <a:extLst>
-              <a:ext uri="{FF2B5EF4-FFF2-40B4-BE49-F238E27FC236}">
-                <a16:creationId xmlns:a16="http://schemas.microsoft.com/office/drawing/2014/main" id="{00BCA8E7-112B-094B-8994-52A4B5E872FB}"/>
-              </a:ext>
-            </a:extLst>
-          </p:cNvPr>
-          <p:cNvSpPr/>
-          <p:nvPr/>
-        </p:nvSpPr>
-        <p:spPr bwMode="auto">
-          <a:xfrm>
-            <a:off x="6227995" y="1634579"/>
-            <a:ext cx="138128" cy="411476"/>
-          </a:xfrm>
-          <a:prstGeom prst="roundRect">
-            <a:avLst/>
-          </a:prstGeom>
-          <a:solidFill>
-            <a:schemeClr val="bg1">
-              <a:lumMod val="50000"/>
-            </a:schemeClr>
-          </a:solidFill>
-          <a:ln>
-            <a:solidFill>
-              <a:schemeClr val="bg1"/>
-            </a:solidFill>
-            <a:prstDash val="solid"/>
-            <a:headEnd type="none" w="med" len="med"/>
-            <a:tailEnd type="none" w="med" len="med"/>
-          </a:ln>
-          <a:effectLst/>
-        </p:spPr>
-        <p:style>
-          <a:lnRef idx="1">
-            <a:schemeClr val="accent5"/>
-          </a:lnRef>
-          <a:fillRef idx="3">
-            <a:schemeClr val="accent5"/>
-          </a:fillRef>
-          <a:effectRef idx="2">
-            <a:schemeClr val="accent5"/>
-          </a:effectRef>
-          <a:fontRef idx="minor">
-            <a:schemeClr val="lt1"/>
-          </a:fontRef>
-        </p:style>
-        <p:txBody>
-          <a:bodyPr vert="horz" wrap="square" lIns="0" tIns="0" rIns="0" bIns="0" numCol="1" rtlCol="0" anchor="ctr" anchorCtr="0" compatLnSpc="1">
-            <a:prstTxWarp prst="textNoShape">
-              <a:avLst/>
-            </a:prstTxWarp>
-            <a:noAutofit/>
-          </a:bodyPr>
-          <a:lstStyle/>
-          <a:p>
-            <a:pPr algn="ctr" defTabSz="685784" fontAlgn="base">
-              <a:lnSpc>
-                <a:spcPct val="90000"/>
-              </a:lnSpc>
-              <a:spcBef>
-                <a:spcPct val="0"/>
-              </a:spcBef>
-              <a:spcAft>
-                <a:spcPct val="0"/>
-              </a:spcAft>
-            </a:pPr>
-            <a:r>
-              <a:rPr lang="en-US" sz="675">
-                <a:solidFill>
-                  <a:schemeClr val="bg1"/>
-                </a:solidFill>
-              </a:rPr>
-              <a:t>5</a:t>
-            </a:r>
-            <a:endParaRPr lang="en-US" sz="375">
-              <a:solidFill>
-                <a:schemeClr val="bg1"/>
-              </a:solidFill>
-            </a:endParaRPr>
-          </a:p>
-        </p:txBody>
-      </p:sp>
-      <p:sp>
-        <p:nvSpPr>
-          <p:cNvPr id="14" name="AutoShape 4">
-            <a:extLst>
-              <a:ext uri="{FF2B5EF4-FFF2-40B4-BE49-F238E27FC236}">
-                <a16:creationId xmlns:a16="http://schemas.microsoft.com/office/drawing/2014/main" id="{419F5FD2-9DE2-F445-A68B-0CAD344E39B6}"/>
-              </a:ext>
-            </a:extLst>
-          </p:cNvPr>
-          <p:cNvSpPr>
-            <a:spLocks noChangeArrowheads="1"/>
-          </p:cNvSpPr>
-          <p:nvPr/>
-        </p:nvSpPr>
-        <p:spPr bwMode="auto">
-          <a:xfrm>
-            <a:off x="4935506" y="1499732"/>
-            <a:ext cx="3074603" cy="745927"/>
-          </a:xfrm>
-          <a:prstGeom prst="roundRect">
-            <a:avLst>
-              <a:gd name="adj" fmla="val 7117"/>
-            </a:avLst>
-          </a:prstGeom>
-          <a:noFill/>
-          <a:ln w="12700">
-            <a:solidFill>
-              <a:schemeClr val="accent3"/>
-            </a:solidFill>
-            <a:prstDash val="dash"/>
-            <a:round/>
-            <a:headEnd/>
-            <a:tailEnd/>
-          </a:ln>
-        </p:spPr>
-        <p:txBody>
-          <a:bodyPr lIns="0" tIns="0" rIns="0" bIns="0" anchor="b" anchorCtr="1"/>
-          <a:lstStyle/>
-          <a:p>
-            <a:pPr algn="ctr"/>
-            <a:r>
-              <a:rPr lang="en-US" sz="750" dirty="0"/>
-              <a:t>Event Streams Cluster</a:t>
-            </a:r>
-          </a:p>
-        </p:txBody>
-      </p:sp>
-      <p:pic>
-        <p:nvPicPr>
-          <p:cNvPr id="15" name="Picture 14">
-            <a:extLst>
-              <a:ext uri="{FF2B5EF4-FFF2-40B4-BE49-F238E27FC236}">
-                <a16:creationId xmlns:a16="http://schemas.microsoft.com/office/drawing/2014/main" id="{4D675F2E-5ADD-244D-A2C8-DC471A256E75}"/>
-              </a:ext>
-            </a:extLst>
-          </p:cNvPr>
-          <p:cNvPicPr>
-            <a:picLocks noChangeAspect="1"/>
-          </p:cNvPicPr>
-          <p:nvPr/>
-        </p:nvPicPr>
-        <p:blipFill>
-          <a:blip r:embed="rId2">
-            <a:extLst>
-              <a:ext uri="{28A0092B-C50C-407E-A947-70E740481C1C}">
-                <a14:useLocalDpi xmlns:a14="http://schemas.microsoft.com/office/drawing/2010/main" val="0"/>
-              </a:ext>
-            </a:extLst>
-          </a:blip>
-          <a:stretch>
-            <a:fillRect/>
-          </a:stretch>
-        </p:blipFill>
-        <p:spPr>
-          <a:xfrm>
-            <a:off x="4945417" y="1503235"/>
-            <a:ext cx="191007" cy="252252"/>
-          </a:xfrm>
-          <a:prstGeom prst="rect">
-            <a:avLst/>
-          </a:prstGeom>
-        </p:spPr>
-      </p:pic>
-      <p:sp>
-        <p:nvSpPr>
-          <p:cNvPr id="18" name="AutoShape 4">
-            <a:extLst>
-              <a:ext uri="{FF2B5EF4-FFF2-40B4-BE49-F238E27FC236}">
-                <a16:creationId xmlns:a16="http://schemas.microsoft.com/office/drawing/2014/main" id="{211CB3E3-B829-2C4F-A3D6-B13BE7F48F22}"/>
-              </a:ext>
-            </a:extLst>
-          </p:cNvPr>
-          <p:cNvSpPr>
-            <a:spLocks noChangeArrowheads="1"/>
-          </p:cNvSpPr>
-          <p:nvPr/>
-        </p:nvSpPr>
-        <p:spPr bwMode="auto">
-          <a:xfrm>
-            <a:off x="411972" y="1363612"/>
-            <a:ext cx="3611870" cy="2482247"/>
-          </a:xfrm>
-          <a:prstGeom prst="roundRect">
-            <a:avLst>
-              <a:gd name="adj" fmla="val 3325"/>
-            </a:avLst>
-          </a:prstGeom>
-          <a:noFill/>
-          <a:ln w="12700">
-            <a:solidFill>
-              <a:schemeClr val="accent3"/>
-            </a:solidFill>
-            <a:prstDash val="dash"/>
-            <a:round/>
-            <a:headEnd/>
-            <a:tailEnd/>
-          </a:ln>
-        </p:spPr>
-        <p:txBody>
-          <a:bodyPr lIns="0" tIns="0" rIns="0" bIns="0" anchor="b" anchorCtr="1"/>
-          <a:lstStyle/>
-          <a:p>
-            <a:pPr algn="ctr"/>
-            <a:endParaRPr lang="en-US" sz="750"/>
-          </a:p>
-        </p:txBody>
-      </p:sp>
-      <p:sp>
-        <p:nvSpPr>
-          <p:cNvPr id="28" name="Rounded Rectangle 27">
-            <a:extLst>
-              <a:ext uri="{FF2B5EF4-FFF2-40B4-BE49-F238E27FC236}">
-                <a16:creationId xmlns:a16="http://schemas.microsoft.com/office/drawing/2014/main" id="{058E4018-54EF-C241-A10F-9BB485461EFF}"/>
-              </a:ext>
-            </a:extLst>
-          </p:cNvPr>
-          <p:cNvSpPr/>
-          <p:nvPr/>
-        </p:nvSpPr>
-        <p:spPr bwMode="auto">
-          <a:xfrm>
-            <a:off x="1193647" y="1635094"/>
-            <a:ext cx="138128" cy="411476"/>
-          </a:xfrm>
-          <a:prstGeom prst="roundRect">
-            <a:avLst/>
-          </a:prstGeom>
-          <a:solidFill>
-            <a:schemeClr val="bg1">
-              <a:lumMod val="50000"/>
-            </a:schemeClr>
-          </a:solidFill>
-          <a:ln>
-            <a:solidFill>
-              <a:schemeClr val="bg1"/>
-            </a:solidFill>
-            <a:prstDash val="solid"/>
-            <a:headEnd type="none" w="med" len="med"/>
-            <a:tailEnd type="none" w="med" len="med"/>
-          </a:ln>
-          <a:effectLst/>
-        </p:spPr>
-        <p:style>
-          <a:lnRef idx="1">
-            <a:schemeClr val="accent5"/>
-          </a:lnRef>
-          <a:fillRef idx="3">
-            <a:schemeClr val="accent5"/>
-          </a:fillRef>
-          <a:effectRef idx="2">
-            <a:schemeClr val="accent5"/>
-          </a:effectRef>
-          <a:fontRef idx="minor">
-            <a:schemeClr val="lt1"/>
-          </a:fontRef>
-        </p:style>
-        <p:txBody>
-          <a:bodyPr vert="horz" wrap="square" lIns="0" tIns="0" rIns="0" bIns="0" numCol="1" rtlCol="0" anchor="ctr" anchorCtr="0" compatLnSpc="1">
-            <a:prstTxWarp prst="textNoShape">
-              <a:avLst/>
-            </a:prstTxWarp>
-            <a:noAutofit/>
-          </a:bodyPr>
-          <a:lstStyle/>
-          <a:p>
-            <a:pPr algn="ctr" defTabSz="685784" fontAlgn="base">
-              <a:lnSpc>
-                <a:spcPct val="90000"/>
-              </a:lnSpc>
-              <a:spcBef>
-                <a:spcPct val="0"/>
-              </a:spcBef>
-              <a:spcAft>
-                <a:spcPct val="0"/>
-              </a:spcAft>
-            </a:pPr>
-            <a:r>
-              <a:rPr lang="en-US" sz="675">
-                <a:solidFill>
-                  <a:schemeClr val="bg1"/>
-                </a:solidFill>
-              </a:rPr>
-              <a:t>0</a:t>
-            </a:r>
-            <a:endParaRPr lang="en-US" sz="375">
-              <a:solidFill>
-                <a:schemeClr val="bg1"/>
-              </a:solidFill>
-            </a:endParaRPr>
-          </a:p>
-        </p:txBody>
-      </p:sp>
-      <p:sp>
-        <p:nvSpPr>
-          <p:cNvPr id="29" name="Rounded Rectangle 28">
-            <a:extLst>
-              <a:ext uri="{FF2B5EF4-FFF2-40B4-BE49-F238E27FC236}">
-                <a16:creationId xmlns:a16="http://schemas.microsoft.com/office/drawing/2014/main" id="{2DEDB43F-6BDF-F347-95A5-F47AA2B1C71F}"/>
-              </a:ext>
-            </a:extLst>
-          </p:cNvPr>
-          <p:cNvSpPr/>
-          <p:nvPr/>
-        </p:nvSpPr>
-        <p:spPr bwMode="auto">
-          <a:xfrm>
-            <a:off x="1330805" y="1635094"/>
-            <a:ext cx="138128" cy="411476"/>
-          </a:xfrm>
-          <a:prstGeom prst="roundRect">
-            <a:avLst/>
-          </a:prstGeom>
-          <a:solidFill>
-            <a:schemeClr val="bg1">
-              <a:lumMod val="50000"/>
-            </a:schemeClr>
-          </a:solidFill>
-          <a:ln>
-            <a:solidFill>
-              <a:schemeClr val="bg1"/>
-            </a:solidFill>
-            <a:prstDash val="solid"/>
-            <a:headEnd type="none" w="med" len="med"/>
-            <a:tailEnd type="none" w="med" len="med"/>
-          </a:ln>
-          <a:effectLst/>
-        </p:spPr>
-        <p:style>
-          <a:lnRef idx="1">
-            <a:schemeClr val="accent5"/>
-          </a:lnRef>
-          <a:fillRef idx="3">
-            <a:schemeClr val="accent5"/>
-          </a:fillRef>
-          <a:effectRef idx="2">
-            <a:schemeClr val="accent5"/>
-          </a:effectRef>
-          <a:fontRef idx="minor">
-            <a:schemeClr val="lt1"/>
-          </a:fontRef>
-        </p:style>
-        <p:txBody>
-          <a:bodyPr vert="horz" wrap="square" lIns="0" tIns="0" rIns="0" bIns="0" numCol="1" rtlCol="0" anchor="ctr" anchorCtr="0" compatLnSpc="1">
-            <a:prstTxWarp prst="textNoShape">
-              <a:avLst/>
-            </a:prstTxWarp>
-            <a:noAutofit/>
-          </a:bodyPr>
-          <a:lstStyle/>
-          <a:p>
-            <a:pPr algn="ctr" defTabSz="685784" fontAlgn="base">
-              <a:lnSpc>
-                <a:spcPct val="90000"/>
-              </a:lnSpc>
-              <a:spcBef>
-                <a:spcPct val="0"/>
-              </a:spcBef>
-              <a:spcAft>
-                <a:spcPct val="0"/>
-              </a:spcAft>
-            </a:pPr>
-            <a:r>
-              <a:rPr lang="en-US" sz="675">
-                <a:solidFill>
-                  <a:schemeClr val="bg1"/>
-                </a:solidFill>
-              </a:rPr>
-              <a:t>1</a:t>
-            </a:r>
-            <a:endParaRPr lang="en-US" sz="375">
-              <a:solidFill>
-                <a:schemeClr val="bg1"/>
-              </a:solidFill>
-            </a:endParaRPr>
-          </a:p>
-        </p:txBody>
-      </p:sp>
-      <p:sp>
-        <p:nvSpPr>
-          <p:cNvPr id="30" name="Rounded Rectangle 29">
-            <a:extLst>
-              <a:ext uri="{FF2B5EF4-FFF2-40B4-BE49-F238E27FC236}">
-                <a16:creationId xmlns:a16="http://schemas.microsoft.com/office/drawing/2014/main" id="{99244A3B-B483-4E43-A1E9-229B6A27DB31}"/>
-              </a:ext>
-            </a:extLst>
-          </p:cNvPr>
-          <p:cNvSpPr/>
-          <p:nvPr/>
-        </p:nvSpPr>
-        <p:spPr bwMode="auto">
-          <a:xfrm>
-            <a:off x="1468934" y="1635094"/>
-            <a:ext cx="138128" cy="411476"/>
-          </a:xfrm>
-          <a:prstGeom prst="roundRect">
-            <a:avLst/>
-          </a:prstGeom>
-          <a:solidFill>
-            <a:schemeClr val="bg1">
-              <a:lumMod val="50000"/>
-            </a:schemeClr>
-          </a:solidFill>
-          <a:ln>
-            <a:solidFill>
-              <a:schemeClr val="bg1"/>
-            </a:solidFill>
-            <a:prstDash val="solid"/>
-            <a:headEnd type="none" w="med" len="med"/>
-            <a:tailEnd type="none" w="med" len="med"/>
-          </a:ln>
-          <a:effectLst/>
-        </p:spPr>
-        <p:style>
-          <a:lnRef idx="1">
-            <a:schemeClr val="accent5"/>
-          </a:lnRef>
-          <a:fillRef idx="3">
-            <a:schemeClr val="accent5"/>
-          </a:fillRef>
-          <a:effectRef idx="2">
-            <a:schemeClr val="accent5"/>
-          </a:effectRef>
-          <a:fontRef idx="minor">
-            <a:schemeClr val="lt1"/>
-          </a:fontRef>
-        </p:style>
-        <p:txBody>
-          <a:bodyPr vert="horz" wrap="square" lIns="0" tIns="0" rIns="0" bIns="0" numCol="1" rtlCol="0" anchor="ctr" anchorCtr="0" compatLnSpc="1">
-            <a:prstTxWarp prst="textNoShape">
-              <a:avLst/>
-            </a:prstTxWarp>
-            <a:noAutofit/>
-          </a:bodyPr>
-          <a:lstStyle/>
-          <a:p>
-            <a:pPr algn="ctr" defTabSz="685784" fontAlgn="base">
-              <a:lnSpc>
-                <a:spcPct val="90000"/>
-              </a:lnSpc>
-              <a:spcBef>
-                <a:spcPct val="0"/>
-              </a:spcBef>
-              <a:spcAft>
-                <a:spcPct val="0"/>
-              </a:spcAft>
-            </a:pPr>
-            <a:r>
-              <a:rPr lang="en-US" sz="675">
-                <a:solidFill>
-                  <a:schemeClr val="bg1"/>
-                </a:solidFill>
-              </a:rPr>
-              <a:t>2</a:t>
-            </a:r>
-            <a:endParaRPr lang="en-US" sz="375">
-              <a:solidFill>
-                <a:schemeClr val="bg1"/>
-              </a:solidFill>
-            </a:endParaRPr>
-          </a:p>
-        </p:txBody>
-      </p:sp>
-      <p:sp>
-        <p:nvSpPr>
-          <p:cNvPr id="31" name="Rounded Rectangle 30">
-            <a:extLst>
-              <a:ext uri="{FF2B5EF4-FFF2-40B4-BE49-F238E27FC236}">
-                <a16:creationId xmlns:a16="http://schemas.microsoft.com/office/drawing/2014/main" id="{2FC00369-550F-1D47-959E-8E43C24D3F4F}"/>
-              </a:ext>
-            </a:extLst>
-          </p:cNvPr>
-          <p:cNvSpPr/>
-          <p:nvPr/>
-        </p:nvSpPr>
-        <p:spPr bwMode="auto">
-          <a:xfrm>
-            <a:off x="1606093" y="1635094"/>
-            <a:ext cx="138128" cy="411476"/>
-          </a:xfrm>
-          <a:prstGeom prst="roundRect">
-            <a:avLst/>
-          </a:prstGeom>
-          <a:solidFill>
-            <a:schemeClr val="bg1">
-              <a:lumMod val="50000"/>
-            </a:schemeClr>
-          </a:solidFill>
-          <a:ln>
-            <a:solidFill>
-              <a:schemeClr val="bg1"/>
-            </a:solidFill>
-            <a:prstDash val="solid"/>
-            <a:headEnd type="none" w="med" len="med"/>
-            <a:tailEnd type="none" w="med" len="med"/>
-          </a:ln>
-          <a:effectLst/>
-        </p:spPr>
-        <p:style>
-          <a:lnRef idx="1">
-            <a:schemeClr val="accent5"/>
-          </a:lnRef>
-          <a:fillRef idx="3">
-            <a:schemeClr val="accent5"/>
-          </a:fillRef>
-          <a:effectRef idx="2">
-            <a:schemeClr val="accent5"/>
-          </a:effectRef>
-          <a:fontRef idx="minor">
-            <a:schemeClr val="lt1"/>
-          </a:fontRef>
-        </p:style>
-        <p:txBody>
-          <a:bodyPr vert="horz" wrap="square" lIns="0" tIns="0" rIns="0" bIns="0" numCol="1" rtlCol="0" anchor="ctr" anchorCtr="0" compatLnSpc="1">
-            <a:prstTxWarp prst="textNoShape">
-              <a:avLst/>
-            </a:prstTxWarp>
-            <a:noAutofit/>
-          </a:bodyPr>
-          <a:lstStyle/>
-          <a:p>
-            <a:pPr algn="ctr" defTabSz="685784" fontAlgn="base">
-              <a:lnSpc>
-                <a:spcPct val="90000"/>
-              </a:lnSpc>
-              <a:spcBef>
-                <a:spcPct val="0"/>
-              </a:spcBef>
-              <a:spcAft>
-                <a:spcPct val="0"/>
-              </a:spcAft>
-            </a:pPr>
-            <a:r>
-              <a:rPr lang="en-US" sz="675">
-                <a:solidFill>
-                  <a:schemeClr val="bg1"/>
-                </a:solidFill>
-              </a:rPr>
-              <a:t>3</a:t>
-            </a:r>
-            <a:endParaRPr lang="en-US" sz="375">
-              <a:solidFill>
-                <a:schemeClr val="bg1"/>
-              </a:solidFill>
-            </a:endParaRPr>
-          </a:p>
-        </p:txBody>
-      </p:sp>
-      <p:sp>
-        <p:nvSpPr>
-          <p:cNvPr id="32" name="Rounded Rectangle 31">
-            <a:extLst>
-              <a:ext uri="{FF2B5EF4-FFF2-40B4-BE49-F238E27FC236}">
-                <a16:creationId xmlns:a16="http://schemas.microsoft.com/office/drawing/2014/main" id="{CEA02F82-9665-7243-AA5C-E8A8BC93F3C2}"/>
-              </a:ext>
-            </a:extLst>
-          </p:cNvPr>
-          <p:cNvSpPr/>
-          <p:nvPr/>
-        </p:nvSpPr>
-        <p:spPr bwMode="auto">
-          <a:xfrm>
-            <a:off x="1744220" y="1635094"/>
-            <a:ext cx="138128" cy="411476"/>
-          </a:xfrm>
-          <a:prstGeom prst="roundRect">
-            <a:avLst/>
-          </a:prstGeom>
-          <a:solidFill>
-            <a:schemeClr val="bg1">
-              <a:lumMod val="50000"/>
-            </a:schemeClr>
-          </a:solidFill>
-          <a:ln>
-            <a:solidFill>
-              <a:schemeClr val="bg1"/>
-            </a:solidFill>
-            <a:prstDash val="solid"/>
-            <a:headEnd type="none" w="med" len="med"/>
-            <a:tailEnd type="none" w="med" len="med"/>
-          </a:ln>
-          <a:effectLst/>
-        </p:spPr>
-        <p:style>
-          <a:lnRef idx="1">
-            <a:schemeClr val="accent5"/>
-          </a:lnRef>
-          <a:fillRef idx="3">
-            <a:schemeClr val="accent5"/>
-          </a:fillRef>
-          <a:effectRef idx="2">
-            <a:schemeClr val="accent5"/>
-          </a:effectRef>
-          <a:fontRef idx="minor">
-            <a:schemeClr val="lt1"/>
-          </a:fontRef>
-        </p:style>
-        <p:txBody>
-          <a:bodyPr vert="horz" wrap="square" lIns="0" tIns="0" rIns="0" bIns="0" numCol="1" rtlCol="0" anchor="ctr" anchorCtr="0" compatLnSpc="1">
-            <a:prstTxWarp prst="textNoShape">
-              <a:avLst/>
-            </a:prstTxWarp>
-            <a:noAutofit/>
-          </a:bodyPr>
-          <a:lstStyle/>
-          <a:p>
-            <a:pPr algn="ctr" defTabSz="685784" fontAlgn="base">
-              <a:lnSpc>
-                <a:spcPct val="90000"/>
-              </a:lnSpc>
-              <a:spcBef>
-                <a:spcPct val="0"/>
-              </a:spcBef>
-              <a:spcAft>
-                <a:spcPct val="0"/>
-              </a:spcAft>
-            </a:pPr>
-            <a:r>
-              <a:rPr lang="en-US" sz="675">
-                <a:solidFill>
-                  <a:schemeClr val="bg1"/>
-                </a:solidFill>
-              </a:rPr>
-              <a:t>4</a:t>
-            </a:r>
-            <a:endParaRPr lang="en-US" sz="375">
-              <a:solidFill>
-                <a:schemeClr val="bg1"/>
-              </a:solidFill>
-            </a:endParaRPr>
-          </a:p>
-        </p:txBody>
-      </p:sp>
-      <p:sp>
-        <p:nvSpPr>
-          <p:cNvPr id="33" name="Rounded Rectangle 32">
-            <a:extLst>
-              <a:ext uri="{FF2B5EF4-FFF2-40B4-BE49-F238E27FC236}">
-                <a16:creationId xmlns:a16="http://schemas.microsoft.com/office/drawing/2014/main" id="{23355CB8-33EA-2344-9D2F-FD6C81E06FC2}"/>
-              </a:ext>
-            </a:extLst>
-          </p:cNvPr>
-          <p:cNvSpPr/>
-          <p:nvPr/>
-        </p:nvSpPr>
-        <p:spPr bwMode="auto">
-          <a:xfrm>
-            <a:off x="1874043" y="1635094"/>
-            <a:ext cx="138128" cy="411476"/>
-          </a:xfrm>
-          <a:prstGeom prst="roundRect">
-            <a:avLst/>
-          </a:prstGeom>
-          <a:solidFill>
-            <a:schemeClr val="bg1">
-              <a:lumMod val="50000"/>
-            </a:schemeClr>
-          </a:solidFill>
-          <a:ln>
-            <a:solidFill>
-              <a:schemeClr val="bg1"/>
-            </a:solidFill>
-            <a:prstDash val="solid"/>
-            <a:headEnd type="none" w="med" len="med"/>
-            <a:tailEnd type="none" w="med" len="med"/>
-          </a:ln>
-          <a:effectLst/>
-        </p:spPr>
-        <p:style>
-          <a:lnRef idx="1">
-            <a:schemeClr val="accent5"/>
-          </a:lnRef>
-          <a:fillRef idx="3">
-            <a:schemeClr val="accent5"/>
-          </a:fillRef>
-          <a:effectRef idx="2">
-            <a:schemeClr val="accent5"/>
-          </a:effectRef>
-          <a:fontRef idx="minor">
-            <a:schemeClr val="lt1"/>
-          </a:fontRef>
-        </p:style>
-        <p:txBody>
-          <a:bodyPr vert="horz" wrap="square" lIns="0" tIns="0" rIns="0" bIns="0" numCol="1" rtlCol="0" anchor="ctr" anchorCtr="0" compatLnSpc="1">
-            <a:prstTxWarp prst="textNoShape">
-              <a:avLst/>
-            </a:prstTxWarp>
-            <a:noAutofit/>
-          </a:bodyPr>
-          <a:lstStyle/>
-          <a:p>
-            <a:pPr algn="ctr" defTabSz="685784" fontAlgn="base">
-              <a:lnSpc>
-                <a:spcPct val="90000"/>
-              </a:lnSpc>
-              <a:spcBef>
-                <a:spcPct val="0"/>
-              </a:spcBef>
-              <a:spcAft>
-                <a:spcPct val="0"/>
-              </a:spcAft>
-            </a:pPr>
-            <a:r>
-              <a:rPr lang="en-US" sz="675">
-                <a:solidFill>
-                  <a:schemeClr val="bg1"/>
-                </a:solidFill>
-              </a:rPr>
-              <a:t>5</a:t>
-            </a:r>
-            <a:endParaRPr lang="en-US" sz="375">
-              <a:solidFill>
-                <a:schemeClr val="bg1"/>
-              </a:solidFill>
-            </a:endParaRPr>
-          </a:p>
-        </p:txBody>
-      </p:sp>
-      <p:sp>
-        <p:nvSpPr>
-          <p:cNvPr id="34" name="AutoShape 4">
-            <a:extLst>
-              <a:ext uri="{FF2B5EF4-FFF2-40B4-BE49-F238E27FC236}">
-                <a16:creationId xmlns:a16="http://schemas.microsoft.com/office/drawing/2014/main" id="{B1D40963-EC1B-E049-A09B-96D331A21F58}"/>
-              </a:ext>
-            </a:extLst>
-          </p:cNvPr>
-          <p:cNvSpPr>
-            <a:spLocks noChangeArrowheads="1"/>
-          </p:cNvSpPr>
-          <p:nvPr/>
-        </p:nvSpPr>
-        <p:spPr bwMode="auto">
-          <a:xfrm>
-            <a:off x="598146" y="1516741"/>
-            <a:ext cx="3207204" cy="745412"/>
-          </a:xfrm>
-          <a:prstGeom prst="roundRect">
-            <a:avLst>
-              <a:gd name="adj" fmla="val 7117"/>
-            </a:avLst>
-          </a:prstGeom>
-          <a:noFill/>
-          <a:ln w="12700">
-            <a:solidFill>
-              <a:schemeClr val="accent3"/>
-            </a:solidFill>
-            <a:prstDash val="dash"/>
-            <a:round/>
-            <a:headEnd/>
-            <a:tailEnd/>
-          </a:ln>
-        </p:spPr>
-        <p:txBody>
-          <a:bodyPr lIns="0" tIns="0" rIns="0" bIns="0" anchor="b" anchorCtr="1"/>
-          <a:lstStyle/>
-          <a:p>
-            <a:pPr algn="ctr"/>
-            <a:r>
-              <a:rPr lang="en-US" sz="750" dirty="0"/>
-              <a:t>Kafka Cluster</a:t>
-            </a:r>
-          </a:p>
-        </p:txBody>
-      </p:sp>
-      <p:sp>
-        <p:nvSpPr>
-          <p:cNvPr id="45" name="Rounded Rectangle 44">
-            <a:extLst>
-              <a:ext uri="{FF2B5EF4-FFF2-40B4-BE49-F238E27FC236}">
-                <a16:creationId xmlns:a16="http://schemas.microsoft.com/office/drawing/2014/main" id="{034D0250-3CFC-6843-9DDB-30E02E9EBC18}"/>
-              </a:ext>
-            </a:extLst>
-          </p:cNvPr>
-          <p:cNvSpPr/>
-          <p:nvPr/>
-        </p:nvSpPr>
-        <p:spPr>
-          <a:xfrm>
-            <a:off x="636690" y="2626945"/>
-            <a:ext cx="994405" cy="292973"/>
-          </a:xfrm>
-          <a:prstGeom prst="roundRect">
-            <a:avLst/>
-          </a:prstGeom>
-          <a:solidFill>
-            <a:schemeClr val="tx2">
-              <a:lumMod val="75000"/>
-            </a:schemeClr>
-          </a:solidFill>
-          <a:ln>
-            <a:noFill/>
-          </a:ln>
-          <a:effectLst>
-            <a:outerShdw blurRad="50800" dist="38100" dir="5400000" algn="t" rotWithShape="0">
-              <a:prstClr val="black">
-                <a:alpha val="40000"/>
-              </a:prstClr>
-            </a:outerShdw>
-          </a:effectLst>
-        </p:spPr>
-        <p:style>
-          <a:lnRef idx="2">
-            <a:schemeClr val="accent1">
-              <a:shade val="50000"/>
-            </a:schemeClr>
-          </a:lnRef>
-          <a:fillRef idx="1">
-            <a:schemeClr val="accent1"/>
-          </a:fillRef>
-          <a:effectRef idx="0">
-            <a:schemeClr val="accent1"/>
-          </a:effectRef>
-          <a:fontRef idx="minor">
-            <a:schemeClr val="lt1"/>
-          </a:fontRef>
-        </p:style>
-        <p:txBody>
-          <a:bodyPr rtlCol="0" anchor="t"/>
-          <a:lstStyle/>
-          <a:p>
-            <a:pPr algn="ctr" defTabSz="514350"/>
-            <a:r>
-              <a:rPr lang="en-US" sz="750" dirty="0">
-                <a:solidFill>
-                  <a:prstClr val="white"/>
-                </a:solidFill>
-                <a:latin typeface="Arial"/>
-              </a:rPr>
-              <a:t>kafka-console-consumer.sh</a:t>
-            </a:r>
-          </a:p>
-        </p:txBody>
-      </p:sp>
-      <p:sp>
-        <p:nvSpPr>
-          <p:cNvPr id="46" name="AutoShape 4">
-            <a:extLst>
-              <a:ext uri="{FF2B5EF4-FFF2-40B4-BE49-F238E27FC236}">
-                <a16:creationId xmlns:a16="http://schemas.microsoft.com/office/drawing/2014/main" id="{490EA60F-E5B8-2A4C-8350-F638E3310E3C}"/>
-              </a:ext>
-            </a:extLst>
-          </p:cNvPr>
-          <p:cNvSpPr>
-            <a:spLocks noChangeArrowheads="1"/>
-          </p:cNvSpPr>
-          <p:nvPr/>
-        </p:nvSpPr>
-        <p:spPr bwMode="auto">
-          <a:xfrm>
-            <a:off x="2008858" y="2530237"/>
-            <a:ext cx="1812650" cy="745412"/>
-          </a:xfrm>
-          <a:prstGeom prst="roundRect">
-            <a:avLst>
-              <a:gd name="adj" fmla="val 7117"/>
-            </a:avLst>
-          </a:prstGeom>
-          <a:noFill/>
-          <a:ln w="12700">
-            <a:solidFill>
-              <a:schemeClr val="accent3"/>
-            </a:solidFill>
-            <a:prstDash val="dash"/>
-            <a:round/>
-            <a:headEnd/>
-            <a:tailEnd/>
-          </a:ln>
-        </p:spPr>
-        <p:txBody>
-          <a:bodyPr lIns="0" tIns="0" rIns="0" bIns="0" anchor="b" anchorCtr="1"/>
-          <a:lstStyle/>
-          <a:p>
-            <a:pPr algn="ctr"/>
-            <a:r>
-              <a:rPr lang="en-US" sz="750" dirty="0"/>
-              <a:t>Kafka Connect Cluster</a:t>
-            </a:r>
-          </a:p>
-        </p:txBody>
-      </p:sp>
-      <p:sp>
-        <p:nvSpPr>
-          <p:cNvPr id="52" name="Cloud 51">
-            <a:extLst>
-              <a:ext uri="{FF2B5EF4-FFF2-40B4-BE49-F238E27FC236}">
-                <a16:creationId xmlns:a16="http://schemas.microsoft.com/office/drawing/2014/main" id="{4695F1F6-1E1D-364B-B95A-5F6E3043E184}"/>
-              </a:ext>
-            </a:extLst>
-          </p:cNvPr>
-          <p:cNvSpPr/>
-          <p:nvPr/>
-        </p:nvSpPr>
-        <p:spPr>
-          <a:xfrm rot="16200000">
-            <a:off x="3800806" y="2418013"/>
-            <a:ext cx="1442045" cy="393701"/>
-          </a:xfrm>
-          <a:prstGeom prst="cloud">
-            <a:avLst/>
-          </a:prstGeom>
-          <a:noFill/>
-          <a:ln>
-            <a:solidFill>
-              <a:schemeClr val="tx2">
-                <a:lumMod val="60000"/>
-                <a:lumOff val="40000"/>
-              </a:schemeClr>
-            </a:solidFill>
-          </a:ln>
-        </p:spPr>
-        <p:style>
-          <a:lnRef idx="2">
-            <a:schemeClr val="accent1">
-              <a:shade val="50000"/>
-            </a:schemeClr>
-          </a:lnRef>
-          <a:fillRef idx="1">
-            <a:schemeClr val="accent1"/>
-          </a:fillRef>
-          <a:effectRef idx="0">
-            <a:schemeClr val="accent1"/>
-          </a:effectRef>
-          <a:fontRef idx="minor">
-            <a:schemeClr val="lt1"/>
-          </a:fontRef>
-        </p:style>
-        <p:txBody>
-          <a:bodyPr rtlCol="0" anchor="ctr"/>
-          <a:lstStyle/>
-          <a:p>
-            <a:pPr algn="ctr"/>
-            <a:endParaRPr lang="en-US" sz="1013"/>
-          </a:p>
-        </p:txBody>
-      </p:sp>
-      <p:pic>
-        <p:nvPicPr>
-          <p:cNvPr id="3" name="Picture 2">
-            <a:extLst>
-              <a:ext uri="{FF2B5EF4-FFF2-40B4-BE49-F238E27FC236}">
-                <a16:creationId xmlns:a16="http://schemas.microsoft.com/office/drawing/2014/main" id="{6897ECA9-F27F-1B4B-A567-00FA2BA8DB10}"/>
-              </a:ext>
-            </a:extLst>
-          </p:cNvPr>
-          <p:cNvPicPr>
-            <a:picLocks noChangeAspect="1"/>
-          </p:cNvPicPr>
-          <p:nvPr/>
-        </p:nvPicPr>
-        <p:blipFill>
-          <a:blip r:embed="rId3"/>
-          <a:stretch>
-            <a:fillRect/>
-          </a:stretch>
-        </p:blipFill>
-        <p:spPr>
-          <a:xfrm>
-            <a:off x="511363" y="1939213"/>
-            <a:ext cx="376238" cy="371475"/>
-          </a:xfrm>
-          <a:prstGeom prst="rect">
-            <a:avLst/>
-          </a:prstGeom>
-        </p:spPr>
-      </p:pic>
-      <p:pic>
-        <p:nvPicPr>
-          <p:cNvPr id="37" name="Picture 36">
-            <a:extLst>
-              <a:ext uri="{FF2B5EF4-FFF2-40B4-BE49-F238E27FC236}">
-                <a16:creationId xmlns:a16="http://schemas.microsoft.com/office/drawing/2014/main" id="{6D8F6862-7739-D946-A521-B5976D86EED8}"/>
-              </a:ext>
-            </a:extLst>
-          </p:cNvPr>
-          <p:cNvPicPr>
-            <a:picLocks noChangeAspect="1"/>
-          </p:cNvPicPr>
-          <p:nvPr/>
-        </p:nvPicPr>
-        <p:blipFill>
-          <a:blip r:embed="rId3"/>
-          <a:stretch>
-            <a:fillRect/>
-          </a:stretch>
-        </p:blipFill>
-        <p:spPr>
-          <a:xfrm>
-            <a:off x="1956920" y="2941013"/>
-            <a:ext cx="376238" cy="371475"/>
-          </a:xfrm>
-          <a:prstGeom prst="rect">
-            <a:avLst/>
-          </a:prstGeom>
-        </p:spPr>
-      </p:pic>
-      <p:sp>
-        <p:nvSpPr>
-          <p:cNvPr id="38" name="Rounded Rectangle 37">
-            <a:extLst>
-              <a:ext uri="{FF2B5EF4-FFF2-40B4-BE49-F238E27FC236}">
-                <a16:creationId xmlns:a16="http://schemas.microsoft.com/office/drawing/2014/main" id="{B8888133-CCF3-0944-9B5C-B88A02187A65}"/>
-              </a:ext>
-            </a:extLst>
-          </p:cNvPr>
-          <p:cNvSpPr/>
-          <p:nvPr/>
-        </p:nvSpPr>
-        <p:spPr>
-          <a:xfrm>
-            <a:off x="2463609" y="2672578"/>
-            <a:ext cx="994405" cy="292973"/>
-          </a:xfrm>
-          <a:prstGeom prst="roundRect">
-            <a:avLst/>
-          </a:prstGeom>
-          <a:solidFill>
-            <a:srgbClr val="7030A0"/>
-          </a:solidFill>
-          <a:ln>
-            <a:noFill/>
-          </a:ln>
-          <a:effectLst>
-            <a:outerShdw blurRad="50800" dist="38100" dir="5400000" algn="t" rotWithShape="0">
-              <a:prstClr val="black">
-                <a:alpha val="40000"/>
-              </a:prstClr>
-            </a:outerShdw>
-          </a:effectLst>
-        </p:spPr>
-        <p:style>
-          <a:lnRef idx="2">
-            <a:schemeClr val="accent1">
-              <a:shade val="50000"/>
-            </a:schemeClr>
-          </a:lnRef>
-          <a:fillRef idx="1">
-            <a:schemeClr val="accent1"/>
-          </a:fillRef>
-          <a:effectRef idx="0">
-            <a:schemeClr val="accent1"/>
-          </a:effectRef>
-          <a:fontRef idx="minor">
-            <a:schemeClr val="lt1"/>
-          </a:fontRef>
-        </p:style>
-        <p:txBody>
-          <a:bodyPr rtlCol="0" anchor="t"/>
-          <a:lstStyle/>
-          <a:p>
-            <a:pPr algn="ctr" defTabSz="514350"/>
-            <a:r>
-              <a:rPr lang="en-US" sz="750">
-                <a:solidFill>
-                  <a:prstClr val="white"/>
-                </a:solidFill>
-                <a:latin typeface="Arial"/>
-              </a:rPr>
-              <a:t>Mirror Maker 2.0</a:t>
-            </a:r>
-          </a:p>
-        </p:txBody>
-      </p:sp>
-      <p:sp>
-        <p:nvSpPr>
-          <p:cNvPr id="7" name="TextBox 6">
-            <a:extLst>
-              <a:ext uri="{FF2B5EF4-FFF2-40B4-BE49-F238E27FC236}">
-                <a16:creationId xmlns:a16="http://schemas.microsoft.com/office/drawing/2014/main" id="{9C49EA51-B835-094C-91A0-D088AFF81C4B}"/>
-              </a:ext>
-            </a:extLst>
-          </p:cNvPr>
-          <p:cNvSpPr txBox="1"/>
-          <p:nvPr/>
-        </p:nvSpPr>
-        <p:spPr>
-          <a:xfrm>
-            <a:off x="3263370" y="1476355"/>
-            <a:ext cx="577402" cy="276999"/>
-          </a:xfrm>
-          <a:prstGeom prst="rect">
-            <a:avLst/>
-          </a:prstGeom>
-          <a:noFill/>
-        </p:spPr>
-        <p:txBody>
-          <a:bodyPr wrap="none" rtlCol="0">
-            <a:spAutoFit/>
-          </a:bodyPr>
-          <a:lstStyle/>
-          <a:p>
-            <a:r>
-              <a:rPr lang="en-US" sz="1200" dirty="0"/>
-              <a:t>target</a:t>
-            </a:r>
-          </a:p>
-        </p:txBody>
-      </p:sp>
-      <p:sp>
-        <p:nvSpPr>
-          <p:cNvPr id="39" name="TextBox 38">
-            <a:extLst>
-              <a:ext uri="{FF2B5EF4-FFF2-40B4-BE49-F238E27FC236}">
-                <a16:creationId xmlns:a16="http://schemas.microsoft.com/office/drawing/2014/main" id="{E43F178F-4B90-3F45-964F-1FF716720D0E}"/>
-              </a:ext>
-            </a:extLst>
-          </p:cNvPr>
-          <p:cNvSpPr txBox="1"/>
-          <p:nvPr/>
-        </p:nvSpPr>
-        <p:spPr>
-          <a:xfrm>
-            <a:off x="7050077" y="2011888"/>
-            <a:ext cx="644728" cy="276999"/>
-          </a:xfrm>
-          <a:prstGeom prst="rect">
-            <a:avLst/>
-          </a:prstGeom>
-          <a:noFill/>
-        </p:spPr>
-        <p:txBody>
-          <a:bodyPr wrap="none" rtlCol="0">
-            <a:spAutoFit/>
-          </a:bodyPr>
-          <a:lstStyle/>
-          <a:p>
-            <a:r>
-              <a:rPr lang="en-US" sz="1200" dirty="0"/>
-              <a:t>source</a:t>
-            </a:r>
-          </a:p>
-        </p:txBody>
-      </p:sp>
-      <p:cxnSp>
-        <p:nvCxnSpPr>
-          <p:cNvPr id="21" name="Elbow Connector 20">
-            <a:extLst>
-              <a:ext uri="{FF2B5EF4-FFF2-40B4-BE49-F238E27FC236}">
-                <a16:creationId xmlns:a16="http://schemas.microsoft.com/office/drawing/2014/main" id="{1FA5726D-2767-B849-85A3-7CAA002588F7}"/>
-              </a:ext>
-            </a:extLst>
-          </p:cNvPr>
-          <p:cNvCxnSpPr>
-            <a:cxnSpLocks/>
-            <a:stCxn id="11" idx="0"/>
-            <a:endCxn id="38" idx="3"/>
-          </p:cNvCxnSpPr>
-          <p:nvPr/>
-        </p:nvCxnSpPr>
-        <p:spPr>
-          <a:xfrm rot="16200000" flipH="1" flipV="1">
-            <a:off x="4151319" y="941274"/>
-            <a:ext cx="1184485" cy="2571095"/>
-          </a:xfrm>
-          <a:prstGeom prst="bentConnector4">
-            <a:avLst>
-              <a:gd name="adj1" fmla="val -20323"/>
-              <a:gd name="adj2" fmla="val 58618"/>
-            </a:avLst>
-          </a:prstGeom>
-          <a:ln w="15875">
-            <a:solidFill>
-              <a:srgbClr val="7030A0"/>
-            </a:solidFill>
-            <a:tailEnd type="triangle"/>
-          </a:ln>
-          <a:effectLst/>
-        </p:spPr>
-        <p:style>
-          <a:lnRef idx="2">
-            <a:schemeClr val="accent1"/>
-          </a:lnRef>
-          <a:fillRef idx="0">
-            <a:schemeClr val="accent1"/>
-          </a:fillRef>
-          <a:effectRef idx="1">
-            <a:schemeClr val="accent1"/>
-          </a:effectRef>
-          <a:fontRef idx="minor">
-            <a:schemeClr val="tx1"/>
-          </a:fontRef>
-        </p:style>
-      </p:cxnSp>
-      <p:cxnSp>
-        <p:nvCxnSpPr>
-          <p:cNvPr id="53" name="Elbow Connector 52">
-            <a:extLst>
-              <a:ext uri="{FF2B5EF4-FFF2-40B4-BE49-F238E27FC236}">
-                <a16:creationId xmlns:a16="http://schemas.microsoft.com/office/drawing/2014/main" id="{0DC1C79B-85E9-B246-88E9-908878ECC75B}"/>
-              </a:ext>
-            </a:extLst>
-          </p:cNvPr>
-          <p:cNvCxnSpPr>
-            <a:cxnSpLocks/>
-            <a:stCxn id="38" idx="1"/>
-            <a:endCxn id="33" idx="2"/>
-          </p:cNvCxnSpPr>
-          <p:nvPr/>
-        </p:nvCxnSpPr>
-        <p:spPr>
-          <a:xfrm rot="10800000">
-            <a:off x="1943108" y="2046570"/>
-            <a:ext cx="520502" cy="772494"/>
-          </a:xfrm>
-          <a:prstGeom prst="bentConnector2">
-            <a:avLst/>
-          </a:prstGeom>
-          <a:ln w="15875">
-            <a:solidFill>
-              <a:srgbClr val="7030A0"/>
-            </a:solidFill>
-            <a:tailEnd type="triangle"/>
-          </a:ln>
-          <a:effectLst/>
-        </p:spPr>
-        <p:style>
-          <a:lnRef idx="2">
-            <a:schemeClr val="accent1"/>
-          </a:lnRef>
-          <a:fillRef idx="0">
-            <a:schemeClr val="accent1"/>
-          </a:fillRef>
-          <a:effectRef idx="1">
-            <a:schemeClr val="accent1"/>
-          </a:effectRef>
-          <a:fontRef idx="minor">
-            <a:schemeClr val="tx1"/>
-          </a:fontRef>
-        </p:style>
-      </p:cxnSp>
-      <p:sp>
-        <p:nvSpPr>
-          <p:cNvPr id="49" name="Rounded Rectangle 48">
-            <a:extLst>
-              <a:ext uri="{FF2B5EF4-FFF2-40B4-BE49-F238E27FC236}">
-                <a16:creationId xmlns:a16="http://schemas.microsoft.com/office/drawing/2014/main" id="{0B0F9AEA-B6CC-084B-A827-8EC8E3F6D6A5}"/>
-              </a:ext>
-            </a:extLst>
-          </p:cNvPr>
-          <p:cNvSpPr/>
-          <p:nvPr/>
-        </p:nvSpPr>
-        <p:spPr>
-          <a:xfrm>
-            <a:off x="2236351" y="3405569"/>
-            <a:ext cx="1218911" cy="371475"/>
-          </a:xfrm>
-          <a:prstGeom prst="roundRect">
-            <a:avLst/>
-          </a:prstGeom>
-          <a:solidFill>
-            <a:srgbClr val="00B050"/>
-          </a:solidFill>
-          <a:ln>
-            <a:noFill/>
-          </a:ln>
-          <a:effectLst>
-            <a:outerShdw blurRad="50800" dist="38100" dir="5400000" algn="t" rotWithShape="0">
-              <a:prstClr val="black">
-                <a:alpha val="40000"/>
-              </a:prstClr>
-            </a:outerShdw>
-          </a:effectLst>
-        </p:spPr>
-        <p:style>
-          <a:lnRef idx="2">
-            <a:schemeClr val="accent1">
-              <a:shade val="50000"/>
-            </a:schemeClr>
-          </a:lnRef>
-          <a:fillRef idx="1">
-            <a:schemeClr val="accent1"/>
-          </a:fillRef>
-          <a:effectRef idx="0">
-            <a:schemeClr val="accent1"/>
-          </a:effectRef>
-          <a:fontRef idx="minor">
-            <a:schemeClr val="lt1"/>
-          </a:fontRef>
-        </p:style>
-        <p:txBody>
-          <a:bodyPr rtlCol="0" anchor="t"/>
-          <a:lstStyle/>
-          <a:p>
-            <a:pPr algn="ctr" defTabSz="514350"/>
-            <a:r>
-              <a:rPr lang="en-US" sz="750" dirty="0">
-                <a:solidFill>
-                  <a:prstClr val="white"/>
-                </a:solidFill>
-                <a:latin typeface="Arial"/>
-              </a:rPr>
-              <a:t>kafka-console-producer.sh</a:t>
-            </a:r>
-          </a:p>
-        </p:txBody>
-      </p:sp>
-      <p:cxnSp>
-        <p:nvCxnSpPr>
-          <p:cNvPr id="22" name="Elbow Connector 21">
-            <a:extLst>
-              <a:ext uri="{FF2B5EF4-FFF2-40B4-BE49-F238E27FC236}">
-                <a16:creationId xmlns:a16="http://schemas.microsoft.com/office/drawing/2014/main" id="{44F8EE2A-5BE0-E545-925C-5D70891B4DA5}"/>
-              </a:ext>
-            </a:extLst>
-          </p:cNvPr>
-          <p:cNvCxnSpPr>
-            <a:stCxn id="32" idx="2"/>
-            <a:endCxn id="45" idx="0"/>
-          </p:cNvCxnSpPr>
-          <p:nvPr/>
-        </p:nvCxnSpPr>
-        <p:spPr>
-          <a:xfrm rot="5400000">
-            <a:off x="1183401" y="1997061"/>
-            <a:ext cx="580375" cy="679392"/>
-          </a:xfrm>
-          <a:prstGeom prst="bentConnector3">
-            <a:avLst/>
-          </a:prstGeom>
-          <a:ln>
-            <a:solidFill>
-              <a:schemeClr val="accent6"/>
-            </a:solidFill>
-            <a:tailEnd type="triangle"/>
-          </a:ln>
-          <a:effectLst/>
-        </p:spPr>
-        <p:style>
-          <a:lnRef idx="2">
-            <a:schemeClr val="accent1"/>
-          </a:lnRef>
-          <a:fillRef idx="0">
-            <a:schemeClr val="accent1"/>
-          </a:fillRef>
-          <a:effectRef idx="1">
-            <a:schemeClr val="accent1"/>
-          </a:effectRef>
-          <a:fontRef idx="minor">
-            <a:schemeClr val="tx1"/>
-          </a:fontRef>
-        </p:style>
-      </p:cxnSp>
-      <p:cxnSp>
-        <p:nvCxnSpPr>
-          <p:cNvPr id="24" name="Elbow Connector 23">
-            <a:extLst>
-              <a:ext uri="{FF2B5EF4-FFF2-40B4-BE49-F238E27FC236}">
-                <a16:creationId xmlns:a16="http://schemas.microsoft.com/office/drawing/2014/main" id="{C6D643C2-3EE4-B147-B10E-BCE4D3790797}"/>
-              </a:ext>
-            </a:extLst>
-          </p:cNvPr>
-          <p:cNvCxnSpPr>
-            <a:cxnSpLocks/>
-            <a:stCxn id="49" idx="3"/>
-            <a:endCxn id="13" idx="2"/>
-          </p:cNvCxnSpPr>
-          <p:nvPr/>
-        </p:nvCxnSpPr>
-        <p:spPr>
-          <a:xfrm flipV="1">
-            <a:off x="3455262" y="2046055"/>
-            <a:ext cx="2841797" cy="1545251"/>
-          </a:xfrm>
-          <a:prstGeom prst="bentConnector2">
-            <a:avLst/>
-          </a:prstGeom>
-          <a:ln>
-            <a:solidFill>
-              <a:schemeClr val="accent6"/>
-            </a:solidFill>
-            <a:tailEnd type="triangle"/>
-          </a:ln>
-          <a:effectLst/>
-        </p:spPr>
-        <p:style>
-          <a:lnRef idx="2">
-            <a:schemeClr val="accent1"/>
-          </a:lnRef>
-          <a:fillRef idx="0">
-            <a:schemeClr val="accent1"/>
-          </a:fillRef>
-          <a:effectRef idx="1">
-            <a:schemeClr val="accent1"/>
-          </a:effectRef>
-          <a:fontRef idx="minor">
-            <a:schemeClr val="tx1"/>
-          </a:fontRef>
-        </p:style>
-      </p:cxnSp>
-      <p:sp>
-        <p:nvSpPr>
-          <p:cNvPr id="36" name="Oval 35">
-            <a:extLst>
-              <a:ext uri="{FF2B5EF4-FFF2-40B4-BE49-F238E27FC236}">
-                <a16:creationId xmlns:a16="http://schemas.microsoft.com/office/drawing/2014/main" id="{94F4997F-6F2C-BF48-BA63-5430E040A88D}"/>
-              </a:ext>
-            </a:extLst>
-          </p:cNvPr>
-          <p:cNvSpPr/>
-          <p:nvPr/>
-        </p:nvSpPr>
-        <p:spPr>
-          <a:xfrm>
-            <a:off x="3419619" y="2422837"/>
-            <a:ext cx="322730" cy="308102"/>
-          </a:xfrm>
-          <a:prstGeom prst="ellipse">
-            <a:avLst/>
-          </a:prstGeom>
-          <a:solidFill>
-            <a:srgbClr val="0000FF"/>
-          </a:solidFill>
-          <a:ln>
-            <a:noFill/>
-          </a:ln>
-        </p:spPr>
-        <p:style>
-          <a:lnRef idx="2">
-            <a:schemeClr val="accent1">
-              <a:shade val="50000"/>
-            </a:schemeClr>
-          </a:lnRef>
-          <a:fillRef idx="1">
-            <a:schemeClr val="accent1"/>
-          </a:fillRef>
-          <a:effectRef idx="0">
-            <a:schemeClr val="accent1"/>
-          </a:effectRef>
-          <a:fontRef idx="minor">
-            <a:schemeClr val="lt1"/>
-          </a:fontRef>
-        </p:style>
-        <p:txBody>
-          <a:bodyPr rtlCol="0" anchor="ctr"/>
-          <a:lstStyle/>
-          <a:p>
-            <a:pPr algn="ctr"/>
-            <a:r>
-              <a:rPr lang="en-US" sz="1013" dirty="0"/>
-              <a:t>1</a:t>
-            </a:r>
-          </a:p>
-        </p:txBody>
-      </p:sp>
-      <p:sp>
-        <p:nvSpPr>
-          <p:cNvPr id="68" name="Oval 67">
-            <a:extLst>
-              <a:ext uri="{FF2B5EF4-FFF2-40B4-BE49-F238E27FC236}">
-                <a16:creationId xmlns:a16="http://schemas.microsoft.com/office/drawing/2014/main" id="{A8CECD8E-6C3B-D34E-8F6D-8ADB376443E9}"/>
-              </a:ext>
-            </a:extLst>
-          </p:cNvPr>
-          <p:cNvSpPr/>
-          <p:nvPr/>
-        </p:nvSpPr>
-        <p:spPr>
-          <a:xfrm>
-            <a:off x="3334249" y="3625830"/>
-            <a:ext cx="322730" cy="308102"/>
-          </a:xfrm>
-          <a:prstGeom prst="ellipse">
-            <a:avLst/>
-          </a:prstGeom>
-          <a:solidFill>
-            <a:srgbClr val="0000FF"/>
-          </a:solidFill>
-          <a:ln>
-            <a:noFill/>
-          </a:ln>
-        </p:spPr>
-        <p:style>
-          <a:lnRef idx="2">
-            <a:schemeClr val="accent1">
-              <a:shade val="50000"/>
-            </a:schemeClr>
-          </a:lnRef>
-          <a:fillRef idx="1">
-            <a:schemeClr val="accent1"/>
-          </a:fillRef>
-          <a:effectRef idx="0">
-            <a:schemeClr val="accent1"/>
-          </a:effectRef>
-          <a:fontRef idx="minor">
-            <a:schemeClr val="lt1"/>
-          </a:fontRef>
-        </p:style>
-        <p:txBody>
-          <a:bodyPr rtlCol="0" anchor="ctr"/>
-          <a:lstStyle/>
-          <a:p>
-            <a:pPr algn="ctr"/>
-            <a:r>
-              <a:rPr lang="en-US" sz="1013" dirty="0"/>
-              <a:t>2</a:t>
-            </a:r>
-          </a:p>
-        </p:txBody>
-      </p:sp>
-      <p:sp>
-        <p:nvSpPr>
-          <p:cNvPr id="69" name="Oval 68">
-            <a:extLst>
-              <a:ext uri="{FF2B5EF4-FFF2-40B4-BE49-F238E27FC236}">
-                <a16:creationId xmlns:a16="http://schemas.microsoft.com/office/drawing/2014/main" id="{B943FE36-C19E-8A4F-8D1E-178093750F9B}"/>
-              </a:ext>
-            </a:extLst>
-          </p:cNvPr>
-          <p:cNvSpPr/>
-          <p:nvPr/>
-        </p:nvSpPr>
-        <p:spPr>
-          <a:xfrm>
-            <a:off x="434662" y="2836927"/>
-            <a:ext cx="322730" cy="308102"/>
-          </a:xfrm>
-          <a:prstGeom prst="ellipse">
-            <a:avLst/>
-          </a:prstGeom>
-          <a:solidFill>
-            <a:srgbClr val="0000FF"/>
-          </a:solidFill>
-          <a:ln>
-            <a:noFill/>
-          </a:ln>
-        </p:spPr>
-        <p:style>
-          <a:lnRef idx="2">
-            <a:schemeClr val="accent1">
-              <a:shade val="50000"/>
-            </a:schemeClr>
-          </a:lnRef>
-          <a:fillRef idx="1">
-            <a:schemeClr val="accent1"/>
-          </a:fillRef>
-          <a:effectRef idx="0">
-            <a:schemeClr val="accent1"/>
-          </a:effectRef>
-          <a:fontRef idx="minor">
-            <a:schemeClr val="lt1"/>
-          </a:fontRef>
-        </p:style>
-        <p:txBody>
-          <a:bodyPr rtlCol="0" anchor="ctr"/>
-          <a:lstStyle/>
-          <a:p>
-            <a:pPr algn="ctr"/>
-            <a:r>
-              <a:rPr lang="en-US" sz="1013" dirty="0"/>
-              <a:t>3</a:t>
-            </a:r>
-          </a:p>
-        </p:txBody>
-      </p:sp>
-      <p:sp>
-        <p:nvSpPr>
-          <p:cNvPr id="17" name="TextBox 16">
-            <a:extLst>
-              <a:ext uri="{FF2B5EF4-FFF2-40B4-BE49-F238E27FC236}">
-                <a16:creationId xmlns:a16="http://schemas.microsoft.com/office/drawing/2014/main" id="{1A0874EA-0F31-A94D-A496-B7D42FBB31A3}"/>
-              </a:ext>
-            </a:extLst>
-          </p:cNvPr>
-          <p:cNvSpPr txBox="1"/>
-          <p:nvPr/>
-        </p:nvSpPr>
-        <p:spPr>
-          <a:xfrm>
-            <a:off x="6369341" y="1637937"/>
-            <a:ext cx="482824" cy="207749"/>
-          </a:xfrm>
-          <a:prstGeom prst="rect">
-            <a:avLst/>
-          </a:prstGeom>
-          <a:noFill/>
-        </p:spPr>
-        <p:txBody>
-          <a:bodyPr wrap="none" rtlCol="0">
-            <a:spAutoFit/>
-          </a:bodyPr>
-          <a:lstStyle/>
-          <a:p>
-            <a:r>
-              <a:rPr lang="en-US" sz="750" b="1" dirty="0"/>
-              <a:t>orders</a:t>
-            </a:r>
-          </a:p>
-        </p:txBody>
-      </p:sp>
-      <p:sp>
-        <p:nvSpPr>
-          <p:cNvPr id="44" name="TextBox 43">
-            <a:extLst>
-              <a:ext uri="{FF2B5EF4-FFF2-40B4-BE49-F238E27FC236}">
-                <a16:creationId xmlns:a16="http://schemas.microsoft.com/office/drawing/2014/main" id="{E60BBBCD-AD4E-A94D-A062-4C15C724E8D6}"/>
-              </a:ext>
-            </a:extLst>
-          </p:cNvPr>
-          <p:cNvSpPr txBox="1"/>
-          <p:nvPr/>
-        </p:nvSpPr>
-        <p:spPr>
-          <a:xfrm>
-            <a:off x="2007036" y="1655652"/>
-            <a:ext cx="824265" cy="207749"/>
-          </a:xfrm>
-          <a:prstGeom prst="rect">
-            <a:avLst/>
-          </a:prstGeom>
-          <a:noFill/>
-        </p:spPr>
-        <p:txBody>
-          <a:bodyPr wrap="none" rtlCol="0">
-            <a:spAutoFit/>
-          </a:bodyPr>
-          <a:lstStyle/>
-          <a:p>
-            <a:r>
-              <a:rPr lang="en-US" sz="750" b="1" dirty="0"/>
-              <a:t>source.orders</a:t>
-            </a:r>
-          </a:p>
-        </p:txBody>
-      </p:sp>
-      <p:pic>
-        <p:nvPicPr>
-          <p:cNvPr id="40" name="Picture 39">
-            <a:extLst>
-              <a:ext uri="{FF2B5EF4-FFF2-40B4-BE49-F238E27FC236}">
-                <a16:creationId xmlns:a16="http://schemas.microsoft.com/office/drawing/2014/main" id="{B2E3B02B-700F-1948-ADEA-CB5FC76BE11D}"/>
-              </a:ext>
-            </a:extLst>
-          </p:cNvPr>
-          <p:cNvPicPr>
-            <a:picLocks noChangeAspect="1"/>
-          </p:cNvPicPr>
-          <p:nvPr/>
-        </p:nvPicPr>
-        <p:blipFill>
-          <a:blip r:embed="rId4"/>
-          <a:stretch>
-            <a:fillRect/>
-          </a:stretch>
-        </p:blipFill>
-        <p:spPr>
-          <a:xfrm>
-            <a:off x="356381" y="3625830"/>
-            <a:ext cx="261023" cy="238649"/>
-          </a:xfrm>
-          <a:prstGeom prst="rect">
-            <a:avLst/>
-          </a:prstGeom>
-        </p:spPr>
-      </p:pic>
-      <p:pic>
-        <p:nvPicPr>
-          <p:cNvPr id="41" name="Picture 40" descr="A picture containing sign, clock&#10;&#10;Description automatically generated">
-            <a:extLst>
-              <a:ext uri="{FF2B5EF4-FFF2-40B4-BE49-F238E27FC236}">
-                <a16:creationId xmlns:a16="http://schemas.microsoft.com/office/drawing/2014/main" id="{AD7ADB04-28C0-0E48-A740-348F31B8ADCD}"/>
-              </a:ext>
-            </a:extLst>
-          </p:cNvPr>
-          <p:cNvPicPr>
-            <a:picLocks noChangeAspect="1"/>
-          </p:cNvPicPr>
-          <p:nvPr/>
-        </p:nvPicPr>
-        <p:blipFill>
-          <a:blip r:embed="rId5"/>
-          <a:stretch>
-            <a:fillRect/>
-          </a:stretch>
-        </p:blipFill>
-        <p:spPr>
-          <a:xfrm>
-            <a:off x="8026345" y="1071776"/>
-            <a:ext cx="397442" cy="351885"/>
-          </a:xfrm>
-          <a:prstGeom prst="rect">
-            <a:avLst/>
-          </a:prstGeom>
-        </p:spPr>
-      </p:pic>
     </p:spTree>
     <p:extLst>
       <p:ext uri="{BB962C8B-B14F-4D97-AF65-F5344CB8AC3E}">
-        <p14:creationId xmlns:p14="http://schemas.microsoft.com/office/powerpoint/2010/main" val="2185968813"/>
+        <p14:creationId xmlns:p14="http://schemas.microsoft.com/office/powerpoint/2010/main" val="2465530189"/>
       </p:ext>
     </p:extLst>
   </p:cSld>
@@ -24071,8 +25106,8 @@
           <a:lstStyle/>
           <a:p>
             <a:r>
-              <a:rPr lang="en-US" dirty="0"/>
-              <a:t>Data Replication Environment - 3</a:t>
+              <a:rPr lang="en-US"/>
+              <a:t>Data Replication Environment - 2</a:t>
             </a:r>
           </a:p>
         </p:txBody>
@@ -24896,7 +25931,7 @@
         <p:spPr bwMode="auto">
           <a:xfrm>
             <a:off x="4935506" y="1499732"/>
-            <a:ext cx="3333325" cy="745927"/>
+            <a:ext cx="3074603" cy="745927"/>
           </a:xfrm>
           <a:prstGeom prst="roundRect">
             <a:avLst>
@@ -24926,6 +25961,42 @@
           </a:p>
         </p:txBody>
       </p:sp>
+      <p:pic>
+        <p:nvPicPr>
+          <p:cNvPr id="15" name="Picture 14">
+            <a:extLst>
+              <a:ext uri="{FF2B5EF4-FFF2-40B4-BE49-F238E27FC236}">
+                <a16:creationId xmlns:a16="http://schemas.microsoft.com/office/drawing/2014/main" id="{4D675F2E-5ADD-244D-A2C8-DC471A256E75}"/>
+              </a:ext>
+            </a:extLst>
+          </p:cNvPr>
+          <p:cNvPicPr>
+            <a:picLocks noChangeAspect="1"/>
+          </p:cNvPicPr>
+          <p:nvPr/>
+        </p:nvPicPr>
+        <p:blipFill>
+          <a:blip r:embed="rId2">
+            <a:extLst>
+              <a:ext uri="{28A0092B-C50C-407E-A947-70E740481C1C}">
+                <a14:useLocalDpi xmlns:a14="http://schemas.microsoft.com/office/drawing/2010/main" val="0"/>
+              </a:ext>
+            </a:extLst>
+          </a:blip>
+          <a:stretch>
+            <a:fillRect/>
+          </a:stretch>
+        </p:blipFill>
+        <p:spPr>
+          <a:xfrm>
+            <a:off x="4945417" y="1503235"/>
+            <a:ext cx="191007" cy="252252"/>
+          </a:xfrm>
+          <a:prstGeom prst="rect">
+            <a:avLst/>
+          </a:prstGeom>
+        </p:spPr>
+      </p:pic>
       <p:sp>
         <p:nvSpPr>
           <p:cNvPr id="18" name="AutoShape 4">
@@ -25591,7 +26662,7 @@
                 </a:solidFill>
                 <a:latin typeface="Arial"/>
               </a:rPr>
-              <a:t>Consumer</a:t>
+              <a:t>kafka-console-consumer.sh</a:t>
             </a:r>
           </a:p>
         </p:txBody>
@@ -25700,10 +26771,10 @@
       </p:sp>
       <p:pic>
         <p:nvPicPr>
-          <p:cNvPr id="37" name="Picture 36">
-            <a:extLst>
-              <a:ext uri="{FF2B5EF4-FFF2-40B4-BE49-F238E27FC236}">
-                <a16:creationId xmlns:a16="http://schemas.microsoft.com/office/drawing/2014/main" id="{6D8F6862-7739-D946-A521-B5976D86EED8}"/>
+          <p:cNvPr id="3" name="Picture 2">
+            <a:extLst>
+              <a:ext uri="{FF2B5EF4-FFF2-40B4-BE49-F238E27FC236}">
+                <a16:creationId xmlns:a16="http://schemas.microsoft.com/office/drawing/2014/main" id="{6897ECA9-F27F-1B4B-A567-00FA2BA8DB10}"/>
               </a:ext>
             </a:extLst>
           </p:cNvPr>
@@ -25713,7 +26784,37 @@
           <p:nvPr/>
         </p:nvPicPr>
         <p:blipFill>
-          <a:blip r:embed="rId2"/>
+          <a:blip r:embed="rId3"/>
+          <a:stretch>
+            <a:fillRect/>
+          </a:stretch>
+        </p:blipFill>
+        <p:spPr>
+          <a:xfrm>
+            <a:off x="511363" y="1939213"/>
+            <a:ext cx="376238" cy="371475"/>
+          </a:xfrm>
+          <a:prstGeom prst="rect">
+            <a:avLst/>
+          </a:prstGeom>
+        </p:spPr>
+      </p:pic>
+      <p:pic>
+        <p:nvPicPr>
+          <p:cNvPr id="37" name="Picture 36">
+            <a:extLst>
+              <a:ext uri="{FF2B5EF4-FFF2-40B4-BE49-F238E27FC236}">
+                <a16:creationId xmlns:a16="http://schemas.microsoft.com/office/drawing/2014/main" id="{6D8F6862-7739-D946-A521-B5976D86EED8}"/>
+              </a:ext>
+            </a:extLst>
+          </p:cNvPr>
+          <p:cNvPicPr>
+            <a:picLocks noChangeAspect="1"/>
+          </p:cNvPicPr>
+          <p:nvPr/>
+        </p:nvPicPr>
+        <p:blipFill>
+          <a:blip r:embed="rId3"/>
           <a:stretch>
             <a:fillRect/>
           </a:stretch>
@@ -25976,7 +27077,7 @@
         </p:nvSpPr>
         <p:spPr>
           <a:xfrm>
-            <a:off x="6525686" y="2970111"/>
+            <a:off x="2236351" y="3405569"/>
             <a:ext cx="1218911" cy="371475"/>
           </a:xfrm>
           <a:prstGeom prst="roundRect">
@@ -26024,7 +27125,7 @@
                 </a:solidFill>
                 <a:latin typeface="Arial"/>
               </a:rPr>
-              <a:t>Producer</a:t>
+              <a:t>kafka-console-producer.sh</a:t>
             </a:r>
           </a:p>
         </p:txBody>
@@ -26086,20 +27187,18 @@
           </p:cNvPr>
           <p:cNvCxnSpPr>
             <a:cxnSpLocks/>
-            <a:stCxn id="49" idx="0"/>
+            <a:stCxn id="49" idx="3"/>
             <a:endCxn id="13" idx="2"/>
           </p:cNvCxnSpPr>
           <p:nvPr/>
         </p:nvCxnSpPr>
         <p:spPr>
-          <a:xfrm rot="16200000" flipV="1">
-            <a:off x="6254073" y="2089041"/>
-            <a:ext cx="924056" cy="838083"/>
-          </a:xfrm>
-          <a:prstGeom prst="bentConnector3">
-            <a:avLst>
-              <a:gd name="adj1" fmla="val 50000"/>
-            </a:avLst>
+          <a:xfrm flipV="1">
+            <a:off x="3455262" y="2046055"/>
+            <a:ext cx="2841797" cy="1545251"/>
+          </a:xfrm>
+          <a:prstGeom prst="bentConnector2">
+            <a:avLst/>
           </a:prstGeom>
           <a:ln>
             <a:solidFill>
@@ -26193,7 +27292,7 @@
         </p:nvSpPr>
         <p:spPr>
           <a:xfrm>
-            <a:off x="6317439" y="2990978"/>
+            <a:off x="3334249" y="3625830"/>
             <a:ext cx="322730" cy="308102"/>
           </a:xfrm>
           <a:prstGeom prst="ellipse">
@@ -26361,82 +27460,10 @@
       </p:sp>
       <p:pic>
         <p:nvPicPr>
-          <p:cNvPr id="41" name="Picture 40">
-            <a:extLst>
-              <a:ext uri="{FF2B5EF4-FFF2-40B4-BE49-F238E27FC236}">
-                <a16:creationId xmlns:a16="http://schemas.microsoft.com/office/drawing/2014/main" id="{56C25C81-9BFA-624C-9CA8-B1ED9F6886F8}"/>
-              </a:ext>
-            </a:extLst>
-          </p:cNvPr>
-          <p:cNvPicPr>
-            <a:picLocks noChangeAspect="1"/>
-          </p:cNvPicPr>
-          <p:nvPr/>
-        </p:nvPicPr>
-        <p:blipFill>
-          <a:blip r:embed="rId3">
-            <a:extLst>
-              <a:ext uri="{28A0092B-C50C-407E-A947-70E740481C1C}">
-                <a14:useLocalDpi xmlns:a14="http://schemas.microsoft.com/office/drawing/2010/main" val="0"/>
-              </a:ext>
-            </a:extLst>
-          </a:blip>
-          <a:stretch>
-            <a:fillRect/>
-          </a:stretch>
-        </p:blipFill>
-        <p:spPr>
-          <a:xfrm>
-            <a:off x="4945417" y="1503235"/>
-            <a:ext cx="191007" cy="252252"/>
-          </a:xfrm>
-          <a:prstGeom prst="rect">
-            <a:avLst/>
-          </a:prstGeom>
-        </p:spPr>
-      </p:pic>
-      <p:pic>
-        <p:nvPicPr>
-          <p:cNvPr id="42" name="Picture 41">
-            <a:extLst>
-              <a:ext uri="{FF2B5EF4-FFF2-40B4-BE49-F238E27FC236}">
-                <a16:creationId xmlns:a16="http://schemas.microsoft.com/office/drawing/2014/main" id="{68211D15-A32F-8943-9E1A-48A59F5DFCD2}"/>
-              </a:ext>
-            </a:extLst>
-          </p:cNvPr>
-          <p:cNvPicPr>
-            <a:picLocks noChangeAspect="1"/>
-          </p:cNvPicPr>
-          <p:nvPr/>
-        </p:nvPicPr>
-        <p:blipFill>
-          <a:blip r:embed="rId3">
-            <a:extLst>
-              <a:ext uri="{28A0092B-C50C-407E-A947-70E740481C1C}">
-                <a14:useLocalDpi xmlns:a14="http://schemas.microsoft.com/office/drawing/2010/main" val="0"/>
-              </a:ext>
-            </a:extLst>
-          </a:blip>
-          <a:stretch>
-            <a:fillRect/>
-          </a:stretch>
-        </p:blipFill>
-        <p:spPr>
-          <a:xfrm>
-            <a:off x="632701" y="1536885"/>
-            <a:ext cx="191007" cy="252252"/>
-          </a:xfrm>
-          <a:prstGeom prst="rect">
-            <a:avLst/>
-          </a:prstGeom>
-        </p:spPr>
-      </p:pic>
-      <p:pic>
-        <p:nvPicPr>
-          <p:cNvPr id="43" name="Picture 42">
-            <a:extLst>
-              <a:ext uri="{FF2B5EF4-FFF2-40B4-BE49-F238E27FC236}">
-                <a16:creationId xmlns:a16="http://schemas.microsoft.com/office/drawing/2014/main" id="{17C8EA92-3D3A-6646-A77F-C2E199089CD1}"/>
+          <p:cNvPr id="40" name="Picture 39">
+            <a:extLst>
+              <a:ext uri="{FF2B5EF4-FFF2-40B4-BE49-F238E27FC236}">
+                <a16:creationId xmlns:a16="http://schemas.microsoft.com/office/drawing/2014/main" id="{B2E3B02B-700F-1948-ADEA-CB5FC76BE11D}"/>
               </a:ext>
             </a:extLst>
           </p:cNvPr>
@@ -26461,93 +27488,12 @@
           </a:prstGeom>
         </p:spPr>
       </p:pic>
-      <p:sp>
-        <p:nvSpPr>
-          <p:cNvPr id="47" name="AutoShape 4">
-            <a:extLst>
-              <a:ext uri="{FF2B5EF4-FFF2-40B4-BE49-F238E27FC236}">
-                <a16:creationId xmlns:a16="http://schemas.microsoft.com/office/drawing/2014/main" id="{A00EABA6-52E6-B747-BCD6-7A397FE9059C}"/>
-              </a:ext>
-            </a:extLst>
-          </p:cNvPr>
-          <p:cNvSpPr>
-            <a:spLocks noChangeArrowheads="1"/>
-          </p:cNvSpPr>
-          <p:nvPr/>
-        </p:nvSpPr>
-        <p:spPr bwMode="auto">
-          <a:xfrm>
-            <a:off x="4945416" y="2790647"/>
-            <a:ext cx="3333325" cy="814403"/>
-          </a:xfrm>
-          <a:prstGeom prst="roundRect">
-            <a:avLst>
-              <a:gd name="adj" fmla="val 3325"/>
-            </a:avLst>
-          </a:prstGeom>
-          <a:noFill/>
-          <a:ln w="12700">
-            <a:solidFill>
-              <a:schemeClr val="accent3"/>
-            </a:solidFill>
-            <a:prstDash val="dash"/>
-            <a:round/>
-            <a:headEnd/>
-            <a:tailEnd/>
-          </a:ln>
-        </p:spPr>
-        <p:txBody>
-          <a:bodyPr lIns="0" tIns="0" rIns="0" bIns="0" anchor="b" anchorCtr="1"/>
-          <a:lstStyle/>
-          <a:p>
-            <a:pPr algn="ctr"/>
-            <a:r>
-              <a:rPr lang="en-US" sz="750" dirty="0" err="1"/>
-              <a:t>Openshifr</a:t>
-            </a:r>
-            <a:r>
-              <a:rPr lang="en-US" sz="750" dirty="0"/>
-              <a:t> on Kubernetes Service</a:t>
-            </a:r>
-          </a:p>
-        </p:txBody>
-      </p:sp>
       <p:pic>
         <p:nvPicPr>
-          <p:cNvPr id="48" name="Picture 47">
-            <a:extLst>
-              <a:ext uri="{FF2B5EF4-FFF2-40B4-BE49-F238E27FC236}">
-                <a16:creationId xmlns:a16="http://schemas.microsoft.com/office/drawing/2014/main" id="{D9A1D566-7274-254B-B86D-75F32B5130BE}"/>
-              </a:ext>
-            </a:extLst>
-          </p:cNvPr>
-          <p:cNvPicPr>
-            <a:picLocks noChangeAspect="1"/>
-          </p:cNvPicPr>
-          <p:nvPr/>
-        </p:nvPicPr>
-        <p:blipFill>
-          <a:blip r:embed="rId4"/>
-          <a:stretch>
-            <a:fillRect/>
-          </a:stretch>
-        </p:blipFill>
-        <p:spPr>
-          <a:xfrm>
-            <a:off x="4938273" y="3386344"/>
-            <a:ext cx="261023" cy="238649"/>
-          </a:xfrm>
-          <a:prstGeom prst="rect">
-            <a:avLst/>
-          </a:prstGeom>
-        </p:spPr>
-      </p:pic>
-      <p:pic>
-        <p:nvPicPr>
-          <p:cNvPr id="50" name="Picture 49" descr="A picture containing sign, clock&#10;&#10;Description automatically generated">
-            <a:extLst>
-              <a:ext uri="{FF2B5EF4-FFF2-40B4-BE49-F238E27FC236}">
-                <a16:creationId xmlns:a16="http://schemas.microsoft.com/office/drawing/2014/main" id="{18D36C91-09E9-144D-BA4D-78F0917B3606}"/>
+          <p:cNvPr id="41" name="Picture 40" descr="A picture containing sign, clock&#10;&#10;Description automatically generated">
+            <a:extLst>
+              <a:ext uri="{FF2B5EF4-FFF2-40B4-BE49-F238E27FC236}">
+                <a16:creationId xmlns:a16="http://schemas.microsoft.com/office/drawing/2014/main" id="{AD7ADB04-28C0-0E48-A740-348F31B8ADCD}"/>
               </a:ext>
             </a:extLst>
           </p:cNvPr>
@@ -26564,7 +27510,7 @@
         </p:blipFill>
         <p:spPr>
           <a:xfrm>
-            <a:off x="8002594" y="1071776"/>
+            <a:off x="8026345" y="1071776"/>
             <a:ext cx="397442" cy="351885"/>
           </a:xfrm>
           <a:prstGeom prst="rect">
@@ -26575,7 +27521,7 @@
     </p:spTree>
     <p:extLst>
       <p:ext uri="{BB962C8B-B14F-4D97-AF65-F5344CB8AC3E}">
-        <p14:creationId xmlns:p14="http://schemas.microsoft.com/office/powerpoint/2010/main" val="2776287934"/>
+        <p14:creationId xmlns:p14="http://schemas.microsoft.com/office/powerpoint/2010/main" val="2185968813"/>
       </p:ext>
     </p:extLst>
   </p:cSld>

--- a/docs/mm2-diagrams.pptx
+++ b/docs/mm2-diagrams.pptx
@@ -6,10 +6,10 @@
     <p:sldMasterId id="2147483943" r:id="rId2"/>
   </p:sldMasterIdLst>
   <p:notesMasterIdLst>
-    <p:notesMasterId r:id="rId13"/>
+    <p:notesMasterId r:id="rId14"/>
   </p:notesMasterIdLst>
   <p:handoutMasterIdLst>
-    <p:handoutMasterId r:id="rId14"/>
+    <p:handoutMasterId r:id="rId15"/>
   </p:handoutMasterIdLst>
   <p:sldIdLst>
     <p:sldId id="141169016" r:id="rId3"/>
@@ -22,6 +22,7 @@
     <p:sldId id="141169002" r:id="rId10"/>
     <p:sldId id="141168520" r:id="rId11"/>
     <p:sldId id="141168521" r:id="rId12"/>
+    <p:sldId id="141169017" r:id="rId13"/>
   </p:sldIdLst>
   <p:sldSz cx="9144000" cy="5143500" type="screen16x9"/>
   <p:notesSz cx="6858000" cy="9144000"/>
@@ -224,7 +225,7 @@
           <a:p>
             <a:fld id="{43B1B1F9-D0CB-FF4D-BEE0-BED1F1FDA196}" type="datetimeFigureOut">
               <a:rPr lang="en-US" smtClean="0"/>
-              <a:t>3/13/20</a:t>
+              <a:t>3/18/20</a:t>
             </a:fld>
             <a:endParaRPr lang="en-US"/>
           </a:p>
@@ -389,7 +390,7 @@
           <a:p>
             <a:fld id="{26BE012A-D992-5D42-B86E-AA2BC0764EE1}" type="datetimeFigureOut">
               <a:rPr lang="en-US" smtClean="0"/>
-              <a:t>3/13/20</a:t>
+              <a:t>3/18/20</a:t>
             </a:fld>
             <a:endParaRPr lang="en-US"/>
           </a:p>
@@ -2770,14 +2771,14 @@
           </a:ln>
           <a:extLst>
             <a:ext uri="{909E8E84-426E-40dd-AFC4-6F175D3DCCD1}">
-              <a14:hiddenFill xmlns:a14="http://schemas.microsoft.com/office/drawing/2010/main" xmlns="">
+              <a14:hiddenFill xmlns="" xmlns:a14="http://schemas.microsoft.com/office/drawing/2010/main">
                 <a:solidFill>
                   <a:srgbClr val="FFFFFF"/>
                 </a:solidFill>
               </a14:hiddenFill>
             </a:ext>
             <a:ext uri="{91240B29-F687-4f45-9708-019B960494DF}">
-              <a14:hiddenLine xmlns:a14="http://schemas.microsoft.com/office/drawing/2010/main" xmlns="" w="9525">
+              <a14:hiddenLine xmlns="" xmlns:a14="http://schemas.microsoft.com/office/drawing/2010/main" w="9525">
                 <a:solidFill>
                   <a:srgbClr val="000000"/>
                 </a:solidFill>
@@ -2829,14 +2830,14 @@
           <a:effectLst/>
           <a:extLst>
             <a:ext uri="{909E8E84-426E-40dd-AFC4-6F175D3DCCD1}">
-              <a14:hiddenFill xmlns:a14="http://schemas.microsoft.com/office/drawing/2010/main" xmlns="">
+              <a14:hiddenFill xmlns="" xmlns:a14="http://schemas.microsoft.com/office/drawing/2010/main">
                 <a:solidFill>
                   <a:schemeClr val="accent1"/>
                 </a:solidFill>
               </a14:hiddenFill>
             </a:ext>
             <a:ext uri="{91240B29-F687-4f45-9708-019B960494DF}">
-              <a14:hiddenLine xmlns:a14="http://schemas.microsoft.com/office/drawing/2010/main" xmlns="" w="9525">
+              <a14:hiddenLine xmlns="" xmlns:a14="http://schemas.microsoft.com/office/drawing/2010/main" w="9525">
                 <a:solidFill>
                   <a:schemeClr val="tx1"/>
                 </a:solidFill>
@@ -2846,7 +2847,7 @@
               </a14:hiddenLine>
             </a:ext>
             <a:ext uri="{AF507438-7753-43e0-B8FC-AC1667EBCBE1}">
-              <a14:hiddenEffects xmlns:a14="http://schemas.microsoft.com/office/drawing/2010/main" xmlns="">
+              <a14:hiddenEffects xmlns="" xmlns:a14="http://schemas.microsoft.com/office/drawing/2010/main">
                 <a:effectLst>
                   <a:outerShdw blurRad="63500" dist="38099" dir="2700000" algn="ctr" rotWithShape="0">
                     <a:schemeClr val="bg2">
@@ -3562,10 +3563,10 @@
           </a:ln>
           <a:extLst>
             <a:ext uri="{FAA26D3D-D897-4be2-8F04-BA451C77F1D7}">
-              <ma14:placeholderFlag xmlns="" xmlns:ma14="http://schemas.microsoft.com/office/mac/drawingml/2011/main" val="1"/>
+              <ma14:placeholderFlag xmlns:ma14="http://schemas.microsoft.com/office/mac/drawingml/2011/main" xmlns="" val="1"/>
             </a:ext>
             <a:ext uri="{909E8E84-426E-40dd-AFC4-6F175D3DCCD1}">
-              <a14:hiddenFill xmlns="" xmlns:a14="http://schemas.microsoft.com/office/drawing/2010/main">
+              <a14:hiddenFill xmlns:a14="http://schemas.microsoft.com/office/drawing/2010/main" xmlns="">
                 <a:solidFill>
                   <a:srgbClr val="FFFFFF"/>
                 </a:solidFill>
@@ -3616,10 +3617,10 @@
           </a:ln>
           <a:extLst>
             <a:ext uri="{FAA26D3D-D897-4be2-8F04-BA451C77F1D7}">
-              <ma14:placeholderFlag xmlns="" xmlns:ma14="http://schemas.microsoft.com/office/mac/drawingml/2011/main" val="1"/>
+              <ma14:placeholderFlag xmlns:ma14="http://schemas.microsoft.com/office/mac/drawingml/2011/main" xmlns="" val="1"/>
             </a:ext>
             <a:ext uri="{909E8E84-426E-40dd-AFC4-6F175D3DCCD1}">
-              <a14:hiddenFill xmlns="" xmlns:a14="http://schemas.microsoft.com/office/drawing/2010/main">
+              <a14:hiddenFill xmlns:a14="http://schemas.microsoft.com/office/drawing/2010/main" xmlns="">
                 <a:solidFill>
                   <a:srgbClr val="FFFFFF"/>
                 </a:solidFill>
@@ -4409,7 +4410,7 @@
           <a:lstStyle/>
           <a:p>
             <a:r>
-              <a:rPr lang="en-US" dirty="0" err="1"/>
+              <a:rPr lang="en-US" dirty="0"/>
               <a:t>Strimzi</a:t>
             </a:r>
             <a:endParaRPr dirty="0"/>
@@ -7788,6 +7789,1043 @@
     <p:extLst>
       <p:ext uri="{BB962C8B-B14F-4D97-AF65-F5344CB8AC3E}">
         <p14:creationId xmlns:p14="http://schemas.microsoft.com/office/powerpoint/2010/main" val="2776287934"/>
+      </p:ext>
+    </p:extLst>
+  </p:cSld>
+  <p:clrMapOvr>
+    <a:masterClrMapping/>
+  </p:clrMapOvr>
+</p:sld>
+</file>
+
+<file path=ppt/slides/slide11.xml><?xml version="1.0" encoding="utf-8"?>
+<p:sld xmlns:a="http://schemas.openxmlformats.org/drawingml/2006/main" xmlns:r="http://schemas.openxmlformats.org/officeDocument/2006/relationships" xmlns:p="http://schemas.openxmlformats.org/presentationml/2006/main">
+  <p:cSld>
+    <p:spTree>
+      <p:nvGrpSpPr>
+        <p:cNvPr id="1" name=""/>
+        <p:cNvGrpSpPr/>
+        <p:nvPr/>
+      </p:nvGrpSpPr>
+      <p:grpSpPr>
+        <a:xfrm>
+          <a:off x="0" y="0"/>
+          <a:ext cx="0" cy="0"/>
+          <a:chOff x="0" y="0"/>
+          <a:chExt cx="0" cy="0"/>
+        </a:xfrm>
+      </p:grpSpPr>
+      <p:sp>
+        <p:nvSpPr>
+          <p:cNvPr id="2" name="Title 1">
+            <a:extLst>
+              <a:ext uri="{FF2B5EF4-FFF2-40B4-BE49-F238E27FC236}">
+                <a16:creationId xmlns:a16="http://schemas.microsoft.com/office/drawing/2014/main" id="{58169065-201E-5F42-BB75-6EA30E0A8D38}"/>
+              </a:ext>
+            </a:extLst>
+          </p:cNvPr>
+          <p:cNvSpPr>
+            <a:spLocks noGrp="1"/>
+          </p:cNvSpPr>
+          <p:nvPr>
+            <p:ph type="title"/>
+          </p:nvPr>
+        </p:nvSpPr>
+        <p:spPr/>
+        <p:txBody>
+          <a:bodyPr/>
+          <a:lstStyle/>
+          <a:p>
+            <a:r>
+              <a:rPr lang="en-US" dirty="0"/>
+              <a:t>Mirror maker monitoring</a:t>
+            </a:r>
+            <a:endParaRPr dirty="0"/>
+          </a:p>
+        </p:txBody>
+      </p:sp>
+      <p:sp>
+        <p:nvSpPr>
+          <p:cNvPr id="4" name="Slide Number Placeholder 3">
+            <a:extLst>
+              <a:ext uri="{FF2B5EF4-FFF2-40B4-BE49-F238E27FC236}">
+                <a16:creationId xmlns:a16="http://schemas.microsoft.com/office/drawing/2014/main" id="{D461EF70-49A7-3F48-A6F1-90FB6453A640}"/>
+              </a:ext>
+            </a:extLst>
+          </p:cNvPr>
+          <p:cNvSpPr>
+            <a:spLocks noGrp="1"/>
+          </p:cNvSpPr>
+          <p:nvPr>
+            <p:ph type="sldNum" sz="quarter" idx="10"/>
+          </p:nvPr>
+        </p:nvSpPr>
+        <p:spPr/>
+        <p:txBody>
+          <a:bodyPr/>
+          <a:lstStyle/>
+          <a:p>
+            <a:fld id="{2F63A97E-D605-DC42-8452-C14CD1FA87FA}" type="slidenum">
+              <a:rPr lang="en-US" smtClean="0">
+                <a:solidFill>
+                  <a:srgbClr val="5AAAFA"/>
+                </a:solidFill>
+              </a:rPr>
+              <a:pPr/>
+              <a:t>11</a:t>
+            </a:fld>
+            <a:endParaRPr lang="en-US">
+              <a:solidFill>
+                <a:srgbClr val="5AAAFA"/>
+              </a:solidFill>
+            </a:endParaRPr>
+          </a:p>
+        </p:txBody>
+      </p:sp>
+      <p:sp>
+        <p:nvSpPr>
+          <p:cNvPr id="5" name="Rectangle 4">
+            <a:extLst>
+              <a:ext uri="{FF2B5EF4-FFF2-40B4-BE49-F238E27FC236}">
+                <a16:creationId xmlns:a16="http://schemas.microsoft.com/office/drawing/2014/main" id="{D1CF926F-7952-E345-9F38-503542966212}"/>
+              </a:ext>
+            </a:extLst>
+          </p:cNvPr>
+          <p:cNvSpPr/>
+          <p:nvPr/>
+        </p:nvSpPr>
+        <p:spPr>
+          <a:xfrm>
+            <a:off x="298411" y="1073442"/>
+            <a:ext cx="4008458" cy="3498557"/>
+          </a:xfrm>
+          <a:prstGeom prst="rect">
+            <a:avLst/>
+          </a:prstGeom>
+          <a:noFill/>
+          <a:ln>
+            <a:solidFill>
+              <a:srgbClr val="0000FF"/>
+            </a:solidFill>
+            <a:prstDash val="dash"/>
+          </a:ln>
+        </p:spPr>
+        <p:style>
+          <a:lnRef idx="2">
+            <a:schemeClr val="accent1">
+              <a:shade val="50000"/>
+            </a:schemeClr>
+          </a:lnRef>
+          <a:fillRef idx="1">
+            <a:schemeClr val="accent1"/>
+          </a:fillRef>
+          <a:effectRef idx="0">
+            <a:schemeClr val="accent1"/>
+          </a:effectRef>
+          <a:fontRef idx="minor">
+            <a:schemeClr val="lt1"/>
+          </a:fontRef>
+        </p:style>
+        <p:txBody>
+          <a:bodyPr rtlCol="0" anchor="t"/>
+          <a:lstStyle/>
+          <a:p>
+            <a:pPr algn="ctr" defTabSz="514350"/>
+            <a:r>
+              <a:rPr lang="en-US" sz="750" b="1" dirty="0">
+                <a:solidFill>
+                  <a:srgbClr val="0000FF"/>
+                </a:solidFill>
+                <a:latin typeface="Arial"/>
+              </a:rPr>
+              <a:t>On-Premise OpenShift Environment</a:t>
+            </a:r>
+          </a:p>
+        </p:txBody>
+      </p:sp>
+      <p:sp>
+        <p:nvSpPr>
+          <p:cNvPr id="6" name="Rectangle 5">
+            <a:extLst>
+              <a:ext uri="{FF2B5EF4-FFF2-40B4-BE49-F238E27FC236}">
+                <a16:creationId xmlns:a16="http://schemas.microsoft.com/office/drawing/2014/main" id="{0CA26A3C-A42A-F549-B895-ED3A96176D25}"/>
+              </a:ext>
+            </a:extLst>
+          </p:cNvPr>
+          <p:cNvSpPr/>
+          <p:nvPr/>
+        </p:nvSpPr>
+        <p:spPr>
+          <a:xfrm>
+            <a:off x="4710303" y="1073443"/>
+            <a:ext cx="3747898" cy="1304727"/>
+          </a:xfrm>
+          <a:prstGeom prst="rect">
+            <a:avLst/>
+          </a:prstGeom>
+          <a:noFill/>
+          <a:ln>
+            <a:solidFill>
+              <a:srgbClr val="00B050"/>
+            </a:solidFill>
+            <a:prstDash val="dash"/>
+          </a:ln>
+        </p:spPr>
+        <p:style>
+          <a:lnRef idx="2">
+            <a:schemeClr val="accent1">
+              <a:shade val="50000"/>
+            </a:schemeClr>
+          </a:lnRef>
+          <a:fillRef idx="1">
+            <a:schemeClr val="accent1"/>
+          </a:fillRef>
+          <a:effectRef idx="0">
+            <a:schemeClr val="accent1"/>
+          </a:effectRef>
+          <a:fontRef idx="minor">
+            <a:schemeClr val="lt1"/>
+          </a:fontRef>
+        </p:style>
+        <p:txBody>
+          <a:bodyPr rtlCol="0" anchor="t"/>
+          <a:lstStyle/>
+          <a:p>
+            <a:pPr algn="ctr" defTabSz="514350"/>
+            <a:r>
+              <a:rPr lang="en-US" sz="750" b="1">
+                <a:solidFill>
+                  <a:srgbClr val="00B050"/>
+                </a:solidFill>
+                <a:latin typeface="Arial"/>
+              </a:rPr>
+              <a:t>IBM Cloud</a:t>
+            </a:r>
+          </a:p>
+        </p:txBody>
+      </p:sp>
+      <p:sp>
+        <p:nvSpPr>
+          <p:cNvPr id="7" name="AutoShape 4">
+            <a:extLst>
+              <a:ext uri="{FF2B5EF4-FFF2-40B4-BE49-F238E27FC236}">
+                <a16:creationId xmlns:a16="http://schemas.microsoft.com/office/drawing/2014/main" id="{2CAC27AF-BDB4-874D-9765-42C852359FEA}"/>
+              </a:ext>
+            </a:extLst>
+          </p:cNvPr>
+          <p:cNvSpPr>
+            <a:spLocks noChangeArrowheads="1"/>
+          </p:cNvSpPr>
+          <p:nvPr/>
+        </p:nvSpPr>
+        <p:spPr bwMode="auto">
+          <a:xfrm>
+            <a:off x="4935506" y="1352325"/>
+            <a:ext cx="3333325" cy="480994"/>
+          </a:xfrm>
+          <a:prstGeom prst="roundRect">
+            <a:avLst>
+              <a:gd name="adj" fmla="val 7117"/>
+            </a:avLst>
+          </a:prstGeom>
+          <a:solidFill>
+            <a:schemeClr val="bg1">
+              <a:lumMod val="85000"/>
+            </a:schemeClr>
+          </a:solidFill>
+          <a:ln w="12700">
+            <a:noFill/>
+            <a:prstDash val="dash"/>
+            <a:round/>
+            <a:headEnd/>
+            <a:tailEnd/>
+          </a:ln>
+          <a:effectLst>
+            <a:outerShdw blurRad="50800" dist="38100" dir="5400000" algn="t" rotWithShape="0">
+              <a:prstClr val="black">
+                <a:alpha val="40000"/>
+              </a:prstClr>
+            </a:outerShdw>
+          </a:effectLst>
+        </p:spPr>
+        <p:txBody>
+          <a:bodyPr lIns="0" tIns="0" rIns="0" bIns="0" anchor="b" anchorCtr="1"/>
+          <a:lstStyle/>
+          <a:p>
+            <a:pPr algn="ctr"/>
+            <a:r>
+              <a:rPr lang="en-US" sz="750" dirty="0"/>
+              <a:t>Event Streams Cluster</a:t>
+            </a:r>
+          </a:p>
+        </p:txBody>
+      </p:sp>
+      <p:pic>
+        <p:nvPicPr>
+          <p:cNvPr id="8" name="Picture 7">
+            <a:extLst>
+              <a:ext uri="{FF2B5EF4-FFF2-40B4-BE49-F238E27FC236}">
+                <a16:creationId xmlns:a16="http://schemas.microsoft.com/office/drawing/2014/main" id="{EF287F09-1597-E54C-96CA-65D387410EA2}"/>
+              </a:ext>
+            </a:extLst>
+          </p:cNvPr>
+          <p:cNvPicPr>
+            <a:picLocks noChangeAspect="1"/>
+          </p:cNvPicPr>
+          <p:nvPr/>
+        </p:nvPicPr>
+        <p:blipFill>
+          <a:blip r:embed="rId2">
+            <a:extLst>
+              <a:ext uri="{28A0092B-C50C-407E-A947-70E740481C1C}">
+                <a14:useLocalDpi xmlns:a14="http://schemas.microsoft.com/office/drawing/2010/main" val="0"/>
+              </a:ext>
+            </a:extLst>
+          </a:blip>
+          <a:stretch>
+            <a:fillRect/>
+          </a:stretch>
+        </p:blipFill>
+        <p:spPr>
+          <a:xfrm>
+            <a:off x="4954099" y="1343245"/>
+            <a:ext cx="173643" cy="229320"/>
+          </a:xfrm>
+          <a:prstGeom prst="rect">
+            <a:avLst/>
+          </a:prstGeom>
+        </p:spPr>
+      </p:pic>
+      <p:sp>
+        <p:nvSpPr>
+          <p:cNvPr id="9" name="AutoShape 4">
+            <a:extLst>
+              <a:ext uri="{FF2B5EF4-FFF2-40B4-BE49-F238E27FC236}">
+                <a16:creationId xmlns:a16="http://schemas.microsoft.com/office/drawing/2014/main" id="{06ED4964-77CB-C244-9CD6-DD7D7ECC8BB7}"/>
+              </a:ext>
+            </a:extLst>
+          </p:cNvPr>
+          <p:cNvSpPr>
+            <a:spLocks noChangeArrowheads="1"/>
+          </p:cNvSpPr>
+          <p:nvPr/>
+        </p:nvSpPr>
+        <p:spPr bwMode="auto">
+          <a:xfrm>
+            <a:off x="473044" y="1364814"/>
+            <a:ext cx="3333325" cy="529093"/>
+          </a:xfrm>
+          <a:prstGeom prst="roundRect">
+            <a:avLst>
+              <a:gd name="adj" fmla="val 7117"/>
+            </a:avLst>
+          </a:prstGeom>
+          <a:solidFill>
+            <a:schemeClr val="bg1">
+              <a:lumMod val="85000"/>
+            </a:schemeClr>
+          </a:solidFill>
+          <a:ln w="12700">
+            <a:noFill/>
+            <a:prstDash val="dash"/>
+            <a:round/>
+            <a:headEnd/>
+            <a:tailEnd/>
+          </a:ln>
+          <a:effectLst>
+            <a:outerShdw blurRad="50800" dist="38100" dir="5400000" algn="t" rotWithShape="0">
+              <a:prstClr val="black">
+                <a:alpha val="40000"/>
+              </a:prstClr>
+            </a:outerShdw>
+          </a:effectLst>
+        </p:spPr>
+        <p:txBody>
+          <a:bodyPr lIns="0" tIns="0" rIns="0" bIns="0" anchor="b" anchorCtr="1"/>
+          <a:lstStyle/>
+          <a:p>
+            <a:pPr algn="ctr"/>
+            <a:r>
+              <a:rPr lang="en-US" sz="750" dirty="0"/>
+              <a:t>Kafka Cluster</a:t>
+            </a:r>
+          </a:p>
+        </p:txBody>
+      </p:sp>
+      <p:sp>
+        <p:nvSpPr>
+          <p:cNvPr id="10" name="AutoShape 4">
+            <a:extLst>
+              <a:ext uri="{FF2B5EF4-FFF2-40B4-BE49-F238E27FC236}">
+                <a16:creationId xmlns:a16="http://schemas.microsoft.com/office/drawing/2014/main" id="{68BBEC4F-56F3-BA49-9027-6552D383514C}"/>
+              </a:ext>
+            </a:extLst>
+          </p:cNvPr>
+          <p:cNvSpPr>
+            <a:spLocks noChangeArrowheads="1"/>
+          </p:cNvSpPr>
+          <p:nvPr/>
+        </p:nvSpPr>
+        <p:spPr bwMode="auto">
+          <a:xfrm>
+            <a:off x="1874843" y="1985717"/>
+            <a:ext cx="1931526" cy="756859"/>
+          </a:xfrm>
+          <a:prstGeom prst="roundRect">
+            <a:avLst>
+              <a:gd name="adj" fmla="val 7117"/>
+            </a:avLst>
+          </a:prstGeom>
+          <a:noFill/>
+          <a:ln w="12700">
+            <a:solidFill>
+              <a:schemeClr val="accent3"/>
+            </a:solidFill>
+            <a:prstDash val="dash"/>
+            <a:round/>
+            <a:headEnd/>
+            <a:tailEnd/>
+          </a:ln>
+        </p:spPr>
+        <p:txBody>
+          <a:bodyPr lIns="0" tIns="0" rIns="0" bIns="0" anchor="b" anchorCtr="1"/>
+          <a:lstStyle/>
+          <a:p>
+            <a:pPr algn="ctr"/>
+            <a:r>
+              <a:rPr lang="en-US" sz="750" dirty="0"/>
+              <a:t>Kafka Connect Cluster</a:t>
+            </a:r>
+          </a:p>
+        </p:txBody>
+      </p:sp>
+      <p:pic>
+        <p:nvPicPr>
+          <p:cNvPr id="11" name="Picture 10">
+            <a:extLst>
+              <a:ext uri="{FF2B5EF4-FFF2-40B4-BE49-F238E27FC236}">
+                <a16:creationId xmlns:a16="http://schemas.microsoft.com/office/drawing/2014/main" id="{E64E2EC7-6630-C742-BB9C-0EA220F0C451}"/>
+              </a:ext>
+            </a:extLst>
+          </p:cNvPr>
+          <p:cNvPicPr>
+            <a:picLocks noChangeAspect="1"/>
+          </p:cNvPicPr>
+          <p:nvPr/>
+        </p:nvPicPr>
+        <p:blipFill>
+          <a:blip r:embed="rId3"/>
+          <a:stretch>
+            <a:fillRect/>
+          </a:stretch>
+        </p:blipFill>
+        <p:spPr>
+          <a:xfrm>
+            <a:off x="473044" y="2006695"/>
+            <a:ext cx="376238" cy="371475"/>
+          </a:xfrm>
+          <a:prstGeom prst="rect">
+            <a:avLst/>
+          </a:prstGeom>
+        </p:spPr>
+      </p:pic>
+      <p:sp>
+        <p:nvSpPr>
+          <p:cNvPr id="12" name="Rounded Rectangle 11">
+            <a:extLst>
+              <a:ext uri="{FF2B5EF4-FFF2-40B4-BE49-F238E27FC236}">
+                <a16:creationId xmlns:a16="http://schemas.microsoft.com/office/drawing/2014/main" id="{81FDB62D-A052-4F40-BF37-660B409B0781}"/>
+              </a:ext>
+            </a:extLst>
+          </p:cNvPr>
+          <p:cNvSpPr/>
+          <p:nvPr/>
+        </p:nvSpPr>
+        <p:spPr>
+          <a:xfrm>
+            <a:off x="1974858" y="2038791"/>
+            <a:ext cx="1682742" cy="532959"/>
+          </a:xfrm>
+          <a:prstGeom prst="roundRect">
+            <a:avLst/>
+          </a:prstGeom>
+          <a:solidFill>
+            <a:srgbClr val="7030A0">
+              <a:alpha val="35000"/>
+            </a:srgbClr>
+          </a:solidFill>
+          <a:ln>
+            <a:noFill/>
+          </a:ln>
+          <a:effectLst>
+            <a:outerShdw blurRad="50800" dist="38100" dir="5400000" algn="t" rotWithShape="0">
+              <a:prstClr val="black">
+                <a:alpha val="40000"/>
+              </a:prstClr>
+            </a:outerShdw>
+          </a:effectLst>
+        </p:spPr>
+        <p:style>
+          <a:lnRef idx="2">
+            <a:schemeClr val="accent1">
+              <a:shade val="50000"/>
+            </a:schemeClr>
+          </a:lnRef>
+          <a:fillRef idx="1">
+            <a:schemeClr val="accent1"/>
+          </a:fillRef>
+          <a:effectRef idx="0">
+            <a:schemeClr val="accent1"/>
+          </a:effectRef>
+          <a:fontRef idx="minor">
+            <a:schemeClr val="lt1"/>
+          </a:fontRef>
+        </p:style>
+        <p:txBody>
+          <a:bodyPr rtlCol="0" anchor="t"/>
+          <a:lstStyle/>
+          <a:p>
+            <a:pPr algn="ctr" defTabSz="514350"/>
+            <a:r>
+              <a:rPr lang="en-US" sz="750">
+                <a:solidFill>
+                  <a:prstClr val="white"/>
+                </a:solidFill>
+                <a:latin typeface="Arial"/>
+              </a:rPr>
+              <a:t>Mirror Maker 2.0</a:t>
+            </a:r>
+          </a:p>
+        </p:txBody>
+      </p:sp>
+      <p:sp>
+        <p:nvSpPr>
+          <p:cNvPr id="16" name="AutoShape 4">
+            <a:extLst>
+              <a:ext uri="{FF2B5EF4-FFF2-40B4-BE49-F238E27FC236}">
+                <a16:creationId xmlns:a16="http://schemas.microsoft.com/office/drawing/2014/main" id="{46132ABB-C97C-584F-9405-C43BC31330E7}"/>
+              </a:ext>
+            </a:extLst>
+          </p:cNvPr>
+          <p:cNvSpPr>
+            <a:spLocks noChangeArrowheads="1"/>
+          </p:cNvSpPr>
+          <p:nvPr/>
+        </p:nvSpPr>
+        <p:spPr bwMode="auto">
+          <a:xfrm>
+            <a:off x="473044" y="1965516"/>
+            <a:ext cx="1327181" cy="606234"/>
+          </a:xfrm>
+          <a:prstGeom prst="roundRect">
+            <a:avLst>
+              <a:gd name="adj" fmla="val 7117"/>
+            </a:avLst>
+          </a:prstGeom>
+          <a:noFill/>
+          <a:ln w="12700">
+            <a:solidFill>
+              <a:schemeClr val="accent3"/>
+            </a:solidFill>
+            <a:prstDash val="dash"/>
+            <a:round/>
+            <a:headEnd/>
+            <a:tailEnd/>
+          </a:ln>
+        </p:spPr>
+        <p:txBody>
+          <a:bodyPr lIns="0" tIns="0" rIns="0" bIns="0" anchor="b" anchorCtr="1"/>
+          <a:lstStyle/>
+          <a:p>
+            <a:pPr algn="ctr"/>
+            <a:r>
+              <a:rPr lang="en-US" sz="750" dirty="0"/>
+              <a:t>Strimzi Operators</a:t>
+            </a:r>
+          </a:p>
+        </p:txBody>
+      </p:sp>
+      <p:pic>
+        <p:nvPicPr>
+          <p:cNvPr id="17" name="Picture 16">
+            <a:extLst>
+              <a:ext uri="{FF2B5EF4-FFF2-40B4-BE49-F238E27FC236}">
+                <a16:creationId xmlns:a16="http://schemas.microsoft.com/office/drawing/2014/main" id="{5AF3EA7F-ADF8-8D4D-AF71-A53109AD3A0B}"/>
+              </a:ext>
+            </a:extLst>
+          </p:cNvPr>
+          <p:cNvPicPr>
+            <a:picLocks noChangeAspect="1"/>
+          </p:cNvPicPr>
+          <p:nvPr/>
+        </p:nvPicPr>
+        <p:blipFill>
+          <a:blip r:embed="rId4"/>
+          <a:stretch>
+            <a:fillRect/>
+          </a:stretch>
+        </p:blipFill>
+        <p:spPr>
+          <a:xfrm>
+            <a:off x="426518" y="3683763"/>
+            <a:ext cx="441419" cy="441419"/>
+          </a:xfrm>
+          <a:prstGeom prst="rect">
+            <a:avLst/>
+          </a:prstGeom>
+        </p:spPr>
+      </p:pic>
+      <p:sp>
+        <p:nvSpPr>
+          <p:cNvPr id="18" name="AutoShape 4">
+            <a:extLst>
+              <a:ext uri="{FF2B5EF4-FFF2-40B4-BE49-F238E27FC236}">
+                <a16:creationId xmlns:a16="http://schemas.microsoft.com/office/drawing/2014/main" id="{1A70F136-F70D-A140-B177-FC17A525B768}"/>
+              </a:ext>
+            </a:extLst>
+          </p:cNvPr>
+          <p:cNvSpPr>
+            <a:spLocks noChangeArrowheads="1"/>
+          </p:cNvSpPr>
+          <p:nvPr/>
+        </p:nvSpPr>
+        <p:spPr bwMode="auto">
+          <a:xfrm>
+            <a:off x="426518" y="3619539"/>
+            <a:ext cx="1373707" cy="586032"/>
+          </a:xfrm>
+          <a:prstGeom prst="roundRect">
+            <a:avLst>
+              <a:gd name="adj" fmla="val 7117"/>
+            </a:avLst>
+          </a:prstGeom>
+          <a:noFill/>
+          <a:ln w="15875">
+            <a:solidFill>
+              <a:srgbClr val="FF7D54"/>
+            </a:solidFill>
+            <a:prstDash val="dash"/>
+            <a:round/>
+            <a:headEnd/>
+            <a:tailEnd/>
+          </a:ln>
+        </p:spPr>
+        <p:txBody>
+          <a:bodyPr lIns="0" tIns="0" rIns="0" bIns="0" anchor="b" anchorCtr="1"/>
+          <a:lstStyle/>
+          <a:p>
+            <a:pPr algn="ctr"/>
+            <a:r>
+              <a:rPr lang="en-US" sz="750" dirty="0"/>
+              <a:t>Grafana pod</a:t>
+            </a:r>
+          </a:p>
+        </p:txBody>
+      </p:sp>
+      <p:pic>
+        <p:nvPicPr>
+          <p:cNvPr id="19" name="Picture 18">
+            <a:extLst>
+              <a:ext uri="{FF2B5EF4-FFF2-40B4-BE49-F238E27FC236}">
+                <a16:creationId xmlns:a16="http://schemas.microsoft.com/office/drawing/2014/main" id="{FDC25DF4-6FBC-FC4A-97DF-9EB78AC1658C}"/>
+              </a:ext>
+            </a:extLst>
+          </p:cNvPr>
+          <p:cNvPicPr>
+            <a:picLocks noChangeAspect="1"/>
+          </p:cNvPicPr>
+          <p:nvPr/>
+        </p:nvPicPr>
+        <p:blipFill>
+          <a:blip r:embed="rId5"/>
+          <a:stretch>
+            <a:fillRect/>
+          </a:stretch>
+        </p:blipFill>
+        <p:spPr>
+          <a:xfrm>
+            <a:off x="368147" y="2772603"/>
+            <a:ext cx="586032" cy="586032"/>
+          </a:xfrm>
+          <a:prstGeom prst="rect">
+            <a:avLst/>
+          </a:prstGeom>
+        </p:spPr>
+      </p:pic>
+      <p:sp>
+        <p:nvSpPr>
+          <p:cNvPr id="20" name="AutoShape 4">
+            <a:extLst>
+              <a:ext uri="{FF2B5EF4-FFF2-40B4-BE49-F238E27FC236}">
+                <a16:creationId xmlns:a16="http://schemas.microsoft.com/office/drawing/2014/main" id="{3A86148D-8831-CD4A-9297-FE01CF360EF1}"/>
+              </a:ext>
+            </a:extLst>
+          </p:cNvPr>
+          <p:cNvSpPr>
+            <a:spLocks noChangeArrowheads="1"/>
+          </p:cNvSpPr>
+          <p:nvPr/>
+        </p:nvSpPr>
+        <p:spPr bwMode="auto">
+          <a:xfrm>
+            <a:off x="426517" y="2802628"/>
+            <a:ext cx="3379852" cy="756860"/>
+          </a:xfrm>
+          <a:prstGeom prst="roundRect">
+            <a:avLst>
+              <a:gd name="adj" fmla="val 7117"/>
+            </a:avLst>
+          </a:prstGeom>
+          <a:noFill/>
+          <a:ln w="15875">
+            <a:solidFill>
+              <a:srgbClr val="FF7D54"/>
+            </a:solidFill>
+            <a:prstDash val="dash"/>
+            <a:round/>
+            <a:headEnd/>
+            <a:tailEnd/>
+          </a:ln>
+        </p:spPr>
+        <p:txBody>
+          <a:bodyPr lIns="0" tIns="0" rIns="0" bIns="0" anchor="b" anchorCtr="1"/>
+          <a:lstStyle/>
+          <a:p>
+            <a:pPr algn="ctr"/>
+            <a:r>
+              <a:rPr lang="en-US" sz="750" dirty="0">
+                <a:solidFill>
+                  <a:srgbClr val="0000FF"/>
+                </a:solidFill>
+              </a:rPr>
+              <a:t>Prometheus server</a:t>
+            </a:r>
+          </a:p>
+        </p:txBody>
+      </p:sp>
+      <p:sp>
+        <p:nvSpPr>
+          <p:cNvPr id="21" name="Rectangle 20">
+            <a:extLst>
+              <a:ext uri="{FF2B5EF4-FFF2-40B4-BE49-F238E27FC236}">
+                <a16:creationId xmlns:a16="http://schemas.microsoft.com/office/drawing/2014/main" id="{076D9C7B-6860-ED42-A6BF-7B972A6CEEAF}"/>
+              </a:ext>
+            </a:extLst>
+          </p:cNvPr>
+          <p:cNvSpPr/>
+          <p:nvPr/>
+        </p:nvSpPr>
+        <p:spPr>
+          <a:xfrm>
+            <a:off x="2226244" y="2278153"/>
+            <a:ext cx="1178989" cy="203645"/>
+          </a:xfrm>
+          <a:prstGeom prst="rect">
+            <a:avLst/>
+          </a:prstGeom>
+          <a:solidFill>
+            <a:schemeClr val="bg1"/>
+          </a:solidFill>
+          <a:ln>
+            <a:noFill/>
+          </a:ln>
+        </p:spPr>
+        <p:style>
+          <a:lnRef idx="2">
+            <a:schemeClr val="accent1">
+              <a:shade val="50000"/>
+            </a:schemeClr>
+          </a:lnRef>
+          <a:fillRef idx="1">
+            <a:schemeClr val="accent1"/>
+          </a:fillRef>
+          <a:effectRef idx="0">
+            <a:schemeClr val="accent1"/>
+          </a:effectRef>
+          <a:fontRef idx="minor">
+            <a:schemeClr val="lt1"/>
+          </a:fontRef>
+        </p:style>
+        <p:txBody>
+          <a:bodyPr rtlCol="0" anchor="ctr"/>
+          <a:lstStyle/>
+          <a:p>
+            <a:pPr marL="0" marR="0" indent="0" algn="ctr" defTabSz="685800" rtl="0" eaLnBrk="1" fontAlgn="auto" latinLnBrk="0" hangingPunct="1">
+              <a:lnSpc>
+                <a:spcPct val="100000"/>
+              </a:lnSpc>
+              <a:spcBef>
+                <a:spcPts val="0"/>
+              </a:spcBef>
+              <a:spcAft>
+                <a:spcPts val="0"/>
+              </a:spcAft>
+              <a:buClrTx/>
+              <a:buSzTx/>
+              <a:buFontTx/>
+              <a:buNone/>
+              <a:tabLst/>
+            </a:pPr>
+            <a:r>
+              <a:rPr kumimoji="0" lang="en-US" sz="1000" b="0" i="0" u="none" strike="noStrike" kern="1200" cap="none" spc="0" normalizeH="0" baseline="0" noProof="0" dirty="0">
+                <a:ln>
+                  <a:noFill/>
+                </a:ln>
+                <a:solidFill>
+                  <a:srgbClr val="0000FF"/>
+                </a:solidFill>
+                <a:effectLst/>
+                <a:uLnTx/>
+                <a:uFillTx/>
+                <a:latin typeface="Arial"/>
+                <a:ea typeface="+mn-ea"/>
+                <a:cs typeface="+mn-cs"/>
+              </a:rPr>
+              <a:t>JMX Exporter</a:t>
+            </a:r>
+            <a:endParaRPr kumimoji="0" sz="1000" b="0" i="0" u="none" strike="noStrike" kern="1200" cap="none" spc="0" normalizeH="0" baseline="0" noProof="0" dirty="0">
+              <a:ln>
+                <a:noFill/>
+              </a:ln>
+              <a:solidFill>
+                <a:srgbClr val="0000FF"/>
+              </a:solidFill>
+              <a:effectLst/>
+              <a:uLnTx/>
+              <a:uFillTx/>
+              <a:latin typeface="Arial"/>
+              <a:ea typeface="+mn-ea"/>
+              <a:cs typeface="+mn-cs"/>
+            </a:endParaRPr>
+          </a:p>
+        </p:txBody>
+      </p:sp>
+      <p:sp>
+        <p:nvSpPr>
+          <p:cNvPr id="22" name="Rectangle 21">
+            <a:extLst>
+              <a:ext uri="{FF2B5EF4-FFF2-40B4-BE49-F238E27FC236}">
+                <a16:creationId xmlns:a16="http://schemas.microsoft.com/office/drawing/2014/main" id="{A6091AB6-07D1-734B-907C-5A867E67B5EA}"/>
+              </a:ext>
+            </a:extLst>
+          </p:cNvPr>
+          <p:cNvSpPr/>
+          <p:nvPr/>
+        </p:nvSpPr>
+        <p:spPr>
+          <a:xfrm>
+            <a:off x="2259776" y="2871631"/>
+            <a:ext cx="1178989" cy="203645"/>
+          </a:xfrm>
+          <a:prstGeom prst="rect">
+            <a:avLst/>
+          </a:prstGeom>
+          <a:solidFill>
+            <a:srgbClr val="FFC000">
+              <a:alpha val="50000"/>
+            </a:srgbClr>
+          </a:solidFill>
+          <a:ln>
+            <a:noFill/>
+          </a:ln>
+          <a:effectLst>
+            <a:outerShdw blurRad="50800" dist="38100" dir="5400000" algn="t" rotWithShape="0">
+              <a:prstClr val="black">
+                <a:alpha val="40000"/>
+              </a:prstClr>
+            </a:outerShdw>
+          </a:effectLst>
+        </p:spPr>
+        <p:style>
+          <a:lnRef idx="2">
+            <a:schemeClr val="accent1">
+              <a:shade val="50000"/>
+            </a:schemeClr>
+          </a:lnRef>
+          <a:fillRef idx="1">
+            <a:schemeClr val="accent1"/>
+          </a:fillRef>
+          <a:effectRef idx="0">
+            <a:schemeClr val="accent1"/>
+          </a:effectRef>
+          <a:fontRef idx="minor">
+            <a:schemeClr val="lt1"/>
+          </a:fontRef>
+        </p:style>
+        <p:txBody>
+          <a:bodyPr rtlCol="0" anchor="ctr"/>
+          <a:lstStyle/>
+          <a:p>
+            <a:pPr marL="0" marR="0" indent="0" algn="ctr" defTabSz="685800" rtl="0" eaLnBrk="1" fontAlgn="auto" latinLnBrk="0" hangingPunct="1">
+              <a:lnSpc>
+                <a:spcPct val="100000"/>
+              </a:lnSpc>
+              <a:spcBef>
+                <a:spcPts val="0"/>
+              </a:spcBef>
+              <a:spcAft>
+                <a:spcPts val="0"/>
+              </a:spcAft>
+              <a:buClrTx/>
+              <a:buSzTx/>
+              <a:buFontTx/>
+              <a:buNone/>
+              <a:tabLst/>
+            </a:pPr>
+            <a:r>
+              <a:rPr kumimoji="0" lang="en-US" sz="1000" b="0" i="0" u="none" strike="noStrike" kern="1200" cap="none" spc="0" normalizeH="0" baseline="0" noProof="0" dirty="0">
+                <a:ln>
+                  <a:noFill/>
+                </a:ln>
+                <a:solidFill>
+                  <a:srgbClr val="0000FF"/>
+                </a:solidFill>
+                <a:effectLst/>
+                <a:uLnTx/>
+                <a:uFillTx/>
+                <a:latin typeface="Arial"/>
+                <a:ea typeface="+mn-ea"/>
+                <a:cs typeface="+mn-cs"/>
+              </a:rPr>
+              <a:t>Retrieval</a:t>
+            </a:r>
+            <a:endParaRPr kumimoji="0" sz="1000" b="0" i="0" u="none" strike="noStrike" kern="1200" cap="none" spc="0" normalizeH="0" baseline="0" noProof="0" dirty="0">
+              <a:ln>
+                <a:noFill/>
+              </a:ln>
+              <a:solidFill>
+                <a:srgbClr val="0000FF"/>
+              </a:solidFill>
+              <a:effectLst/>
+              <a:uLnTx/>
+              <a:uFillTx/>
+              <a:latin typeface="Arial"/>
+              <a:ea typeface="+mn-ea"/>
+              <a:cs typeface="+mn-cs"/>
+            </a:endParaRPr>
+          </a:p>
+        </p:txBody>
+      </p:sp>
+      <p:sp>
+        <p:nvSpPr>
+          <p:cNvPr id="23" name="Rectangle 22">
+            <a:extLst>
+              <a:ext uri="{FF2B5EF4-FFF2-40B4-BE49-F238E27FC236}">
+                <a16:creationId xmlns:a16="http://schemas.microsoft.com/office/drawing/2014/main" id="{6CC001E1-112D-534E-AD5E-9A88AE633D40}"/>
+              </a:ext>
+            </a:extLst>
+          </p:cNvPr>
+          <p:cNvSpPr/>
+          <p:nvPr/>
+        </p:nvSpPr>
+        <p:spPr>
+          <a:xfrm>
+            <a:off x="954179" y="2853128"/>
+            <a:ext cx="771525" cy="222148"/>
+          </a:xfrm>
+          <a:prstGeom prst="rect">
+            <a:avLst/>
+          </a:prstGeom>
+          <a:ln>
+            <a:noFill/>
+          </a:ln>
+        </p:spPr>
+        <p:style>
+          <a:lnRef idx="2">
+            <a:schemeClr val="accent1">
+              <a:shade val="50000"/>
+            </a:schemeClr>
+          </a:lnRef>
+          <a:fillRef idx="1">
+            <a:schemeClr val="accent1"/>
+          </a:fillRef>
+          <a:effectRef idx="0">
+            <a:schemeClr val="accent1"/>
+          </a:effectRef>
+          <a:fontRef idx="minor">
+            <a:schemeClr val="lt1"/>
+          </a:fontRef>
+        </p:style>
+        <p:txBody>
+          <a:bodyPr rtlCol="0" anchor="ctr"/>
+          <a:lstStyle/>
+          <a:p>
+            <a:pPr marL="0" marR="0" indent="0" algn="ctr" defTabSz="685800" rtl="0" eaLnBrk="1" fontAlgn="auto" latinLnBrk="0" hangingPunct="1">
+              <a:lnSpc>
+                <a:spcPct val="100000"/>
+              </a:lnSpc>
+              <a:spcBef>
+                <a:spcPts val="0"/>
+              </a:spcBef>
+              <a:spcAft>
+                <a:spcPts val="0"/>
+              </a:spcAft>
+              <a:buClrTx/>
+              <a:buSzTx/>
+              <a:buFontTx/>
+              <a:buNone/>
+              <a:tabLst/>
+            </a:pPr>
+            <a:r>
+              <a:rPr lang="en-US" sz="900" dirty="0">
+                <a:solidFill>
+                  <a:prstClr val="white"/>
+                </a:solidFill>
+                <a:latin typeface="Arial"/>
+              </a:rPr>
+              <a:t>operators</a:t>
+            </a:r>
+            <a:endParaRPr kumimoji="0" sz="900" b="0" i="0" u="none" strike="noStrike" kern="1200" cap="none" spc="0" normalizeH="0" baseline="0" noProof="0" dirty="0">
+              <a:ln>
+                <a:noFill/>
+              </a:ln>
+              <a:solidFill>
+                <a:prstClr val="white"/>
+              </a:solidFill>
+              <a:effectLst/>
+              <a:uLnTx/>
+              <a:uFillTx/>
+              <a:latin typeface="Arial"/>
+              <a:ea typeface="+mn-ea"/>
+              <a:cs typeface="+mn-cs"/>
+            </a:endParaRPr>
+          </a:p>
+        </p:txBody>
+      </p:sp>
+      <p:pic>
+        <p:nvPicPr>
+          <p:cNvPr id="24" name="Picture 23">
+            <a:extLst>
+              <a:ext uri="{FF2B5EF4-FFF2-40B4-BE49-F238E27FC236}">
+                <a16:creationId xmlns:a16="http://schemas.microsoft.com/office/drawing/2014/main" id="{DEB5148B-58E6-1346-821C-FE8CF1F886CB}"/>
+              </a:ext>
+            </a:extLst>
+          </p:cNvPr>
+          <p:cNvPicPr>
+            <a:picLocks noChangeAspect="1"/>
+          </p:cNvPicPr>
+          <p:nvPr/>
+        </p:nvPicPr>
+        <p:blipFill>
+          <a:blip r:embed="rId6"/>
+          <a:stretch>
+            <a:fillRect/>
+          </a:stretch>
+        </p:blipFill>
+        <p:spPr>
+          <a:xfrm>
+            <a:off x="227789" y="4440222"/>
+            <a:ext cx="261023" cy="238649"/>
+          </a:xfrm>
+          <a:prstGeom prst="rect">
+            <a:avLst/>
+          </a:prstGeom>
+        </p:spPr>
+      </p:pic>
+    </p:spTree>
+    <p:extLst>
+      <p:ext uri="{BB962C8B-B14F-4D97-AF65-F5344CB8AC3E}">
+        <p14:creationId xmlns:p14="http://schemas.microsoft.com/office/powerpoint/2010/main" val="1287331392"/>
       </p:ext>
     </p:extLst>
   </p:cSld>
@@ -26769,36 +27807,6 @@
           </a:p>
         </p:txBody>
       </p:sp>
-      <p:pic>
-        <p:nvPicPr>
-          <p:cNvPr id="3" name="Picture 2">
-            <a:extLst>
-              <a:ext uri="{FF2B5EF4-FFF2-40B4-BE49-F238E27FC236}">
-                <a16:creationId xmlns:a16="http://schemas.microsoft.com/office/drawing/2014/main" id="{6897ECA9-F27F-1B4B-A567-00FA2BA8DB10}"/>
-              </a:ext>
-            </a:extLst>
-          </p:cNvPr>
-          <p:cNvPicPr>
-            <a:picLocks noChangeAspect="1"/>
-          </p:cNvPicPr>
-          <p:nvPr/>
-        </p:nvPicPr>
-        <p:blipFill>
-          <a:blip r:embed="rId3"/>
-          <a:stretch>
-            <a:fillRect/>
-          </a:stretch>
-        </p:blipFill>
-        <p:spPr>
-          <a:xfrm>
-            <a:off x="511363" y="1939213"/>
-            <a:ext cx="376238" cy="371475"/>
-          </a:xfrm>
-          <a:prstGeom prst="rect">
-            <a:avLst/>
-          </a:prstGeom>
-        </p:spPr>
-      </p:pic>
       <p:pic>
         <p:nvPicPr>
           <p:cNvPr id="37" name="Picture 36">
